--- a/Lecture 3.pptx
+++ b/Lecture 3.pptx
@@ -5,14 +5,31 @@
     <p:sldMasterId id="2147483648" r:id="rId1"/>
   </p:sldMasterIdLst>
   <p:notesMasterIdLst>
-    <p:notesMasterId r:id="rId7"/>
+    <p:notesMasterId r:id="rId24"/>
   </p:notesMasterIdLst>
   <p:sldIdLst>
-    <p:sldId id="295" r:id="rId2"/>
-    <p:sldId id="308" r:id="rId3"/>
-    <p:sldId id="346" r:id="rId4"/>
-    <p:sldId id="347" r:id="rId5"/>
-    <p:sldId id="348" r:id="rId6"/>
+    <p:sldId id="286" r:id="rId2"/>
+    <p:sldId id="303" r:id="rId3"/>
+    <p:sldId id="260" r:id="rId4"/>
+    <p:sldId id="263" r:id="rId5"/>
+    <p:sldId id="262" r:id="rId6"/>
+    <p:sldId id="264" r:id="rId7"/>
+    <p:sldId id="265" r:id="rId8"/>
+    <p:sldId id="266" r:id="rId9"/>
+    <p:sldId id="267" r:id="rId10"/>
+    <p:sldId id="268" r:id="rId11"/>
+    <p:sldId id="269" r:id="rId12"/>
+    <p:sldId id="270" r:id="rId13"/>
+    <p:sldId id="271" r:id="rId14"/>
+    <p:sldId id="273" r:id="rId15"/>
+    <p:sldId id="272" r:id="rId16"/>
+    <p:sldId id="274" r:id="rId17"/>
+    <p:sldId id="275" r:id="rId18"/>
+    <p:sldId id="276" r:id="rId19"/>
+    <p:sldId id="278" r:id="rId20"/>
+    <p:sldId id="277" r:id="rId21"/>
+    <p:sldId id="279" r:id="rId22"/>
+    <p:sldId id="280" r:id="rId23"/>
   </p:sldIdLst>
   <p:sldSz cx="12192000" cy="6858000"/>
   <p:notesSz cx="6858000" cy="9144000"/>
@@ -111,7 +128,4162 @@
       </a:defRPr>
     </a:lvl9pPr>
   </p:defaultTextStyle>
+  <p:extLst>
+    <p:ext uri="{EFAFB233-063F-42B5-8137-9DF3F51BA10A}">
+      <p15:sldGuideLst xmlns:p15="http://schemas.microsoft.com/office/powerpoint/2012/main">
+        <p15:guide id="1" orient="horz" pos="2160">
+          <p15:clr>
+            <a:srgbClr val="A4A3A4"/>
+          </p15:clr>
+        </p15:guide>
+        <p15:guide id="2" pos="3859">
+          <p15:clr>
+            <a:srgbClr val="A4A3A4"/>
+          </p15:clr>
+        </p15:guide>
+      </p15:sldGuideLst>
+    </p:ext>
+  </p:extLst>
 </p:presentation>
+</file>
+
+<file path=ppt/diagrams/colors1.xml><?xml version="1.0" encoding="utf-8"?>
+<dgm:colorsDef xmlns:dgm="http://schemas.openxmlformats.org/drawingml/2006/diagram" xmlns:a="http://schemas.openxmlformats.org/drawingml/2006/main" uniqueId="urn:microsoft.com/office/officeart/2005/8/colors/colorful5#1">
+  <dgm:title val=""/>
+  <dgm:desc val=""/>
+  <dgm:catLst>
+    <dgm:cat type="colorful" pri="10500"/>
+  </dgm:catLst>
+  <dgm:styleLbl name="alignAcc1">
+    <dgm:fillClrLst meth="repeat">
+      <a:schemeClr val="lt1">
+        <a:alpha val="90000"/>
+      </a:schemeClr>
+    </dgm:fillClrLst>
+    <dgm:linClrLst>
+      <a:schemeClr val="accent5"/>
+      <a:schemeClr val="accent6"/>
+    </dgm:linClrLst>
+    <dgm:effectClrLst/>
+    <dgm:txLinClrLst/>
+    <dgm:txFillClrLst meth="repeat">
+      <a:schemeClr val="dk1"/>
+    </dgm:txFillClrLst>
+    <dgm:txEffectClrLst/>
+  </dgm:styleLbl>
+  <dgm:styleLbl name="alignAccFollowNode1">
+    <dgm:fillClrLst>
+      <a:schemeClr val="accent5">
+        <a:tint val="40000"/>
+        <a:alpha val="90000"/>
+      </a:schemeClr>
+      <a:schemeClr val="accent6">
+        <a:tint val="40000"/>
+        <a:alpha val="90000"/>
+      </a:schemeClr>
+    </dgm:fillClrLst>
+    <dgm:linClrLst>
+      <a:schemeClr val="accent5">
+        <a:tint val="40000"/>
+        <a:alpha val="90000"/>
+      </a:schemeClr>
+      <a:schemeClr val="accent6">
+        <a:tint val="40000"/>
+        <a:alpha val="90000"/>
+      </a:schemeClr>
+    </dgm:linClrLst>
+    <dgm:effectClrLst/>
+    <dgm:txLinClrLst/>
+    <dgm:txFillClrLst meth="repeat">
+      <a:schemeClr val="dk1"/>
+    </dgm:txFillClrLst>
+    <dgm:txEffectClrLst/>
+  </dgm:styleLbl>
+  <dgm:styleLbl name="alignImgPlace1">
+    <dgm:fillClrLst>
+      <a:schemeClr val="accent5">
+        <a:tint val="50000"/>
+      </a:schemeClr>
+      <a:schemeClr val="accent6">
+        <a:tint val="20000"/>
+      </a:schemeClr>
+    </dgm:fillClrLst>
+    <dgm:linClrLst meth="repeat">
+      <a:schemeClr val="lt1"/>
+    </dgm:linClrLst>
+    <dgm:effectClrLst/>
+    <dgm:txLinClrLst/>
+    <dgm:txFillClrLst meth="repeat">
+      <a:schemeClr val="lt1"/>
+    </dgm:txFillClrLst>
+    <dgm:txEffectClrLst/>
+  </dgm:styleLbl>
+  <dgm:styleLbl name="alignNode1">
+    <dgm:fillClrLst>
+      <a:schemeClr val="accent5"/>
+      <a:schemeClr val="accent6"/>
+    </dgm:fillClrLst>
+    <dgm:linClrLst>
+      <a:schemeClr val="accent5"/>
+      <a:schemeClr val="accent6"/>
+    </dgm:linClrLst>
+    <dgm:effectClrLst/>
+    <dgm:txLinClrLst/>
+    <dgm:txFillClrLst/>
+    <dgm:txEffectClrLst/>
+  </dgm:styleLbl>
+  <dgm:styleLbl name="asst0">
+    <dgm:fillClrLst meth="repeat">
+      <a:schemeClr val="accent5"/>
+    </dgm:fillClrLst>
+    <dgm:linClrLst meth="repeat">
+      <a:schemeClr val="lt1">
+        <a:shade val="80000"/>
+      </a:schemeClr>
+    </dgm:linClrLst>
+    <dgm:effectClrLst/>
+    <dgm:txLinClrLst/>
+    <dgm:txFillClrLst/>
+    <dgm:txEffectClrLst/>
+  </dgm:styleLbl>
+  <dgm:styleLbl name="asst1">
+    <dgm:fillClrLst meth="repeat">
+      <a:schemeClr val="accent6"/>
+    </dgm:fillClrLst>
+    <dgm:linClrLst meth="repeat">
+      <a:schemeClr val="lt1">
+        <a:shade val="80000"/>
+      </a:schemeClr>
+    </dgm:linClrLst>
+    <dgm:effectClrLst/>
+    <dgm:txLinClrLst/>
+    <dgm:txFillClrLst/>
+    <dgm:txEffectClrLst/>
+  </dgm:styleLbl>
+  <dgm:styleLbl name="asst2">
+    <dgm:fillClrLst>
+      <a:schemeClr val="accent1"/>
+    </dgm:fillClrLst>
+    <dgm:linClrLst meth="repeat">
+      <a:schemeClr val="lt1"/>
+    </dgm:linClrLst>
+    <dgm:effectClrLst/>
+    <dgm:txLinClrLst/>
+    <dgm:txFillClrLst/>
+    <dgm:txEffectClrLst/>
+  </dgm:styleLbl>
+  <dgm:styleLbl name="asst3">
+    <dgm:fillClrLst>
+      <a:schemeClr val="accent2"/>
+    </dgm:fillClrLst>
+    <dgm:linClrLst meth="repeat">
+      <a:schemeClr val="lt1"/>
+    </dgm:linClrLst>
+    <dgm:effectClrLst/>
+    <dgm:txLinClrLst/>
+    <dgm:txFillClrLst/>
+    <dgm:txEffectClrLst/>
+  </dgm:styleLbl>
+  <dgm:styleLbl name="asst4">
+    <dgm:fillClrLst>
+      <a:schemeClr val="accent3"/>
+    </dgm:fillClrLst>
+    <dgm:linClrLst meth="repeat">
+      <a:schemeClr val="lt1"/>
+    </dgm:linClrLst>
+    <dgm:effectClrLst/>
+    <dgm:txLinClrLst/>
+    <dgm:txFillClrLst/>
+    <dgm:txEffectClrLst/>
+  </dgm:styleLbl>
+  <dgm:styleLbl name="bgAcc1">
+    <dgm:fillClrLst meth="repeat">
+      <a:schemeClr val="lt1">
+        <a:alpha val="90000"/>
+      </a:schemeClr>
+    </dgm:fillClrLst>
+    <dgm:linClrLst>
+      <a:schemeClr val="accent5"/>
+      <a:schemeClr val="accent6"/>
+    </dgm:linClrLst>
+    <dgm:effectClrLst/>
+    <dgm:txLinClrLst/>
+    <dgm:txFillClrLst meth="repeat">
+      <a:schemeClr val="dk1"/>
+    </dgm:txFillClrLst>
+    <dgm:txEffectClrLst/>
+  </dgm:styleLbl>
+  <dgm:styleLbl name="bgAccFollowNode1">
+    <dgm:fillClrLst>
+      <a:schemeClr val="accent5">
+        <a:tint val="40000"/>
+        <a:alpha val="90000"/>
+      </a:schemeClr>
+      <a:schemeClr val="accent6">
+        <a:tint val="40000"/>
+        <a:alpha val="90000"/>
+      </a:schemeClr>
+    </dgm:fillClrLst>
+    <dgm:linClrLst>
+      <a:schemeClr val="accent5">
+        <a:tint val="40000"/>
+        <a:alpha val="90000"/>
+      </a:schemeClr>
+      <a:schemeClr val="accent6">
+        <a:tint val="40000"/>
+        <a:alpha val="90000"/>
+      </a:schemeClr>
+    </dgm:linClrLst>
+    <dgm:effectClrLst/>
+    <dgm:txLinClrLst/>
+    <dgm:txFillClrLst meth="repeat">
+      <a:schemeClr val="dk1"/>
+    </dgm:txFillClrLst>
+    <dgm:txEffectClrLst/>
+  </dgm:styleLbl>
+  <dgm:styleLbl name="bgImgPlace1">
+    <dgm:fillClrLst>
+      <a:schemeClr val="accent5">
+        <a:tint val="50000"/>
+      </a:schemeClr>
+      <a:schemeClr val="accent6">
+        <a:tint val="20000"/>
+      </a:schemeClr>
+    </dgm:fillClrLst>
+    <dgm:linClrLst meth="repeat">
+      <a:schemeClr val="lt1"/>
+    </dgm:linClrLst>
+    <dgm:effectClrLst/>
+    <dgm:txLinClrLst/>
+    <dgm:txFillClrLst meth="repeat">
+      <a:schemeClr val="lt1"/>
+    </dgm:txFillClrLst>
+    <dgm:txEffectClrLst/>
+  </dgm:styleLbl>
+  <dgm:styleLbl name="bgShp">
+    <dgm:fillClrLst meth="repeat">
+      <a:schemeClr val="accent5">
+        <a:tint val="40000"/>
+      </a:schemeClr>
+    </dgm:fillClrLst>
+    <dgm:linClrLst meth="repeat">
+      <a:schemeClr val="dk1"/>
+    </dgm:linClrLst>
+    <dgm:effectClrLst/>
+    <dgm:txLinClrLst/>
+    <dgm:txFillClrLst meth="repeat">
+      <a:schemeClr val="dk1"/>
+    </dgm:txFillClrLst>
+    <dgm:txEffectClrLst/>
+  </dgm:styleLbl>
+  <dgm:styleLbl name="bgSibTrans2D1">
+    <dgm:fillClrLst>
+      <a:schemeClr val="accent5"/>
+      <a:schemeClr val="accent6"/>
+    </dgm:fillClrLst>
+    <dgm:linClrLst meth="repeat">
+      <a:schemeClr val="lt1"/>
+    </dgm:linClrLst>
+    <dgm:effectClrLst/>
+    <dgm:txLinClrLst/>
+    <dgm:txFillClrLst meth="repeat">
+      <a:schemeClr val="lt1"/>
+    </dgm:txFillClrLst>
+    <dgm:txEffectClrLst/>
+  </dgm:styleLbl>
+  <dgm:styleLbl name="callout">
+    <dgm:fillClrLst meth="repeat">
+      <a:schemeClr val="accent5"/>
+    </dgm:fillClrLst>
+    <dgm:linClrLst meth="repeat">
+      <a:schemeClr val="accent5">
+        <a:tint val="50000"/>
+      </a:schemeClr>
+    </dgm:linClrLst>
+    <dgm:effectClrLst/>
+    <dgm:txLinClrLst/>
+    <dgm:txFillClrLst meth="repeat">
+      <a:schemeClr val="tx1"/>
+    </dgm:txFillClrLst>
+    <dgm:txEffectClrLst/>
+  </dgm:styleLbl>
+  <dgm:styleLbl name="conFgAcc1">
+    <dgm:fillClrLst meth="repeat">
+      <a:schemeClr val="lt1">
+        <a:alpha val="90000"/>
+      </a:schemeClr>
+    </dgm:fillClrLst>
+    <dgm:linClrLst>
+      <a:schemeClr val="accent5"/>
+      <a:schemeClr val="accent6"/>
+    </dgm:linClrLst>
+    <dgm:effectClrLst/>
+    <dgm:txLinClrLst/>
+    <dgm:txFillClrLst meth="repeat">
+      <a:schemeClr val="dk1"/>
+    </dgm:txFillClrLst>
+    <dgm:txEffectClrLst/>
+  </dgm:styleLbl>
+  <dgm:styleLbl name="dkBgShp">
+    <dgm:fillClrLst meth="repeat">
+      <a:schemeClr val="accent5">
+        <a:shade val="90000"/>
+      </a:schemeClr>
+    </dgm:fillClrLst>
+    <dgm:linClrLst meth="repeat">
+      <a:schemeClr val="dk1"/>
+    </dgm:linClrLst>
+    <dgm:effectClrLst/>
+    <dgm:txLinClrLst/>
+    <dgm:txFillClrLst meth="repeat">
+      <a:schemeClr val="lt1"/>
+    </dgm:txFillClrLst>
+    <dgm:txEffectClrLst/>
+  </dgm:styleLbl>
+  <dgm:styleLbl name="fgAcc0">
+    <dgm:fillClrLst meth="repeat">
+      <a:schemeClr val="lt1">
+        <a:alpha val="90000"/>
+      </a:schemeClr>
+    </dgm:fillClrLst>
+    <dgm:linClrLst>
+      <a:schemeClr val="accent4"/>
+    </dgm:linClrLst>
+    <dgm:effectClrLst/>
+    <dgm:txLinClrLst/>
+    <dgm:txFillClrLst meth="repeat">
+      <a:schemeClr val="dk1"/>
+    </dgm:txFillClrLst>
+    <dgm:txEffectClrLst/>
+  </dgm:styleLbl>
+  <dgm:styleLbl name="fgAcc1">
+    <dgm:fillClrLst meth="repeat">
+      <a:schemeClr val="lt1">
+        <a:alpha val="90000"/>
+      </a:schemeClr>
+    </dgm:fillClrLst>
+    <dgm:linClrLst>
+      <a:schemeClr val="accent5"/>
+      <a:schemeClr val="accent6"/>
+    </dgm:linClrLst>
+    <dgm:effectClrLst/>
+    <dgm:txLinClrLst/>
+    <dgm:txFillClrLst meth="repeat">
+      <a:schemeClr val="dk1"/>
+    </dgm:txFillClrLst>
+    <dgm:txEffectClrLst/>
+  </dgm:styleLbl>
+  <dgm:styleLbl name="fgAcc2">
+    <dgm:fillClrLst meth="repeat">
+      <a:schemeClr val="lt1">
+        <a:alpha val="90000"/>
+      </a:schemeClr>
+    </dgm:fillClrLst>
+    <dgm:linClrLst>
+      <a:schemeClr val="accent6"/>
+    </dgm:linClrLst>
+    <dgm:effectClrLst/>
+    <dgm:txLinClrLst/>
+    <dgm:txFillClrLst meth="repeat">
+      <a:schemeClr val="dk1"/>
+    </dgm:txFillClrLst>
+    <dgm:txEffectClrLst/>
+  </dgm:styleLbl>
+  <dgm:styleLbl name="fgAcc3">
+    <dgm:fillClrLst meth="repeat">
+      <a:schemeClr val="lt1">
+        <a:alpha val="90000"/>
+      </a:schemeClr>
+    </dgm:fillClrLst>
+    <dgm:linClrLst>
+      <a:schemeClr val="accent1"/>
+    </dgm:linClrLst>
+    <dgm:effectClrLst/>
+    <dgm:txLinClrLst/>
+    <dgm:txFillClrLst meth="repeat">
+      <a:schemeClr val="dk1"/>
+    </dgm:txFillClrLst>
+    <dgm:txEffectClrLst/>
+  </dgm:styleLbl>
+  <dgm:styleLbl name="fgAcc4">
+    <dgm:fillClrLst meth="repeat">
+      <a:schemeClr val="lt1">
+        <a:alpha val="90000"/>
+      </a:schemeClr>
+    </dgm:fillClrLst>
+    <dgm:linClrLst>
+      <a:schemeClr val="accent2"/>
+    </dgm:linClrLst>
+    <dgm:effectClrLst/>
+    <dgm:txLinClrLst/>
+    <dgm:txFillClrLst meth="repeat">
+      <a:schemeClr val="dk1"/>
+    </dgm:txFillClrLst>
+    <dgm:txEffectClrLst/>
+  </dgm:styleLbl>
+  <dgm:styleLbl name="fgAccFollowNode1">
+    <dgm:fillClrLst>
+      <a:schemeClr val="accent5">
+        <a:tint val="40000"/>
+        <a:alpha val="90000"/>
+      </a:schemeClr>
+      <a:schemeClr val="accent6">
+        <a:tint val="40000"/>
+        <a:alpha val="90000"/>
+      </a:schemeClr>
+    </dgm:fillClrLst>
+    <dgm:linClrLst>
+      <a:schemeClr val="accent5">
+        <a:tint val="40000"/>
+        <a:alpha val="90000"/>
+      </a:schemeClr>
+      <a:schemeClr val="accent5">
+        <a:tint val="40000"/>
+        <a:alpha val="90000"/>
+      </a:schemeClr>
+    </dgm:linClrLst>
+    <dgm:effectClrLst/>
+    <dgm:txLinClrLst/>
+    <dgm:txFillClrLst meth="repeat">
+      <a:schemeClr val="dk1"/>
+    </dgm:txFillClrLst>
+    <dgm:txEffectClrLst/>
+  </dgm:styleLbl>
+  <dgm:styleLbl name="fgImgPlace1">
+    <dgm:fillClrLst>
+      <a:schemeClr val="accent5">
+        <a:tint val="50000"/>
+      </a:schemeClr>
+      <a:schemeClr val="accent6">
+        <a:tint val="50000"/>
+      </a:schemeClr>
+    </dgm:fillClrLst>
+    <dgm:linClrLst meth="repeat">
+      <a:schemeClr val="lt1"/>
+    </dgm:linClrLst>
+    <dgm:effectClrLst/>
+    <dgm:txLinClrLst/>
+    <dgm:txFillClrLst meth="repeat">
+      <a:schemeClr val="lt1"/>
+    </dgm:txFillClrLst>
+    <dgm:txEffectClrLst/>
+  </dgm:styleLbl>
+  <dgm:styleLbl name="fgShp">
+    <dgm:fillClrLst meth="repeat">
+      <a:schemeClr val="accent5">
+        <a:tint val="40000"/>
+      </a:schemeClr>
+    </dgm:fillClrLst>
+    <dgm:linClrLst meth="repeat">
+      <a:schemeClr val="lt1"/>
+    </dgm:linClrLst>
+    <dgm:effectClrLst/>
+    <dgm:txLinClrLst/>
+    <dgm:txFillClrLst meth="repeat">
+      <a:schemeClr val="dk1"/>
+    </dgm:txFillClrLst>
+    <dgm:txEffectClrLst/>
+  </dgm:styleLbl>
+  <dgm:styleLbl name="fgSibTrans2D1">
+    <dgm:fillClrLst>
+      <a:schemeClr val="accent5"/>
+      <a:schemeClr val="accent6"/>
+    </dgm:fillClrLst>
+    <dgm:linClrLst meth="repeat">
+      <a:schemeClr val="lt1"/>
+    </dgm:linClrLst>
+    <dgm:effectClrLst/>
+    <dgm:txLinClrLst/>
+    <dgm:txFillClrLst meth="repeat">
+      <a:schemeClr val="lt1"/>
+    </dgm:txFillClrLst>
+    <dgm:txEffectClrLst/>
+  </dgm:styleLbl>
+  <dgm:styleLbl name="lnNode1">
+    <dgm:fillClrLst>
+      <a:schemeClr val="accent5"/>
+      <a:schemeClr val="accent6"/>
+    </dgm:fillClrLst>
+    <dgm:linClrLst meth="repeat">
+      <a:schemeClr val="lt1"/>
+    </dgm:linClrLst>
+    <dgm:effectClrLst/>
+    <dgm:txLinClrLst/>
+    <dgm:txFillClrLst/>
+    <dgm:txEffectClrLst/>
+  </dgm:styleLbl>
+  <dgm:styleLbl name="node0">
+    <dgm:fillClrLst meth="repeat">
+      <a:schemeClr val="accent4"/>
+    </dgm:fillClrLst>
+    <dgm:linClrLst meth="repeat">
+      <a:schemeClr val="lt1"/>
+    </dgm:linClrLst>
+    <dgm:effectClrLst/>
+    <dgm:txLinClrLst/>
+    <dgm:txFillClrLst/>
+    <dgm:txEffectClrLst/>
+  </dgm:styleLbl>
+  <dgm:styleLbl name="node1">
+    <dgm:fillClrLst>
+      <a:schemeClr val="accent5"/>
+      <a:schemeClr val="accent6"/>
+    </dgm:fillClrLst>
+    <dgm:linClrLst meth="repeat">
+      <a:schemeClr val="lt1"/>
+    </dgm:linClrLst>
+    <dgm:effectClrLst/>
+    <dgm:txLinClrLst/>
+    <dgm:txFillClrLst/>
+    <dgm:txEffectClrLst/>
+  </dgm:styleLbl>
+  <dgm:styleLbl name="node2">
+    <dgm:fillClrLst>
+      <a:schemeClr val="accent6"/>
+    </dgm:fillClrLst>
+    <dgm:linClrLst meth="repeat">
+      <a:schemeClr val="lt1"/>
+    </dgm:linClrLst>
+    <dgm:effectClrLst/>
+    <dgm:txLinClrLst/>
+    <dgm:txFillClrLst/>
+    <dgm:txEffectClrLst/>
+  </dgm:styleLbl>
+  <dgm:styleLbl name="node3">
+    <dgm:fillClrLst>
+      <a:schemeClr val="accent1"/>
+    </dgm:fillClrLst>
+    <dgm:linClrLst meth="repeat">
+      <a:schemeClr val="lt1"/>
+    </dgm:linClrLst>
+    <dgm:effectClrLst/>
+    <dgm:txLinClrLst/>
+    <dgm:txFillClrLst/>
+    <dgm:txEffectClrLst/>
+  </dgm:styleLbl>
+  <dgm:styleLbl name="node4">
+    <dgm:fillClrLst>
+      <a:schemeClr val="accent2"/>
+    </dgm:fillClrLst>
+    <dgm:linClrLst meth="repeat">
+      <a:schemeClr val="lt1"/>
+    </dgm:linClrLst>
+    <dgm:effectClrLst/>
+    <dgm:txLinClrLst/>
+    <dgm:txFillClrLst/>
+    <dgm:txEffectClrLst/>
+  </dgm:styleLbl>
+  <dgm:styleLbl name="parChTrans1D1">
+    <dgm:fillClrLst meth="repeat">
+      <a:schemeClr val="accent5"/>
+    </dgm:fillClrLst>
+    <dgm:linClrLst meth="repeat">
+      <a:schemeClr val="accent5"/>
+    </dgm:linClrLst>
+    <dgm:effectClrLst/>
+    <dgm:txLinClrLst/>
+    <dgm:txFillClrLst meth="repeat">
+      <a:schemeClr val="tx1"/>
+    </dgm:txFillClrLst>
+    <dgm:txEffectClrLst/>
+  </dgm:styleLbl>
+  <dgm:styleLbl name="parChTrans1D2">
+    <dgm:fillClrLst meth="repeat">
+      <a:schemeClr val="accent6">
+        <a:tint val="90000"/>
+      </a:schemeClr>
+    </dgm:fillClrLst>
+    <dgm:linClrLst meth="repeat">
+      <a:schemeClr val="accent6"/>
+    </dgm:linClrLst>
+    <dgm:effectClrLst/>
+    <dgm:txLinClrLst/>
+    <dgm:txFillClrLst meth="repeat">
+      <a:schemeClr val="tx1"/>
+    </dgm:txFillClrLst>
+    <dgm:txEffectClrLst/>
+  </dgm:styleLbl>
+  <dgm:styleLbl name="parChTrans1D3">
+    <dgm:fillClrLst meth="repeat">
+      <a:schemeClr val="accent6">
+        <a:tint val="70000"/>
+      </a:schemeClr>
+    </dgm:fillClrLst>
+    <dgm:linClrLst meth="repeat">
+      <a:schemeClr val="accent1"/>
+    </dgm:linClrLst>
+    <dgm:effectClrLst/>
+    <dgm:txLinClrLst/>
+    <dgm:txFillClrLst meth="repeat">
+      <a:schemeClr val="tx1"/>
+    </dgm:txFillClrLst>
+    <dgm:txEffectClrLst/>
+  </dgm:styleLbl>
+  <dgm:styleLbl name="parChTrans1D4">
+    <dgm:fillClrLst meth="repeat">
+      <a:schemeClr val="accent6">
+        <a:tint val="50000"/>
+      </a:schemeClr>
+    </dgm:fillClrLst>
+    <dgm:linClrLst meth="repeat">
+      <a:schemeClr val="accent2"/>
+    </dgm:linClrLst>
+    <dgm:effectClrLst/>
+    <dgm:txLinClrLst/>
+    <dgm:txFillClrLst meth="repeat">
+      <a:schemeClr val="tx1"/>
+    </dgm:txFillClrLst>
+    <dgm:txEffectClrLst/>
+  </dgm:styleLbl>
+  <dgm:styleLbl name="parChTrans2D1">
+    <dgm:fillClrLst meth="repeat">
+      <a:schemeClr val="accent5"/>
+    </dgm:fillClrLst>
+    <dgm:linClrLst meth="repeat">
+      <a:schemeClr val="lt1"/>
+    </dgm:linClrLst>
+    <dgm:effectClrLst/>
+    <dgm:txLinClrLst/>
+    <dgm:txFillClrLst meth="repeat">
+      <a:schemeClr val="lt1"/>
+    </dgm:txFillClrLst>
+    <dgm:txEffectClrLst/>
+  </dgm:styleLbl>
+  <dgm:styleLbl name="parChTrans2D2">
+    <dgm:fillClrLst meth="repeat">
+      <a:schemeClr val="accent6"/>
+    </dgm:fillClrLst>
+    <dgm:linClrLst meth="repeat">
+      <a:schemeClr val="lt1"/>
+    </dgm:linClrLst>
+    <dgm:effectClrLst/>
+    <dgm:txLinClrLst/>
+    <dgm:txFillClrLst/>
+    <dgm:txEffectClrLst/>
+  </dgm:styleLbl>
+  <dgm:styleLbl name="parChTrans2D3">
+    <dgm:fillClrLst meth="repeat">
+      <a:schemeClr val="accent6"/>
+    </dgm:fillClrLst>
+    <dgm:linClrLst meth="repeat">
+      <a:schemeClr val="lt1"/>
+    </dgm:linClrLst>
+    <dgm:effectClrLst/>
+    <dgm:txLinClrLst/>
+    <dgm:txFillClrLst/>
+    <dgm:txEffectClrLst/>
+  </dgm:styleLbl>
+  <dgm:styleLbl name="parChTrans2D4">
+    <dgm:fillClrLst meth="repeat">
+      <a:schemeClr val="accent1"/>
+    </dgm:fillClrLst>
+    <dgm:linClrLst meth="repeat">
+      <a:schemeClr val="lt1"/>
+    </dgm:linClrLst>
+    <dgm:effectClrLst/>
+    <dgm:txLinClrLst/>
+    <dgm:txFillClrLst meth="repeat">
+      <a:schemeClr val="lt1"/>
+    </dgm:txFillClrLst>
+    <dgm:txEffectClrLst/>
+  </dgm:styleLbl>
+  <dgm:styleLbl name="revTx">
+    <dgm:fillClrLst meth="repeat">
+      <a:schemeClr val="lt1">
+        <a:alpha val="0"/>
+      </a:schemeClr>
+    </dgm:fillClrLst>
+    <dgm:linClrLst meth="repeat">
+      <a:schemeClr val="dk1">
+        <a:alpha val="0"/>
+      </a:schemeClr>
+    </dgm:linClrLst>
+    <dgm:effectClrLst/>
+    <dgm:txLinClrLst/>
+    <dgm:txFillClrLst meth="repeat">
+      <a:schemeClr val="tx1"/>
+    </dgm:txFillClrLst>
+    <dgm:txEffectClrLst/>
+  </dgm:styleLbl>
+  <dgm:styleLbl name="sibTrans1D1">
+    <dgm:fillClrLst/>
+    <dgm:linClrLst>
+      <a:schemeClr val="accent5"/>
+      <a:schemeClr val="accent6"/>
+    </dgm:linClrLst>
+    <dgm:effectClrLst/>
+    <dgm:txLinClrLst/>
+    <dgm:txFillClrLst meth="repeat">
+      <a:schemeClr val="tx1"/>
+    </dgm:txFillClrLst>
+    <dgm:txEffectClrLst/>
+  </dgm:styleLbl>
+  <dgm:styleLbl name="sibTrans2D1">
+    <dgm:fillClrLst>
+      <a:schemeClr val="accent5"/>
+      <a:schemeClr val="accent6"/>
+    </dgm:fillClrLst>
+    <dgm:linClrLst meth="repeat">
+      <a:schemeClr val="lt1"/>
+    </dgm:linClrLst>
+    <dgm:effectClrLst/>
+    <dgm:txLinClrLst/>
+    <dgm:txFillClrLst/>
+    <dgm:txEffectClrLst/>
+  </dgm:styleLbl>
+  <dgm:styleLbl name="solidAlignAcc1">
+    <dgm:fillClrLst meth="repeat">
+      <a:schemeClr val="lt1"/>
+    </dgm:fillClrLst>
+    <dgm:linClrLst>
+      <a:schemeClr val="accent5"/>
+      <a:schemeClr val="accent6"/>
+    </dgm:linClrLst>
+    <dgm:effectClrLst/>
+    <dgm:txLinClrLst/>
+    <dgm:txFillClrLst meth="repeat">
+      <a:schemeClr val="dk1"/>
+    </dgm:txFillClrLst>
+    <dgm:txEffectClrLst/>
+  </dgm:styleLbl>
+  <dgm:styleLbl name="solidBgAcc1">
+    <dgm:fillClrLst meth="repeat">
+      <a:schemeClr val="lt1"/>
+    </dgm:fillClrLst>
+    <dgm:linClrLst>
+      <a:schemeClr val="accent5"/>
+      <a:schemeClr val="accent6"/>
+    </dgm:linClrLst>
+    <dgm:effectClrLst/>
+    <dgm:txLinClrLst/>
+    <dgm:txFillClrLst meth="repeat">
+      <a:schemeClr val="dk1"/>
+    </dgm:txFillClrLst>
+    <dgm:txEffectClrLst/>
+  </dgm:styleLbl>
+  <dgm:styleLbl name="solidFgAcc1">
+    <dgm:fillClrLst meth="repeat">
+      <a:schemeClr val="lt1"/>
+    </dgm:fillClrLst>
+    <dgm:linClrLst>
+      <a:schemeClr val="accent5"/>
+      <a:schemeClr val="accent6"/>
+    </dgm:linClrLst>
+    <dgm:effectClrLst/>
+    <dgm:txLinClrLst/>
+    <dgm:txFillClrLst meth="repeat">
+      <a:schemeClr val="dk1"/>
+    </dgm:txFillClrLst>
+    <dgm:txEffectClrLst/>
+  </dgm:styleLbl>
+  <dgm:styleLbl name="trAlignAcc1">
+    <dgm:fillClrLst meth="repeat">
+      <a:schemeClr val="lt1">
+        <a:alpha val="40000"/>
+      </a:schemeClr>
+    </dgm:fillClrLst>
+    <dgm:linClrLst meth="repeat">
+      <a:schemeClr val="accent5"/>
+    </dgm:linClrLst>
+    <dgm:effectClrLst/>
+    <dgm:txLinClrLst/>
+    <dgm:txFillClrLst meth="repeat">
+      <a:schemeClr val="dk1"/>
+    </dgm:txFillClrLst>
+    <dgm:txEffectClrLst/>
+  </dgm:styleLbl>
+  <dgm:styleLbl name="trBgShp">
+    <dgm:fillClrLst meth="repeat">
+      <a:schemeClr val="accent5">
+        <a:tint val="50000"/>
+        <a:alpha val="40000"/>
+      </a:schemeClr>
+    </dgm:fillClrLst>
+    <dgm:linClrLst meth="repeat">
+      <a:schemeClr val="accent5"/>
+    </dgm:linClrLst>
+    <dgm:effectClrLst/>
+    <dgm:txLinClrLst/>
+    <dgm:txFillClrLst meth="repeat">
+      <a:schemeClr val="lt1"/>
+    </dgm:txFillClrLst>
+    <dgm:txEffectClrLst/>
+  </dgm:styleLbl>
+  <dgm:styleLbl name="vennNode1">
+    <dgm:fillClrLst>
+      <a:schemeClr val="accent5">
+        <a:alpha val="50000"/>
+      </a:schemeClr>
+      <a:schemeClr val="accent6">
+        <a:alpha val="50000"/>
+      </a:schemeClr>
+    </dgm:fillClrLst>
+    <dgm:linClrLst meth="repeat">
+      <a:schemeClr val="lt1"/>
+    </dgm:linClrLst>
+    <dgm:effectClrLst/>
+    <dgm:txLinClrLst/>
+    <dgm:txFillClrLst/>
+    <dgm:txEffectClrLst/>
+  </dgm:styleLbl>
+</dgm:colorsDef>
+</file>
+
+<file path=ppt/diagrams/data1.xml><?xml version="1.0" encoding="utf-8"?>
+<dgm:dataModel xmlns:dgm="http://schemas.openxmlformats.org/drawingml/2006/diagram" xmlns:a="http://schemas.openxmlformats.org/drawingml/2006/main">
+  <dgm:ptLst>
+    <dgm:pt modelId="{B0898426-6124-E54F-BC26-B3292C3B48BF}" type="doc">
+      <dgm:prSet loTypeId="urn:microsoft.com/office/officeart/2005/8/layout/vProcess5" loCatId="process" qsTypeId="urn:microsoft.com/office/officeart/2005/8/quickstyle/simple1#1" qsCatId="simple" csTypeId="urn:microsoft.com/office/officeart/2005/8/colors/colorful5#1" csCatId="colorful" phldr="1"/>
+      <dgm:spPr/>
+      <dgm:t>
+        <a:bodyPr/>
+        <a:lstStyle/>
+        <a:p>
+          <a:endParaRPr lang="en-US"/>
+        </a:p>
+      </dgm:t>
+    </dgm:pt>
+    <dgm:pt modelId="{50B722C5-B8E7-E54F-8E6A-668DB1E4A2E2}">
+      <dgm:prSet/>
+      <dgm:spPr/>
+      <dgm:t>
+        <a:bodyPr/>
+        <a:lstStyle/>
+        <a:p>
+          <a:pPr rtl="0"/>
+          <a:r>
+            <a:rPr lang="en-US" dirty="0"/>
+            <a:t>1.Initial GIT setup</a:t>
+          </a:r>
+        </a:p>
+      </dgm:t>
+    </dgm:pt>
+    <dgm:pt modelId="{5E307F02-3CBC-D14C-B0C5-A363B4E279F8}" type="parTrans" cxnId="{90E49D23-D9AB-4A45-A0F9-B5B1A62AB173}">
+      <dgm:prSet/>
+      <dgm:spPr/>
+      <dgm:t>
+        <a:bodyPr/>
+        <a:lstStyle/>
+        <a:p>
+          <a:endParaRPr lang="en-US"/>
+        </a:p>
+      </dgm:t>
+    </dgm:pt>
+    <dgm:pt modelId="{68F96244-657F-0746-BAD0-8CEFEBB65C90}" type="sibTrans" cxnId="{90E49D23-D9AB-4A45-A0F9-B5B1A62AB173}">
+      <dgm:prSet/>
+      <dgm:spPr/>
+      <dgm:t>
+        <a:bodyPr/>
+        <a:lstStyle/>
+        <a:p>
+          <a:endParaRPr lang="en-US"/>
+        </a:p>
+      </dgm:t>
+    </dgm:pt>
+    <dgm:pt modelId="{0C02E397-4543-CE49-89F8-81EF30686CB6}">
+      <dgm:prSet/>
+      <dgm:spPr/>
+      <dgm:t>
+        <a:bodyPr/>
+        <a:lstStyle/>
+        <a:p>
+          <a:pPr rtl="0"/>
+          <a:r>
+            <a:rPr lang="en-US" dirty="0"/>
+            <a:t>2. Initializing Repository.</a:t>
+          </a:r>
+        </a:p>
+      </dgm:t>
+    </dgm:pt>
+    <dgm:pt modelId="{404F4C40-3CE3-7240-B418-297C112032A1}" type="parTrans" cxnId="{D55AB0A5-7966-7648-9030-8EAF84068B27}">
+      <dgm:prSet/>
+      <dgm:spPr/>
+      <dgm:t>
+        <a:bodyPr/>
+        <a:lstStyle/>
+        <a:p>
+          <a:endParaRPr lang="en-US"/>
+        </a:p>
+      </dgm:t>
+    </dgm:pt>
+    <dgm:pt modelId="{966032EF-C48D-1E48-99D0-E68E08BF6189}" type="sibTrans" cxnId="{D55AB0A5-7966-7648-9030-8EAF84068B27}">
+      <dgm:prSet/>
+      <dgm:spPr/>
+      <dgm:t>
+        <a:bodyPr/>
+        <a:lstStyle/>
+        <a:p>
+          <a:endParaRPr lang="en-US"/>
+        </a:p>
+      </dgm:t>
+    </dgm:pt>
+    <dgm:pt modelId="{6275430B-2EC2-2248-81D8-994741F525B1}">
+      <dgm:prSet/>
+      <dgm:spPr/>
+      <dgm:t>
+        <a:bodyPr/>
+        <a:lstStyle/>
+        <a:p>
+          <a:pPr rtl="0"/>
+          <a:r>
+            <a:rPr lang="en-US" dirty="0"/>
+            <a:t>3. Saving Changes.</a:t>
+          </a:r>
+        </a:p>
+      </dgm:t>
+    </dgm:pt>
+    <dgm:pt modelId="{DAA3BB71-3588-6C4F-BE89-8C43F691C584}" type="parTrans" cxnId="{AB6D9473-44C9-C149-8E8E-1EC95D032E02}">
+      <dgm:prSet/>
+      <dgm:spPr/>
+      <dgm:t>
+        <a:bodyPr/>
+        <a:lstStyle/>
+        <a:p>
+          <a:endParaRPr lang="en-US"/>
+        </a:p>
+      </dgm:t>
+    </dgm:pt>
+    <dgm:pt modelId="{427F991C-AFEB-624B-A50C-1467CD46ACB4}" type="sibTrans" cxnId="{AB6D9473-44C9-C149-8E8E-1EC95D032E02}">
+      <dgm:prSet/>
+      <dgm:spPr/>
+      <dgm:t>
+        <a:bodyPr/>
+        <a:lstStyle/>
+        <a:p>
+          <a:endParaRPr lang="en-US"/>
+        </a:p>
+      </dgm:t>
+    </dgm:pt>
+    <dgm:pt modelId="{19C9AD80-E67C-4347-B27D-ECB962D0ED28}">
+      <dgm:prSet/>
+      <dgm:spPr/>
+      <dgm:t>
+        <a:bodyPr/>
+        <a:lstStyle/>
+        <a:p>
+          <a:pPr algn="ctr" rtl="0"/>
+          <a:r>
+            <a:rPr lang="en-US" dirty="0"/>
+            <a:t>4. Sending saved changes to a remote repository.</a:t>
+          </a:r>
+        </a:p>
+      </dgm:t>
+    </dgm:pt>
+    <dgm:pt modelId="{36BF64AD-B4C2-6746-9334-D2328EF3F442}" type="parTrans" cxnId="{ECA9621B-3C6A-5643-805B-C5D1BC9BB53B}">
+      <dgm:prSet/>
+      <dgm:spPr/>
+      <dgm:t>
+        <a:bodyPr/>
+        <a:lstStyle/>
+        <a:p>
+          <a:endParaRPr lang="en-US"/>
+        </a:p>
+      </dgm:t>
+    </dgm:pt>
+    <dgm:pt modelId="{1E7492DD-BCFF-8F48-8E54-41ED650A66DC}" type="sibTrans" cxnId="{ECA9621B-3C6A-5643-805B-C5D1BC9BB53B}">
+      <dgm:prSet/>
+      <dgm:spPr/>
+      <dgm:t>
+        <a:bodyPr/>
+        <a:lstStyle/>
+        <a:p>
+          <a:endParaRPr lang="en-US"/>
+        </a:p>
+      </dgm:t>
+    </dgm:pt>
+    <dgm:pt modelId="{828D7793-EF2A-4927-8F5B-AB0B4B351C6D}">
+      <dgm:prSet/>
+      <dgm:spPr/>
+      <dgm:t>
+        <a:bodyPr/>
+        <a:lstStyle/>
+        <a:p>
+          <a:r>
+            <a:rPr lang="en-US" dirty="0"/>
+            <a:t>5. Fetching Changes from remote repository</a:t>
+          </a:r>
+        </a:p>
+      </dgm:t>
+    </dgm:pt>
+    <dgm:pt modelId="{B08121EA-BC8F-487E-BBD2-CC67B3C76107}" type="parTrans" cxnId="{97A41048-87C1-4F5F-9DB1-B54BB6BEBD03}">
+      <dgm:prSet/>
+      <dgm:spPr/>
+      <dgm:t>
+        <a:bodyPr/>
+        <a:lstStyle/>
+        <a:p>
+          <a:endParaRPr lang="en-US"/>
+        </a:p>
+      </dgm:t>
+    </dgm:pt>
+    <dgm:pt modelId="{1507BE10-B885-4AC9-82FA-333675EB2EC9}" type="sibTrans" cxnId="{97A41048-87C1-4F5F-9DB1-B54BB6BEBD03}">
+      <dgm:prSet/>
+      <dgm:spPr/>
+      <dgm:t>
+        <a:bodyPr/>
+        <a:lstStyle/>
+        <a:p>
+          <a:endParaRPr lang="en-US"/>
+        </a:p>
+      </dgm:t>
+    </dgm:pt>
+    <dgm:pt modelId="{9E661BF0-719C-4448-9815-F3C3F0A8CA32}" type="pres">
+      <dgm:prSet presAssocID="{B0898426-6124-E54F-BC26-B3292C3B48BF}" presName="outerComposite" presStyleCnt="0">
+        <dgm:presLayoutVars>
+          <dgm:chMax val="5"/>
+          <dgm:dir/>
+          <dgm:resizeHandles val="exact"/>
+        </dgm:presLayoutVars>
+      </dgm:prSet>
+      <dgm:spPr/>
+    </dgm:pt>
+    <dgm:pt modelId="{1589EED1-CEEE-4090-9F2F-45253CDA5803}" type="pres">
+      <dgm:prSet presAssocID="{B0898426-6124-E54F-BC26-B3292C3B48BF}" presName="dummyMaxCanvas" presStyleCnt="0">
+        <dgm:presLayoutVars/>
+      </dgm:prSet>
+      <dgm:spPr/>
+    </dgm:pt>
+    <dgm:pt modelId="{998CEF6F-BEB0-4848-852D-F4FD26880AE2}" type="pres">
+      <dgm:prSet presAssocID="{B0898426-6124-E54F-BC26-B3292C3B48BF}" presName="FiveNodes_1" presStyleLbl="node1" presStyleIdx="0" presStyleCnt="5">
+        <dgm:presLayoutVars>
+          <dgm:bulletEnabled val="1"/>
+        </dgm:presLayoutVars>
+      </dgm:prSet>
+      <dgm:spPr/>
+    </dgm:pt>
+    <dgm:pt modelId="{8291C83E-B766-4F1F-9FE1-918AFD4C5D37}" type="pres">
+      <dgm:prSet presAssocID="{B0898426-6124-E54F-BC26-B3292C3B48BF}" presName="FiveNodes_2" presStyleLbl="node1" presStyleIdx="1" presStyleCnt="5">
+        <dgm:presLayoutVars>
+          <dgm:bulletEnabled val="1"/>
+        </dgm:presLayoutVars>
+      </dgm:prSet>
+      <dgm:spPr/>
+    </dgm:pt>
+    <dgm:pt modelId="{E3CA914F-5F76-4C1C-9B91-E546A1CABC12}" type="pres">
+      <dgm:prSet presAssocID="{B0898426-6124-E54F-BC26-B3292C3B48BF}" presName="FiveNodes_3" presStyleLbl="node1" presStyleIdx="2" presStyleCnt="5">
+        <dgm:presLayoutVars>
+          <dgm:bulletEnabled val="1"/>
+        </dgm:presLayoutVars>
+      </dgm:prSet>
+      <dgm:spPr/>
+    </dgm:pt>
+    <dgm:pt modelId="{8E219BFC-9A53-4201-8DDD-1555C8DBE13A}" type="pres">
+      <dgm:prSet presAssocID="{B0898426-6124-E54F-BC26-B3292C3B48BF}" presName="FiveNodes_4" presStyleLbl="node1" presStyleIdx="3" presStyleCnt="5">
+        <dgm:presLayoutVars>
+          <dgm:bulletEnabled val="1"/>
+        </dgm:presLayoutVars>
+      </dgm:prSet>
+      <dgm:spPr/>
+    </dgm:pt>
+    <dgm:pt modelId="{5F45D38F-578A-48D0-B414-7B801C4F0E17}" type="pres">
+      <dgm:prSet presAssocID="{B0898426-6124-E54F-BC26-B3292C3B48BF}" presName="FiveNodes_5" presStyleLbl="node1" presStyleIdx="4" presStyleCnt="5">
+        <dgm:presLayoutVars>
+          <dgm:bulletEnabled val="1"/>
+        </dgm:presLayoutVars>
+      </dgm:prSet>
+      <dgm:spPr/>
+    </dgm:pt>
+    <dgm:pt modelId="{75009DF8-64F7-40CD-A1F5-27CFFBB4C93A}" type="pres">
+      <dgm:prSet presAssocID="{B0898426-6124-E54F-BC26-B3292C3B48BF}" presName="FiveConn_1-2" presStyleLbl="fgAccFollowNode1" presStyleIdx="0" presStyleCnt="4">
+        <dgm:presLayoutVars>
+          <dgm:bulletEnabled val="1"/>
+        </dgm:presLayoutVars>
+      </dgm:prSet>
+      <dgm:spPr/>
+    </dgm:pt>
+    <dgm:pt modelId="{2924C76F-EE62-4883-81D9-FD7A3A9C9C87}" type="pres">
+      <dgm:prSet presAssocID="{B0898426-6124-E54F-BC26-B3292C3B48BF}" presName="FiveConn_2-3" presStyleLbl="fgAccFollowNode1" presStyleIdx="1" presStyleCnt="4">
+        <dgm:presLayoutVars>
+          <dgm:bulletEnabled val="1"/>
+        </dgm:presLayoutVars>
+      </dgm:prSet>
+      <dgm:spPr/>
+    </dgm:pt>
+    <dgm:pt modelId="{5A15E4FA-C69A-4309-B28B-81865EAB6B9C}" type="pres">
+      <dgm:prSet presAssocID="{B0898426-6124-E54F-BC26-B3292C3B48BF}" presName="FiveConn_3-4" presStyleLbl="fgAccFollowNode1" presStyleIdx="2" presStyleCnt="4">
+        <dgm:presLayoutVars>
+          <dgm:bulletEnabled val="1"/>
+        </dgm:presLayoutVars>
+      </dgm:prSet>
+      <dgm:spPr/>
+    </dgm:pt>
+    <dgm:pt modelId="{AA22DBC5-0D5F-48AD-8DE8-3F1A21DF2674}" type="pres">
+      <dgm:prSet presAssocID="{B0898426-6124-E54F-BC26-B3292C3B48BF}" presName="FiveConn_4-5" presStyleLbl="fgAccFollowNode1" presStyleIdx="3" presStyleCnt="4">
+        <dgm:presLayoutVars>
+          <dgm:bulletEnabled val="1"/>
+        </dgm:presLayoutVars>
+      </dgm:prSet>
+      <dgm:spPr/>
+    </dgm:pt>
+    <dgm:pt modelId="{0CE273C5-401E-4653-BEBF-840E73BDE5C9}" type="pres">
+      <dgm:prSet presAssocID="{B0898426-6124-E54F-BC26-B3292C3B48BF}" presName="FiveNodes_1_text" presStyleLbl="node1" presStyleIdx="4" presStyleCnt="5">
+        <dgm:presLayoutVars>
+          <dgm:bulletEnabled val="1"/>
+        </dgm:presLayoutVars>
+      </dgm:prSet>
+      <dgm:spPr/>
+    </dgm:pt>
+    <dgm:pt modelId="{7A72C2FB-6B64-4216-8A78-9F0856240EB2}" type="pres">
+      <dgm:prSet presAssocID="{B0898426-6124-E54F-BC26-B3292C3B48BF}" presName="FiveNodes_2_text" presStyleLbl="node1" presStyleIdx="4" presStyleCnt="5">
+        <dgm:presLayoutVars>
+          <dgm:bulletEnabled val="1"/>
+        </dgm:presLayoutVars>
+      </dgm:prSet>
+      <dgm:spPr/>
+    </dgm:pt>
+    <dgm:pt modelId="{0DCF351F-8FC3-4E60-833B-5A1D375E4462}" type="pres">
+      <dgm:prSet presAssocID="{B0898426-6124-E54F-BC26-B3292C3B48BF}" presName="FiveNodes_3_text" presStyleLbl="node1" presStyleIdx="4" presStyleCnt="5">
+        <dgm:presLayoutVars>
+          <dgm:bulletEnabled val="1"/>
+        </dgm:presLayoutVars>
+      </dgm:prSet>
+      <dgm:spPr/>
+    </dgm:pt>
+    <dgm:pt modelId="{3A97382B-41DB-4961-B0F6-E6B36811197A}" type="pres">
+      <dgm:prSet presAssocID="{B0898426-6124-E54F-BC26-B3292C3B48BF}" presName="FiveNodes_4_text" presStyleLbl="node1" presStyleIdx="4" presStyleCnt="5">
+        <dgm:presLayoutVars>
+          <dgm:bulletEnabled val="1"/>
+        </dgm:presLayoutVars>
+      </dgm:prSet>
+      <dgm:spPr/>
+    </dgm:pt>
+    <dgm:pt modelId="{9F7FF863-CB57-4246-8B25-DE27F5910D6B}" type="pres">
+      <dgm:prSet presAssocID="{B0898426-6124-E54F-BC26-B3292C3B48BF}" presName="FiveNodes_5_text" presStyleLbl="node1" presStyleIdx="4" presStyleCnt="5">
+        <dgm:presLayoutVars>
+          <dgm:bulletEnabled val="1"/>
+        </dgm:presLayoutVars>
+      </dgm:prSet>
+      <dgm:spPr/>
+    </dgm:pt>
+  </dgm:ptLst>
+  <dgm:cxnLst>
+    <dgm:cxn modelId="{A7371913-C803-4BAE-8EB5-F6A2FAC2143F}" type="presOf" srcId="{427F991C-AFEB-624B-A50C-1467CD46ACB4}" destId="{5A15E4FA-C69A-4309-B28B-81865EAB6B9C}" srcOrd="0" destOrd="0" presId="urn:microsoft.com/office/officeart/2005/8/layout/vProcess5"/>
+    <dgm:cxn modelId="{CFBFBF17-8E9B-49F6-95CF-FBF188482EFE}" type="presOf" srcId="{19C9AD80-E67C-4347-B27D-ECB962D0ED28}" destId="{8E219BFC-9A53-4201-8DDD-1555C8DBE13A}" srcOrd="0" destOrd="0" presId="urn:microsoft.com/office/officeart/2005/8/layout/vProcess5"/>
+    <dgm:cxn modelId="{ECA9621B-3C6A-5643-805B-C5D1BC9BB53B}" srcId="{B0898426-6124-E54F-BC26-B3292C3B48BF}" destId="{19C9AD80-E67C-4347-B27D-ECB962D0ED28}" srcOrd="3" destOrd="0" parTransId="{36BF64AD-B4C2-6746-9334-D2328EF3F442}" sibTransId="{1E7492DD-BCFF-8F48-8E54-41ED650A66DC}"/>
+    <dgm:cxn modelId="{663D5D1C-A966-4CFD-A7D7-EC67661B035B}" type="presOf" srcId="{966032EF-C48D-1E48-99D0-E68E08BF6189}" destId="{2924C76F-EE62-4883-81D9-FD7A3A9C9C87}" srcOrd="0" destOrd="0" presId="urn:microsoft.com/office/officeart/2005/8/layout/vProcess5"/>
+    <dgm:cxn modelId="{90E49D23-D9AB-4A45-A0F9-B5B1A62AB173}" srcId="{B0898426-6124-E54F-BC26-B3292C3B48BF}" destId="{50B722C5-B8E7-E54F-8E6A-668DB1E4A2E2}" srcOrd="0" destOrd="0" parTransId="{5E307F02-3CBC-D14C-B0C5-A363B4E279F8}" sibTransId="{68F96244-657F-0746-BAD0-8CEFEBB65C90}"/>
+    <dgm:cxn modelId="{F9492A31-094B-4D99-8ABB-DAB27F2AFEA0}" type="presOf" srcId="{828D7793-EF2A-4927-8F5B-AB0B4B351C6D}" destId="{5F45D38F-578A-48D0-B414-7B801C4F0E17}" srcOrd="0" destOrd="0" presId="urn:microsoft.com/office/officeart/2005/8/layout/vProcess5"/>
+    <dgm:cxn modelId="{6F279A3D-8BF6-4D96-896A-E5EB46042897}" type="presOf" srcId="{0C02E397-4543-CE49-89F8-81EF30686CB6}" destId="{8291C83E-B766-4F1F-9FE1-918AFD4C5D37}" srcOrd="0" destOrd="0" presId="urn:microsoft.com/office/officeart/2005/8/layout/vProcess5"/>
+    <dgm:cxn modelId="{E6CB5844-35D0-4AB7-BD92-EE99A46A91AB}" type="presOf" srcId="{0C02E397-4543-CE49-89F8-81EF30686CB6}" destId="{7A72C2FB-6B64-4216-8A78-9F0856240EB2}" srcOrd="1" destOrd="0" presId="urn:microsoft.com/office/officeart/2005/8/layout/vProcess5"/>
+    <dgm:cxn modelId="{A1BF9765-8979-435C-A395-767EAE1E305E}" type="presOf" srcId="{50B722C5-B8E7-E54F-8E6A-668DB1E4A2E2}" destId="{0CE273C5-401E-4653-BEBF-840E73BDE5C9}" srcOrd="1" destOrd="0" presId="urn:microsoft.com/office/officeart/2005/8/layout/vProcess5"/>
+    <dgm:cxn modelId="{8782DB65-2751-4C8D-9316-E3F1A8448A48}" type="presOf" srcId="{68F96244-657F-0746-BAD0-8CEFEBB65C90}" destId="{75009DF8-64F7-40CD-A1F5-27CFFBB4C93A}" srcOrd="0" destOrd="0" presId="urn:microsoft.com/office/officeart/2005/8/layout/vProcess5"/>
+    <dgm:cxn modelId="{97A41048-87C1-4F5F-9DB1-B54BB6BEBD03}" srcId="{B0898426-6124-E54F-BC26-B3292C3B48BF}" destId="{828D7793-EF2A-4927-8F5B-AB0B4B351C6D}" srcOrd="4" destOrd="0" parTransId="{B08121EA-BC8F-487E-BBD2-CC67B3C76107}" sibTransId="{1507BE10-B885-4AC9-82FA-333675EB2EC9}"/>
+    <dgm:cxn modelId="{AB6D9473-44C9-C149-8E8E-1EC95D032E02}" srcId="{B0898426-6124-E54F-BC26-B3292C3B48BF}" destId="{6275430B-2EC2-2248-81D8-994741F525B1}" srcOrd="2" destOrd="0" parTransId="{DAA3BB71-3588-6C4F-BE89-8C43F691C584}" sibTransId="{427F991C-AFEB-624B-A50C-1467CD46ACB4}"/>
+    <dgm:cxn modelId="{3DD2D577-019A-49DE-A923-3329DD9D151F}" type="presOf" srcId="{B0898426-6124-E54F-BC26-B3292C3B48BF}" destId="{9E661BF0-719C-4448-9815-F3C3F0A8CA32}" srcOrd="0" destOrd="0" presId="urn:microsoft.com/office/officeart/2005/8/layout/vProcess5"/>
+    <dgm:cxn modelId="{09CE8A83-2B44-4A39-B449-074BB02CD82C}" type="presOf" srcId="{828D7793-EF2A-4927-8F5B-AB0B4B351C6D}" destId="{9F7FF863-CB57-4246-8B25-DE27F5910D6B}" srcOrd="1" destOrd="0" presId="urn:microsoft.com/office/officeart/2005/8/layout/vProcess5"/>
+    <dgm:cxn modelId="{47BBA484-D916-42F9-91E5-9E4DF4840D93}" type="presOf" srcId="{6275430B-2EC2-2248-81D8-994741F525B1}" destId="{0DCF351F-8FC3-4E60-833B-5A1D375E4462}" srcOrd="1" destOrd="0" presId="urn:microsoft.com/office/officeart/2005/8/layout/vProcess5"/>
+    <dgm:cxn modelId="{8EF2F885-F5A0-403A-89E4-4F46EBA449A6}" type="presOf" srcId="{6275430B-2EC2-2248-81D8-994741F525B1}" destId="{E3CA914F-5F76-4C1C-9B91-E546A1CABC12}" srcOrd="0" destOrd="0" presId="urn:microsoft.com/office/officeart/2005/8/layout/vProcess5"/>
+    <dgm:cxn modelId="{D55AB0A5-7966-7648-9030-8EAF84068B27}" srcId="{B0898426-6124-E54F-BC26-B3292C3B48BF}" destId="{0C02E397-4543-CE49-89F8-81EF30686CB6}" srcOrd="1" destOrd="0" parTransId="{404F4C40-3CE3-7240-B418-297C112032A1}" sibTransId="{966032EF-C48D-1E48-99D0-E68E08BF6189}"/>
+    <dgm:cxn modelId="{7787D6B3-4979-403E-8D45-EDF4A1A27686}" type="presOf" srcId="{19C9AD80-E67C-4347-B27D-ECB962D0ED28}" destId="{3A97382B-41DB-4961-B0F6-E6B36811197A}" srcOrd="1" destOrd="0" presId="urn:microsoft.com/office/officeart/2005/8/layout/vProcess5"/>
+    <dgm:cxn modelId="{225538CD-B2DC-4877-BF96-B5D92E1295CE}" type="presOf" srcId="{50B722C5-B8E7-E54F-8E6A-668DB1E4A2E2}" destId="{998CEF6F-BEB0-4848-852D-F4FD26880AE2}" srcOrd="0" destOrd="0" presId="urn:microsoft.com/office/officeart/2005/8/layout/vProcess5"/>
+    <dgm:cxn modelId="{C6934EEE-E49C-4C43-AC6E-E548B368838E}" type="presOf" srcId="{1E7492DD-BCFF-8F48-8E54-41ED650A66DC}" destId="{AA22DBC5-0D5F-48AD-8DE8-3F1A21DF2674}" srcOrd="0" destOrd="0" presId="urn:microsoft.com/office/officeart/2005/8/layout/vProcess5"/>
+    <dgm:cxn modelId="{076B9BED-7024-4160-8D8F-D6D8620C0972}" type="presParOf" srcId="{9E661BF0-719C-4448-9815-F3C3F0A8CA32}" destId="{1589EED1-CEEE-4090-9F2F-45253CDA5803}" srcOrd="0" destOrd="0" presId="urn:microsoft.com/office/officeart/2005/8/layout/vProcess5"/>
+    <dgm:cxn modelId="{879786E1-3B75-4764-9D4F-1EFD31C84510}" type="presParOf" srcId="{9E661BF0-719C-4448-9815-F3C3F0A8CA32}" destId="{998CEF6F-BEB0-4848-852D-F4FD26880AE2}" srcOrd="1" destOrd="0" presId="urn:microsoft.com/office/officeart/2005/8/layout/vProcess5"/>
+    <dgm:cxn modelId="{9298AE61-AC5A-482C-A9BA-F7EFD1F10BCC}" type="presParOf" srcId="{9E661BF0-719C-4448-9815-F3C3F0A8CA32}" destId="{8291C83E-B766-4F1F-9FE1-918AFD4C5D37}" srcOrd="2" destOrd="0" presId="urn:microsoft.com/office/officeart/2005/8/layout/vProcess5"/>
+    <dgm:cxn modelId="{0762FD16-4E4D-4800-8AB6-CCFC19C8ED1C}" type="presParOf" srcId="{9E661BF0-719C-4448-9815-F3C3F0A8CA32}" destId="{E3CA914F-5F76-4C1C-9B91-E546A1CABC12}" srcOrd="3" destOrd="0" presId="urn:microsoft.com/office/officeart/2005/8/layout/vProcess5"/>
+    <dgm:cxn modelId="{11D4D784-9EC7-4E41-BAFB-8CE061070446}" type="presParOf" srcId="{9E661BF0-719C-4448-9815-F3C3F0A8CA32}" destId="{8E219BFC-9A53-4201-8DDD-1555C8DBE13A}" srcOrd="4" destOrd="0" presId="urn:microsoft.com/office/officeart/2005/8/layout/vProcess5"/>
+    <dgm:cxn modelId="{86739311-4104-4A4E-9EF7-F7DE6EE7B8D8}" type="presParOf" srcId="{9E661BF0-719C-4448-9815-F3C3F0A8CA32}" destId="{5F45D38F-578A-48D0-B414-7B801C4F0E17}" srcOrd="5" destOrd="0" presId="urn:microsoft.com/office/officeart/2005/8/layout/vProcess5"/>
+    <dgm:cxn modelId="{1775F368-EB33-4CEF-AD85-CC96388EE462}" type="presParOf" srcId="{9E661BF0-719C-4448-9815-F3C3F0A8CA32}" destId="{75009DF8-64F7-40CD-A1F5-27CFFBB4C93A}" srcOrd="6" destOrd="0" presId="urn:microsoft.com/office/officeart/2005/8/layout/vProcess5"/>
+    <dgm:cxn modelId="{A85B6896-D5FF-44B1-B591-B4531CAE897A}" type="presParOf" srcId="{9E661BF0-719C-4448-9815-F3C3F0A8CA32}" destId="{2924C76F-EE62-4883-81D9-FD7A3A9C9C87}" srcOrd="7" destOrd="0" presId="urn:microsoft.com/office/officeart/2005/8/layout/vProcess5"/>
+    <dgm:cxn modelId="{2130A909-87AF-4536-87C1-3327FD101F37}" type="presParOf" srcId="{9E661BF0-719C-4448-9815-F3C3F0A8CA32}" destId="{5A15E4FA-C69A-4309-B28B-81865EAB6B9C}" srcOrd="8" destOrd="0" presId="urn:microsoft.com/office/officeart/2005/8/layout/vProcess5"/>
+    <dgm:cxn modelId="{B67811EA-5DBB-48DF-A51A-89A159F59556}" type="presParOf" srcId="{9E661BF0-719C-4448-9815-F3C3F0A8CA32}" destId="{AA22DBC5-0D5F-48AD-8DE8-3F1A21DF2674}" srcOrd="9" destOrd="0" presId="urn:microsoft.com/office/officeart/2005/8/layout/vProcess5"/>
+    <dgm:cxn modelId="{83BD9D53-B483-484B-809F-644C20BD8E7C}" type="presParOf" srcId="{9E661BF0-719C-4448-9815-F3C3F0A8CA32}" destId="{0CE273C5-401E-4653-BEBF-840E73BDE5C9}" srcOrd="10" destOrd="0" presId="urn:microsoft.com/office/officeart/2005/8/layout/vProcess5"/>
+    <dgm:cxn modelId="{84543E42-E2AE-42BD-A71A-EC0D6F5D6E6D}" type="presParOf" srcId="{9E661BF0-719C-4448-9815-F3C3F0A8CA32}" destId="{7A72C2FB-6B64-4216-8A78-9F0856240EB2}" srcOrd="11" destOrd="0" presId="urn:microsoft.com/office/officeart/2005/8/layout/vProcess5"/>
+    <dgm:cxn modelId="{0A5D1D8A-7A2D-47E4-B43F-D5D3413D0EA0}" type="presParOf" srcId="{9E661BF0-719C-4448-9815-F3C3F0A8CA32}" destId="{0DCF351F-8FC3-4E60-833B-5A1D375E4462}" srcOrd="12" destOrd="0" presId="urn:microsoft.com/office/officeart/2005/8/layout/vProcess5"/>
+    <dgm:cxn modelId="{4A376785-304C-45C9-AD2F-882CBDBCA4B5}" type="presParOf" srcId="{9E661BF0-719C-4448-9815-F3C3F0A8CA32}" destId="{3A97382B-41DB-4961-B0F6-E6B36811197A}" srcOrd="13" destOrd="0" presId="urn:microsoft.com/office/officeart/2005/8/layout/vProcess5"/>
+    <dgm:cxn modelId="{39EEEA10-4A70-466C-BD66-64CE405FF163}" type="presParOf" srcId="{9E661BF0-719C-4448-9815-F3C3F0A8CA32}" destId="{9F7FF863-CB57-4246-8B25-DE27F5910D6B}" srcOrd="14" destOrd="0" presId="urn:microsoft.com/office/officeart/2005/8/layout/vProcess5"/>
+  </dgm:cxnLst>
+  <dgm:bg/>
+  <dgm:whole/>
+  <dgm:extLst>
+    <a:ext uri="http://schemas.microsoft.com/office/drawing/2008/diagram">
+      <dsp:dataModelExt xmlns:dsp="http://schemas.microsoft.com/office/drawing/2008/diagram" relId="rId6" minVer="http://schemas.openxmlformats.org/drawingml/2006/diagram"/>
+    </a:ext>
+  </dgm:extLst>
+</dgm:dataModel>
+</file>
+
+<file path=ppt/diagrams/drawing1.xml><?xml version="1.0" encoding="utf-8"?>
+<dsp:drawing xmlns:dgm="http://schemas.openxmlformats.org/drawingml/2006/diagram" xmlns:dsp="http://schemas.microsoft.com/office/drawing/2008/diagram" xmlns:a="http://schemas.openxmlformats.org/drawingml/2006/main">
+  <dsp:spTree>
+    <dsp:nvGrpSpPr>
+      <dsp:cNvPr id="0" name=""/>
+      <dsp:cNvGrpSpPr/>
+    </dsp:nvGrpSpPr>
+    <dsp:grpSpPr/>
+    <dsp:sp modelId="{998CEF6F-BEB0-4848-852D-F4FD26880AE2}">
+      <dsp:nvSpPr>
+        <dsp:cNvPr id="0" name=""/>
+        <dsp:cNvSpPr/>
+      </dsp:nvSpPr>
+      <dsp:spPr>
+        <a:xfrm>
+          <a:off x="0" y="0"/>
+          <a:ext cx="6442597" cy="788782"/>
+        </a:xfrm>
+        <a:prstGeom prst="roundRect">
+          <a:avLst>
+            <a:gd name="adj" fmla="val 10000"/>
+          </a:avLst>
+        </a:prstGeom>
+        <a:solidFill>
+          <a:schemeClr val="accent5">
+            <a:hueOff val="0"/>
+            <a:satOff val="0"/>
+            <a:lumOff val="0"/>
+            <a:alphaOff val="0"/>
+          </a:schemeClr>
+        </a:solidFill>
+        <a:ln w="15875" cap="flat" cmpd="sng" algn="ctr">
+          <a:solidFill>
+            <a:schemeClr val="lt1">
+              <a:hueOff val="0"/>
+              <a:satOff val="0"/>
+              <a:lumOff val="0"/>
+              <a:alphaOff val="0"/>
+            </a:schemeClr>
+          </a:solidFill>
+          <a:prstDash val="solid"/>
+        </a:ln>
+        <a:effectLst/>
+      </dsp:spPr>
+      <dsp:style>
+        <a:lnRef idx="2">
+          <a:scrgbClr r="0" g="0" b="0"/>
+        </a:lnRef>
+        <a:fillRef idx="1">
+          <a:scrgbClr r="0" g="0" b="0"/>
+        </a:fillRef>
+        <a:effectRef idx="0">
+          <a:scrgbClr r="0" g="0" b="0"/>
+        </a:effectRef>
+        <a:fontRef idx="minor">
+          <a:schemeClr val="lt1"/>
+        </a:fontRef>
+      </dsp:style>
+      <dsp:txBody>
+        <a:bodyPr spcFirstLastPara="0" vert="horz" wrap="square" lIns="76200" tIns="76200" rIns="76200" bIns="76200" numCol="1" spcCol="1270" anchor="ctr" anchorCtr="0">
+          <a:noAutofit/>
+        </a:bodyPr>
+        <a:lstStyle/>
+        <a:p>
+          <a:pPr marL="0" lvl="0" indent="0" algn="l" defTabSz="889000" rtl="0">
+            <a:lnSpc>
+              <a:spcPct val="90000"/>
+            </a:lnSpc>
+            <a:spcBef>
+              <a:spcPct val="0"/>
+            </a:spcBef>
+            <a:spcAft>
+              <a:spcPct val="35000"/>
+            </a:spcAft>
+            <a:buNone/>
+          </a:pPr>
+          <a:r>
+            <a:rPr lang="en-US" sz="2000" kern="1200" dirty="0"/>
+            <a:t>1.Initial GIT setup</a:t>
+          </a:r>
+        </a:p>
+      </dsp:txBody>
+      <dsp:txXfrm>
+        <a:off x="23103" y="23103"/>
+        <a:ext cx="5499151" cy="742576"/>
+      </dsp:txXfrm>
+    </dsp:sp>
+    <dsp:sp modelId="{8291C83E-B766-4F1F-9FE1-918AFD4C5D37}">
+      <dsp:nvSpPr>
+        <dsp:cNvPr id="0" name=""/>
+        <dsp:cNvSpPr/>
+      </dsp:nvSpPr>
+      <dsp:spPr>
+        <a:xfrm>
+          <a:off x="481103" y="898335"/>
+          <a:ext cx="6442597" cy="788782"/>
+        </a:xfrm>
+        <a:prstGeom prst="roundRect">
+          <a:avLst>
+            <a:gd name="adj" fmla="val 10000"/>
+          </a:avLst>
+        </a:prstGeom>
+        <a:solidFill>
+          <a:schemeClr val="accent5">
+            <a:hueOff val="531780"/>
+            <a:satOff val="-5973"/>
+            <a:lumOff val="-1275"/>
+            <a:alphaOff val="0"/>
+          </a:schemeClr>
+        </a:solidFill>
+        <a:ln w="15875" cap="flat" cmpd="sng" algn="ctr">
+          <a:solidFill>
+            <a:schemeClr val="lt1">
+              <a:hueOff val="0"/>
+              <a:satOff val="0"/>
+              <a:lumOff val="0"/>
+              <a:alphaOff val="0"/>
+            </a:schemeClr>
+          </a:solidFill>
+          <a:prstDash val="solid"/>
+        </a:ln>
+        <a:effectLst/>
+      </dsp:spPr>
+      <dsp:style>
+        <a:lnRef idx="2">
+          <a:scrgbClr r="0" g="0" b="0"/>
+        </a:lnRef>
+        <a:fillRef idx="1">
+          <a:scrgbClr r="0" g="0" b="0"/>
+        </a:fillRef>
+        <a:effectRef idx="0">
+          <a:scrgbClr r="0" g="0" b="0"/>
+        </a:effectRef>
+        <a:fontRef idx="minor">
+          <a:schemeClr val="lt1"/>
+        </a:fontRef>
+      </dsp:style>
+      <dsp:txBody>
+        <a:bodyPr spcFirstLastPara="0" vert="horz" wrap="square" lIns="76200" tIns="76200" rIns="76200" bIns="76200" numCol="1" spcCol="1270" anchor="ctr" anchorCtr="0">
+          <a:noAutofit/>
+        </a:bodyPr>
+        <a:lstStyle/>
+        <a:p>
+          <a:pPr marL="0" lvl="0" indent="0" algn="l" defTabSz="889000" rtl="0">
+            <a:lnSpc>
+              <a:spcPct val="90000"/>
+            </a:lnSpc>
+            <a:spcBef>
+              <a:spcPct val="0"/>
+            </a:spcBef>
+            <a:spcAft>
+              <a:spcPct val="35000"/>
+            </a:spcAft>
+            <a:buNone/>
+          </a:pPr>
+          <a:r>
+            <a:rPr lang="en-US" sz="2000" kern="1200" dirty="0"/>
+            <a:t>2. Initializing Repository.</a:t>
+          </a:r>
+        </a:p>
+      </dsp:txBody>
+      <dsp:txXfrm>
+        <a:off x="504206" y="921438"/>
+        <a:ext cx="5402580" cy="742576"/>
+      </dsp:txXfrm>
+    </dsp:sp>
+    <dsp:sp modelId="{E3CA914F-5F76-4C1C-9B91-E546A1CABC12}">
+      <dsp:nvSpPr>
+        <dsp:cNvPr id="0" name=""/>
+        <dsp:cNvSpPr/>
+      </dsp:nvSpPr>
+      <dsp:spPr>
+        <a:xfrm>
+          <a:off x="962206" y="1796671"/>
+          <a:ext cx="6442597" cy="788782"/>
+        </a:xfrm>
+        <a:prstGeom prst="roundRect">
+          <a:avLst>
+            <a:gd name="adj" fmla="val 10000"/>
+          </a:avLst>
+        </a:prstGeom>
+        <a:solidFill>
+          <a:schemeClr val="accent5">
+            <a:hueOff val="1063560"/>
+            <a:satOff val="-11946"/>
+            <a:lumOff val="-2549"/>
+            <a:alphaOff val="0"/>
+          </a:schemeClr>
+        </a:solidFill>
+        <a:ln w="15875" cap="flat" cmpd="sng" algn="ctr">
+          <a:solidFill>
+            <a:schemeClr val="lt1">
+              <a:hueOff val="0"/>
+              <a:satOff val="0"/>
+              <a:lumOff val="0"/>
+              <a:alphaOff val="0"/>
+            </a:schemeClr>
+          </a:solidFill>
+          <a:prstDash val="solid"/>
+        </a:ln>
+        <a:effectLst/>
+      </dsp:spPr>
+      <dsp:style>
+        <a:lnRef idx="2">
+          <a:scrgbClr r="0" g="0" b="0"/>
+        </a:lnRef>
+        <a:fillRef idx="1">
+          <a:scrgbClr r="0" g="0" b="0"/>
+        </a:fillRef>
+        <a:effectRef idx="0">
+          <a:scrgbClr r="0" g="0" b="0"/>
+        </a:effectRef>
+        <a:fontRef idx="minor">
+          <a:schemeClr val="lt1"/>
+        </a:fontRef>
+      </dsp:style>
+      <dsp:txBody>
+        <a:bodyPr spcFirstLastPara="0" vert="horz" wrap="square" lIns="76200" tIns="76200" rIns="76200" bIns="76200" numCol="1" spcCol="1270" anchor="ctr" anchorCtr="0">
+          <a:noAutofit/>
+        </a:bodyPr>
+        <a:lstStyle/>
+        <a:p>
+          <a:pPr marL="0" lvl="0" indent="0" algn="l" defTabSz="889000" rtl="0">
+            <a:lnSpc>
+              <a:spcPct val="90000"/>
+            </a:lnSpc>
+            <a:spcBef>
+              <a:spcPct val="0"/>
+            </a:spcBef>
+            <a:spcAft>
+              <a:spcPct val="35000"/>
+            </a:spcAft>
+            <a:buNone/>
+          </a:pPr>
+          <a:r>
+            <a:rPr lang="en-US" sz="2000" kern="1200" dirty="0"/>
+            <a:t>3. Saving Changes.</a:t>
+          </a:r>
+        </a:p>
+      </dsp:txBody>
+      <dsp:txXfrm>
+        <a:off x="985309" y="1819774"/>
+        <a:ext cx="5402580" cy="742576"/>
+      </dsp:txXfrm>
+    </dsp:sp>
+    <dsp:sp modelId="{8E219BFC-9A53-4201-8DDD-1555C8DBE13A}">
+      <dsp:nvSpPr>
+        <dsp:cNvPr id="0" name=""/>
+        <dsp:cNvSpPr/>
+      </dsp:nvSpPr>
+      <dsp:spPr>
+        <a:xfrm>
+          <a:off x="1443309" y="2695006"/>
+          <a:ext cx="6442597" cy="788782"/>
+        </a:xfrm>
+        <a:prstGeom prst="roundRect">
+          <a:avLst>
+            <a:gd name="adj" fmla="val 10000"/>
+          </a:avLst>
+        </a:prstGeom>
+        <a:solidFill>
+          <a:schemeClr val="accent5">
+            <a:hueOff val="1595340"/>
+            <a:satOff val="-17918"/>
+            <a:lumOff val="-3824"/>
+            <a:alphaOff val="0"/>
+          </a:schemeClr>
+        </a:solidFill>
+        <a:ln w="15875" cap="flat" cmpd="sng" algn="ctr">
+          <a:solidFill>
+            <a:schemeClr val="lt1">
+              <a:hueOff val="0"/>
+              <a:satOff val="0"/>
+              <a:lumOff val="0"/>
+              <a:alphaOff val="0"/>
+            </a:schemeClr>
+          </a:solidFill>
+          <a:prstDash val="solid"/>
+        </a:ln>
+        <a:effectLst/>
+      </dsp:spPr>
+      <dsp:style>
+        <a:lnRef idx="2">
+          <a:scrgbClr r="0" g="0" b="0"/>
+        </a:lnRef>
+        <a:fillRef idx="1">
+          <a:scrgbClr r="0" g="0" b="0"/>
+        </a:fillRef>
+        <a:effectRef idx="0">
+          <a:scrgbClr r="0" g="0" b="0"/>
+        </a:effectRef>
+        <a:fontRef idx="minor">
+          <a:schemeClr val="lt1"/>
+        </a:fontRef>
+      </dsp:style>
+      <dsp:txBody>
+        <a:bodyPr spcFirstLastPara="0" vert="horz" wrap="square" lIns="76200" tIns="76200" rIns="76200" bIns="76200" numCol="1" spcCol="1270" anchor="ctr" anchorCtr="0">
+          <a:noAutofit/>
+        </a:bodyPr>
+        <a:lstStyle/>
+        <a:p>
+          <a:pPr marL="0" lvl="0" indent="0" algn="ctr" defTabSz="889000" rtl="0">
+            <a:lnSpc>
+              <a:spcPct val="90000"/>
+            </a:lnSpc>
+            <a:spcBef>
+              <a:spcPct val="0"/>
+            </a:spcBef>
+            <a:spcAft>
+              <a:spcPct val="35000"/>
+            </a:spcAft>
+            <a:buNone/>
+          </a:pPr>
+          <a:r>
+            <a:rPr lang="en-US" sz="2000" kern="1200" dirty="0"/>
+            <a:t>4. Sending saved changes to a remote repository.</a:t>
+          </a:r>
+        </a:p>
+      </dsp:txBody>
+      <dsp:txXfrm>
+        <a:off x="1466412" y="2718109"/>
+        <a:ext cx="5402580" cy="742576"/>
+      </dsp:txXfrm>
+    </dsp:sp>
+    <dsp:sp modelId="{5F45D38F-578A-48D0-B414-7B801C4F0E17}">
+      <dsp:nvSpPr>
+        <dsp:cNvPr id="0" name=""/>
+        <dsp:cNvSpPr/>
+      </dsp:nvSpPr>
+      <dsp:spPr>
+        <a:xfrm>
+          <a:off x="1924412" y="3593342"/>
+          <a:ext cx="6442597" cy="788782"/>
+        </a:xfrm>
+        <a:prstGeom prst="roundRect">
+          <a:avLst>
+            <a:gd name="adj" fmla="val 10000"/>
+          </a:avLst>
+        </a:prstGeom>
+        <a:solidFill>
+          <a:schemeClr val="accent5">
+            <a:hueOff val="2127120"/>
+            <a:satOff val="-23891"/>
+            <a:lumOff val="-5098"/>
+            <a:alphaOff val="0"/>
+          </a:schemeClr>
+        </a:solidFill>
+        <a:ln w="15875" cap="flat" cmpd="sng" algn="ctr">
+          <a:solidFill>
+            <a:schemeClr val="lt1">
+              <a:hueOff val="0"/>
+              <a:satOff val="0"/>
+              <a:lumOff val="0"/>
+              <a:alphaOff val="0"/>
+            </a:schemeClr>
+          </a:solidFill>
+          <a:prstDash val="solid"/>
+        </a:ln>
+        <a:effectLst/>
+      </dsp:spPr>
+      <dsp:style>
+        <a:lnRef idx="2">
+          <a:scrgbClr r="0" g="0" b="0"/>
+        </a:lnRef>
+        <a:fillRef idx="1">
+          <a:scrgbClr r="0" g="0" b="0"/>
+        </a:fillRef>
+        <a:effectRef idx="0">
+          <a:scrgbClr r="0" g="0" b="0"/>
+        </a:effectRef>
+        <a:fontRef idx="minor">
+          <a:schemeClr val="lt1"/>
+        </a:fontRef>
+      </dsp:style>
+      <dsp:txBody>
+        <a:bodyPr spcFirstLastPara="0" vert="horz" wrap="square" lIns="76200" tIns="76200" rIns="76200" bIns="76200" numCol="1" spcCol="1270" anchor="ctr" anchorCtr="0">
+          <a:noAutofit/>
+        </a:bodyPr>
+        <a:lstStyle/>
+        <a:p>
+          <a:pPr marL="0" lvl="0" indent="0" algn="l" defTabSz="889000">
+            <a:lnSpc>
+              <a:spcPct val="90000"/>
+            </a:lnSpc>
+            <a:spcBef>
+              <a:spcPct val="0"/>
+            </a:spcBef>
+            <a:spcAft>
+              <a:spcPct val="35000"/>
+            </a:spcAft>
+            <a:buNone/>
+          </a:pPr>
+          <a:r>
+            <a:rPr lang="en-US" sz="2000" kern="1200" dirty="0"/>
+            <a:t>5. Fetching Changes from remote repository</a:t>
+          </a:r>
+        </a:p>
+      </dsp:txBody>
+      <dsp:txXfrm>
+        <a:off x="1947515" y="3616445"/>
+        <a:ext cx="5402580" cy="742576"/>
+      </dsp:txXfrm>
+    </dsp:sp>
+    <dsp:sp modelId="{75009DF8-64F7-40CD-A1F5-27CFFBB4C93A}">
+      <dsp:nvSpPr>
+        <dsp:cNvPr id="0" name=""/>
+        <dsp:cNvSpPr/>
+      </dsp:nvSpPr>
+      <dsp:spPr>
+        <a:xfrm>
+          <a:off x="5929889" y="576249"/>
+          <a:ext cx="512708" cy="512708"/>
+        </a:xfrm>
+        <a:prstGeom prst="downArrow">
+          <a:avLst>
+            <a:gd name="adj1" fmla="val 55000"/>
+            <a:gd name="adj2" fmla="val 45000"/>
+          </a:avLst>
+        </a:prstGeom>
+        <a:solidFill>
+          <a:schemeClr val="accent5">
+            <a:tint val="40000"/>
+            <a:alpha val="90000"/>
+            <a:hueOff val="0"/>
+            <a:satOff val="0"/>
+            <a:lumOff val="0"/>
+            <a:alphaOff val="0"/>
+          </a:schemeClr>
+        </a:solidFill>
+        <a:ln w="15875" cap="flat" cmpd="sng" algn="ctr">
+          <a:solidFill>
+            <a:schemeClr val="accent5">
+              <a:tint val="40000"/>
+              <a:alpha val="90000"/>
+              <a:hueOff val="0"/>
+              <a:satOff val="0"/>
+              <a:lumOff val="0"/>
+              <a:alphaOff val="0"/>
+            </a:schemeClr>
+          </a:solidFill>
+          <a:prstDash val="solid"/>
+        </a:ln>
+        <a:effectLst/>
+      </dsp:spPr>
+      <dsp:style>
+        <a:lnRef idx="2">
+          <a:scrgbClr r="0" g="0" b="0"/>
+        </a:lnRef>
+        <a:fillRef idx="1">
+          <a:scrgbClr r="0" g="0" b="0"/>
+        </a:fillRef>
+        <a:effectRef idx="0">
+          <a:scrgbClr r="0" g="0" b="0"/>
+        </a:effectRef>
+        <a:fontRef idx="minor"/>
+      </dsp:style>
+      <dsp:txBody>
+        <a:bodyPr spcFirstLastPara="0" vert="horz" wrap="square" lIns="29210" tIns="29210" rIns="29210" bIns="29210" numCol="1" spcCol="1270" anchor="ctr" anchorCtr="0">
+          <a:noAutofit/>
+        </a:bodyPr>
+        <a:lstStyle/>
+        <a:p>
+          <a:pPr marL="0" lvl="0" indent="0" algn="ctr" defTabSz="1022350">
+            <a:lnSpc>
+              <a:spcPct val="90000"/>
+            </a:lnSpc>
+            <a:spcBef>
+              <a:spcPct val="0"/>
+            </a:spcBef>
+            <a:spcAft>
+              <a:spcPct val="35000"/>
+            </a:spcAft>
+            <a:buNone/>
+          </a:pPr>
+          <a:endParaRPr lang="en-US" sz="2300" kern="1200"/>
+        </a:p>
+      </dsp:txBody>
+      <dsp:txXfrm>
+        <a:off x="6045248" y="576249"/>
+        <a:ext cx="281990" cy="385813"/>
+      </dsp:txXfrm>
+    </dsp:sp>
+    <dsp:sp modelId="{2924C76F-EE62-4883-81D9-FD7A3A9C9C87}">
+      <dsp:nvSpPr>
+        <dsp:cNvPr id="0" name=""/>
+        <dsp:cNvSpPr/>
+      </dsp:nvSpPr>
+      <dsp:spPr>
+        <a:xfrm>
+          <a:off x="6410992" y="1474585"/>
+          <a:ext cx="512708" cy="512708"/>
+        </a:xfrm>
+        <a:prstGeom prst="downArrow">
+          <a:avLst>
+            <a:gd name="adj1" fmla="val 55000"/>
+            <a:gd name="adj2" fmla="val 45000"/>
+          </a:avLst>
+        </a:prstGeom>
+        <a:solidFill>
+          <a:schemeClr val="accent5">
+            <a:tint val="40000"/>
+            <a:alpha val="90000"/>
+            <a:hueOff val="755555"/>
+            <a:satOff val="-6627"/>
+            <a:lumOff val="-528"/>
+            <a:alphaOff val="0"/>
+          </a:schemeClr>
+        </a:solidFill>
+        <a:ln w="15875" cap="flat" cmpd="sng" algn="ctr">
+          <a:solidFill>
+            <a:schemeClr val="accent5">
+              <a:tint val="40000"/>
+              <a:alpha val="90000"/>
+              <a:hueOff val="0"/>
+              <a:satOff val="0"/>
+              <a:lumOff val="0"/>
+              <a:alphaOff val="0"/>
+            </a:schemeClr>
+          </a:solidFill>
+          <a:prstDash val="solid"/>
+        </a:ln>
+        <a:effectLst/>
+      </dsp:spPr>
+      <dsp:style>
+        <a:lnRef idx="2">
+          <a:scrgbClr r="0" g="0" b="0"/>
+        </a:lnRef>
+        <a:fillRef idx="1">
+          <a:scrgbClr r="0" g="0" b="0"/>
+        </a:fillRef>
+        <a:effectRef idx="0">
+          <a:scrgbClr r="0" g="0" b="0"/>
+        </a:effectRef>
+        <a:fontRef idx="minor"/>
+      </dsp:style>
+      <dsp:txBody>
+        <a:bodyPr spcFirstLastPara="0" vert="horz" wrap="square" lIns="29210" tIns="29210" rIns="29210" bIns="29210" numCol="1" spcCol="1270" anchor="ctr" anchorCtr="0">
+          <a:noAutofit/>
+        </a:bodyPr>
+        <a:lstStyle/>
+        <a:p>
+          <a:pPr marL="0" lvl="0" indent="0" algn="ctr" defTabSz="1022350">
+            <a:lnSpc>
+              <a:spcPct val="90000"/>
+            </a:lnSpc>
+            <a:spcBef>
+              <a:spcPct val="0"/>
+            </a:spcBef>
+            <a:spcAft>
+              <a:spcPct val="35000"/>
+            </a:spcAft>
+            <a:buNone/>
+          </a:pPr>
+          <a:endParaRPr lang="en-US" sz="2300" kern="1200"/>
+        </a:p>
+      </dsp:txBody>
+      <dsp:txXfrm>
+        <a:off x="6526351" y="1474585"/>
+        <a:ext cx="281990" cy="385813"/>
+      </dsp:txXfrm>
+    </dsp:sp>
+    <dsp:sp modelId="{5A15E4FA-C69A-4309-B28B-81865EAB6B9C}">
+      <dsp:nvSpPr>
+        <dsp:cNvPr id="0" name=""/>
+        <dsp:cNvSpPr/>
+      </dsp:nvSpPr>
+      <dsp:spPr>
+        <a:xfrm>
+          <a:off x="6892095" y="2359774"/>
+          <a:ext cx="512708" cy="512708"/>
+        </a:xfrm>
+        <a:prstGeom prst="downArrow">
+          <a:avLst>
+            <a:gd name="adj1" fmla="val 55000"/>
+            <a:gd name="adj2" fmla="val 45000"/>
+          </a:avLst>
+        </a:prstGeom>
+        <a:solidFill>
+          <a:schemeClr val="accent5">
+            <a:tint val="40000"/>
+            <a:alpha val="90000"/>
+            <a:hueOff val="1511109"/>
+            <a:satOff val="-13255"/>
+            <a:lumOff val="-1055"/>
+            <a:alphaOff val="0"/>
+          </a:schemeClr>
+        </a:solidFill>
+        <a:ln w="15875" cap="flat" cmpd="sng" algn="ctr">
+          <a:solidFill>
+            <a:schemeClr val="accent5">
+              <a:tint val="40000"/>
+              <a:alpha val="90000"/>
+              <a:hueOff val="0"/>
+              <a:satOff val="0"/>
+              <a:lumOff val="0"/>
+              <a:alphaOff val="0"/>
+            </a:schemeClr>
+          </a:solidFill>
+          <a:prstDash val="solid"/>
+        </a:ln>
+        <a:effectLst/>
+      </dsp:spPr>
+      <dsp:style>
+        <a:lnRef idx="2">
+          <a:scrgbClr r="0" g="0" b="0"/>
+        </a:lnRef>
+        <a:fillRef idx="1">
+          <a:scrgbClr r="0" g="0" b="0"/>
+        </a:fillRef>
+        <a:effectRef idx="0">
+          <a:scrgbClr r="0" g="0" b="0"/>
+        </a:effectRef>
+        <a:fontRef idx="minor"/>
+      </dsp:style>
+      <dsp:txBody>
+        <a:bodyPr spcFirstLastPara="0" vert="horz" wrap="square" lIns="29210" tIns="29210" rIns="29210" bIns="29210" numCol="1" spcCol="1270" anchor="ctr" anchorCtr="0">
+          <a:noAutofit/>
+        </a:bodyPr>
+        <a:lstStyle/>
+        <a:p>
+          <a:pPr marL="0" lvl="0" indent="0" algn="ctr" defTabSz="1022350">
+            <a:lnSpc>
+              <a:spcPct val="90000"/>
+            </a:lnSpc>
+            <a:spcBef>
+              <a:spcPct val="0"/>
+            </a:spcBef>
+            <a:spcAft>
+              <a:spcPct val="35000"/>
+            </a:spcAft>
+            <a:buNone/>
+          </a:pPr>
+          <a:endParaRPr lang="en-US" sz="2300" kern="1200"/>
+        </a:p>
+      </dsp:txBody>
+      <dsp:txXfrm>
+        <a:off x="7007454" y="2359774"/>
+        <a:ext cx="281990" cy="385813"/>
+      </dsp:txXfrm>
+    </dsp:sp>
+    <dsp:sp modelId="{AA22DBC5-0D5F-48AD-8DE8-3F1A21DF2674}">
+      <dsp:nvSpPr>
+        <dsp:cNvPr id="0" name=""/>
+        <dsp:cNvSpPr/>
+      </dsp:nvSpPr>
+      <dsp:spPr>
+        <a:xfrm>
+          <a:off x="7373198" y="3266874"/>
+          <a:ext cx="512708" cy="512708"/>
+        </a:xfrm>
+        <a:prstGeom prst="downArrow">
+          <a:avLst>
+            <a:gd name="adj1" fmla="val 55000"/>
+            <a:gd name="adj2" fmla="val 45000"/>
+          </a:avLst>
+        </a:prstGeom>
+        <a:solidFill>
+          <a:schemeClr val="accent5">
+            <a:tint val="40000"/>
+            <a:alpha val="90000"/>
+            <a:hueOff val="2266664"/>
+            <a:satOff val="-19882"/>
+            <a:lumOff val="-1583"/>
+            <a:alphaOff val="0"/>
+          </a:schemeClr>
+        </a:solidFill>
+        <a:ln w="15875" cap="flat" cmpd="sng" algn="ctr">
+          <a:solidFill>
+            <a:schemeClr val="accent5">
+              <a:tint val="40000"/>
+              <a:alpha val="90000"/>
+              <a:hueOff val="0"/>
+              <a:satOff val="0"/>
+              <a:lumOff val="0"/>
+              <a:alphaOff val="0"/>
+            </a:schemeClr>
+          </a:solidFill>
+          <a:prstDash val="solid"/>
+        </a:ln>
+        <a:effectLst/>
+      </dsp:spPr>
+      <dsp:style>
+        <a:lnRef idx="2">
+          <a:scrgbClr r="0" g="0" b="0"/>
+        </a:lnRef>
+        <a:fillRef idx="1">
+          <a:scrgbClr r="0" g="0" b="0"/>
+        </a:fillRef>
+        <a:effectRef idx="0">
+          <a:scrgbClr r="0" g="0" b="0"/>
+        </a:effectRef>
+        <a:fontRef idx="minor"/>
+      </dsp:style>
+      <dsp:txBody>
+        <a:bodyPr spcFirstLastPara="0" vert="horz" wrap="square" lIns="29210" tIns="29210" rIns="29210" bIns="29210" numCol="1" spcCol="1270" anchor="ctr" anchorCtr="0">
+          <a:noAutofit/>
+        </a:bodyPr>
+        <a:lstStyle/>
+        <a:p>
+          <a:pPr marL="0" lvl="0" indent="0" algn="ctr" defTabSz="1022350">
+            <a:lnSpc>
+              <a:spcPct val="90000"/>
+            </a:lnSpc>
+            <a:spcBef>
+              <a:spcPct val="0"/>
+            </a:spcBef>
+            <a:spcAft>
+              <a:spcPct val="35000"/>
+            </a:spcAft>
+            <a:buNone/>
+          </a:pPr>
+          <a:endParaRPr lang="en-US" sz="2300" kern="1200"/>
+        </a:p>
+      </dsp:txBody>
+      <dsp:txXfrm>
+        <a:off x="7488557" y="3266874"/>
+        <a:ext cx="281990" cy="385813"/>
+      </dsp:txXfrm>
+    </dsp:sp>
+  </dsp:spTree>
+</dsp:drawing>
+</file>
+
+<file path=ppt/diagrams/layout1.xml><?xml version="1.0" encoding="utf-8"?>
+<dgm:layoutDef xmlns:dgm="http://schemas.openxmlformats.org/drawingml/2006/diagram" xmlns:a="http://schemas.openxmlformats.org/drawingml/2006/main" uniqueId="urn:microsoft.com/office/officeart/2005/8/layout/vProcess5">
+  <dgm:title val=""/>
+  <dgm:desc val=""/>
+  <dgm:catLst>
+    <dgm:cat type="process" pri="14000"/>
+  </dgm:catLst>
+  <dgm:sampData>
+    <dgm:dataModel>
+      <dgm:ptLst>
+        <dgm:pt modelId="0" type="doc"/>
+        <dgm:pt modelId="1">
+          <dgm:prSet phldr="1"/>
+        </dgm:pt>
+        <dgm:pt modelId="2">
+          <dgm:prSet phldr="1"/>
+        </dgm:pt>
+        <dgm:pt modelId="3">
+          <dgm:prSet phldr="1"/>
+        </dgm:pt>
+      </dgm:ptLst>
+      <dgm:cxnLst>
+        <dgm:cxn modelId="5" srcId="0" destId="1" srcOrd="0" destOrd="0"/>
+        <dgm:cxn modelId="6" srcId="0" destId="2" srcOrd="1" destOrd="0"/>
+        <dgm:cxn modelId="7" srcId="0" destId="3" srcOrd="2" destOrd="0"/>
+      </dgm:cxnLst>
+      <dgm:bg/>
+      <dgm:whole/>
+    </dgm:dataModel>
+  </dgm:sampData>
+  <dgm:styleData>
+    <dgm:dataModel>
+      <dgm:ptLst>
+        <dgm:pt modelId="0" type="doc"/>
+        <dgm:pt modelId="1"/>
+        <dgm:pt modelId="2"/>
+      </dgm:ptLst>
+      <dgm:cxnLst>
+        <dgm:cxn modelId="3" srcId="0" destId="1" srcOrd="0" destOrd="0"/>
+        <dgm:cxn modelId="4" srcId="0" destId="2" srcOrd="1" destOrd="0"/>
+      </dgm:cxnLst>
+      <dgm:bg/>
+      <dgm:whole/>
+    </dgm:dataModel>
+  </dgm:styleData>
+  <dgm:clrData>
+    <dgm:dataModel>
+      <dgm:ptLst>
+        <dgm:pt modelId="0" type="doc"/>
+        <dgm:pt modelId="1"/>
+        <dgm:pt modelId="2"/>
+        <dgm:pt modelId="3"/>
+        <dgm:pt modelId="4"/>
+      </dgm:ptLst>
+      <dgm:cxnLst>
+        <dgm:cxn modelId="6" srcId="0" destId="1" srcOrd="0" destOrd="0"/>
+        <dgm:cxn modelId="7" srcId="0" destId="2" srcOrd="1" destOrd="0"/>
+        <dgm:cxn modelId="8" srcId="0" destId="3" srcOrd="2" destOrd="0"/>
+        <dgm:cxn modelId="9" srcId="0" destId="4" srcOrd="3" destOrd="0"/>
+      </dgm:cxnLst>
+      <dgm:bg/>
+      <dgm:whole/>
+    </dgm:dataModel>
+  </dgm:clrData>
+  <dgm:layoutNode name="outerComposite">
+    <dgm:varLst>
+      <dgm:chMax val="5"/>
+      <dgm:dir/>
+      <dgm:resizeHandles val="exact"/>
+    </dgm:varLst>
+    <dgm:alg type="composite"/>
+    <dgm:shape xmlns:r="http://schemas.openxmlformats.org/officeDocument/2006/relationships" r:blip="">
+      <dgm:adjLst/>
+    </dgm:shape>
+    <dgm:presOf/>
+    <dgm:choose name="Name0">
+      <dgm:if name="Name1" func="var" arg="dir" op="equ" val="norm">
+        <dgm:constrLst>
+          <dgm:constr type="primFontSz" for="ch" ptType="node" op="equ" val="65"/>
+          <dgm:constr type="w" for="ch" forName="dummyMaxCanvas" refType="w"/>
+          <dgm:constr type="h" for="ch" forName="dummyMaxCanvas" refType="h"/>
+          <dgm:constr type="w" for="ch" forName="OneNode_1" refType="w"/>
+          <dgm:constr type="h" for="ch" forName="OneNode_1" refType="h" fact="0.5"/>
+          <dgm:constr type="ctrY" for="ch" forName="OneNode_1" refType="h" fact="0.5"/>
+          <dgm:constr type="w" for="ch" forName="TwoNodes_1" refType="w" fact="0.85"/>
+          <dgm:constr type="h" for="ch" forName="TwoNodes_1" refType="h" fact="0.45"/>
+          <dgm:constr type="t" for="ch" forName="TwoNodes_1"/>
+          <dgm:constr type="l" for="ch" forName="TwoNodes_1"/>
+          <dgm:constr type="w" for="ch" forName="TwoNodes_2" refType="w" fact="0.85"/>
+          <dgm:constr type="h" for="ch" forName="TwoNodes_2" refType="h" fact="0.45"/>
+          <dgm:constr type="b" for="ch" forName="TwoNodes_2" refType="h"/>
+          <dgm:constr type="r" for="ch" forName="TwoNodes_2" refType="w"/>
+          <dgm:constr type="w" for="ch" forName="TwoConn_1-2" refType="h" refFor="ch" refForName="TwoNodes_1" fact="0.65"/>
+          <dgm:constr type="h" for="ch" forName="TwoConn_1-2" refType="h" refFor="ch" refForName="TwoNodes_1" fact="0.65"/>
+          <dgm:constr type="ctrY" for="ch" forName="TwoConn_1-2" refType="h" fact="0.5"/>
+          <dgm:constr type="r" for="ch" forName="TwoConn_1-2" refType="r" refFor="ch" refForName="TwoNodes_1"/>
+          <dgm:constr type="r" for="ch" forName="TwoNodes_1_text" refType="l" refFor="ch" refForName="TwoConn_1-2"/>
+          <dgm:constr type="rOff" for="ch" forName="TwoNodes_1_text" refType="w" refFor="ch" refForName="TwoConn_1-2" fact="-0.5"/>
+          <dgm:constr type="t" for="ch" forName="TwoNodes_1_text" refType="t" refFor="ch" refForName="TwoNodes_1"/>
+          <dgm:constr type="b" for="ch" forName="TwoNodes_1_text" refType="b" refFor="ch" refForName="TwoNodes_1"/>
+          <dgm:constr type="l" for="ch" forName="TwoNodes_1_text" refType="l" refFor="ch" refForName="TwoNodes_1"/>
+          <dgm:constr type="r" for="ch" forName="TwoNodes_2_text" refType="l" refFor="ch" refForName="TwoConn_1-2"/>
+          <dgm:constr type="t" for="ch" forName="TwoNodes_2_text" refType="t" refFor="ch" refForName="TwoNodes_2"/>
+          <dgm:constr type="b" for="ch" forName="TwoNodes_2_text" refType="b" refFor="ch" refForName="TwoNodes_2"/>
+          <dgm:constr type="l" for="ch" forName="TwoNodes_2_text" refType="l" refFor="ch" refForName="TwoNodes_2"/>
+          <dgm:constr type="w" for="ch" forName="ThreeNodes_1" refType="w" fact="0.85"/>
+          <dgm:constr type="h" for="ch" forName="ThreeNodes_1" refType="h" fact="0.3"/>
+          <dgm:constr type="t" for="ch" forName="ThreeNodes_1"/>
+          <dgm:constr type="l" for="ch" forName="ThreeNodes_1"/>
+          <dgm:constr type="w" for="ch" forName="ThreeNodes_2" refType="w" fact="0.85"/>
+          <dgm:constr type="h" for="ch" forName="ThreeNodes_2" refType="h" fact="0.3"/>
+          <dgm:constr type="ctrY" for="ch" forName="ThreeNodes_2" refType="h" fact="0.5"/>
+          <dgm:constr type="ctrX" for="ch" forName="ThreeNodes_2" refType="w" fact="0.5"/>
+          <dgm:constr type="w" for="ch" forName="ThreeNodes_3" refType="w" fact="0.85"/>
+          <dgm:constr type="h" for="ch" forName="ThreeNodes_3" refType="h" fact="0.3"/>
+          <dgm:constr type="b" for="ch" forName="ThreeNodes_3" refType="h"/>
+          <dgm:constr type="r" for="ch" forName="ThreeNodes_3" refType="w"/>
+          <dgm:constr type="w" for="ch" forName="ThreeConn_1-2" refType="h" refFor="ch" refForName="ThreeNodes_1" fact="0.65"/>
+          <dgm:constr type="h" for="ch" forName="ThreeConn_1-2" refType="h" refFor="ch" refForName="ThreeNodes_1" fact="0.65"/>
+          <dgm:constr type="ctrY" for="ch" forName="ThreeConn_1-2" refType="h" fact="0.325"/>
+          <dgm:constr type="r" for="ch" forName="ThreeConn_1-2" refType="r" refFor="ch" refForName="ThreeNodes_1"/>
+          <dgm:constr type="w" for="ch" forName="ThreeConn_2-3" refType="h" refFor="ch" refForName="ThreeNodes_2" fact="0.65"/>
+          <dgm:constr type="h" for="ch" forName="ThreeConn_2-3" refType="h" refFor="ch" refForName="ThreeNodes_2" fact="0.65"/>
+          <dgm:constr type="ctrY" for="ch" forName="ThreeConn_2-3" refType="h" fact="0.673"/>
+          <dgm:constr type="r" for="ch" forName="ThreeConn_2-3" refType="r" refFor="ch" refForName="ThreeNodes_2"/>
+          <dgm:constr type="r" for="ch" forName="ThreeNodes_1_text" refType="l" refFor="ch" refForName="ThreeConn_1-2"/>
+          <dgm:constr type="rOff" for="ch" forName="ThreeNodes_1_text" refType="w" refFor="ch" refForName="ThreeConn_1-2" fact="-0.57"/>
+          <dgm:constr type="t" for="ch" forName="ThreeNodes_1_text" refType="t" refFor="ch" refForName="ThreeNodes_1"/>
+          <dgm:constr type="b" for="ch" forName="ThreeNodes_1_text" refType="b" refFor="ch" refForName="ThreeNodes_1"/>
+          <dgm:constr type="l" for="ch" forName="ThreeNodes_1_text" refType="l" refFor="ch" refForName="ThreeNodes_1"/>
+          <dgm:constr type="r" for="ch" forName="ThreeNodes_2_text" refType="l" refFor="ch" refForName="ThreeConn_1-2"/>
+          <dgm:constr type="t" for="ch" forName="ThreeNodes_2_text" refType="t" refFor="ch" refForName="ThreeNodes_2"/>
+          <dgm:constr type="b" for="ch" forName="ThreeNodes_2_text" refType="b" refFor="ch" refForName="ThreeNodes_2"/>
+          <dgm:constr type="l" for="ch" forName="ThreeNodes_2_text" refType="l" refFor="ch" refForName="ThreeNodes_2"/>
+          <dgm:constr type="r" for="ch" forName="ThreeNodes_3_text" refType="l" refFor="ch" refForName="ThreeConn_2-3"/>
+          <dgm:constr type="t" for="ch" forName="ThreeNodes_3_text" refType="t" refFor="ch" refForName="ThreeNodes_3"/>
+          <dgm:constr type="b" for="ch" forName="ThreeNodes_3_text" refType="b" refFor="ch" refForName="ThreeNodes_3"/>
+          <dgm:constr type="l" for="ch" forName="ThreeNodes_3_text" refType="l" refFor="ch" refForName="ThreeNodes_3"/>
+          <dgm:constr type="w" for="ch" forName="FourNodes_1" refType="w" fact="0.8"/>
+          <dgm:constr type="h" for="ch" forName="FourNodes_1" refType="h" fact="0.22"/>
+          <dgm:constr type="t" for="ch" forName="FourNodes_1"/>
+          <dgm:constr type="l" for="ch" forName="FourNodes_1"/>
+          <dgm:constr type="w" for="ch" forName="FourNodes_2" refType="w" fact="0.8"/>
+          <dgm:constr type="h" for="ch" forName="FourNodes_2" refType="h" fact="0.22"/>
+          <dgm:constr type="ctrY" for="ch" forName="FourNodes_2" refType="h" fact="0.37"/>
+          <dgm:constr type="ctrX" for="ch" forName="FourNodes_2" refType="w" fact="0.467"/>
+          <dgm:constr type="w" for="ch" forName="FourNodes_3" refType="w" fact="0.8"/>
+          <dgm:constr type="h" for="ch" forName="FourNodes_3" refType="h" fact="0.22"/>
+          <dgm:constr type="ctrY" for="ch" forName="FourNodes_3" refType="h" fact="0.63"/>
+          <dgm:constr type="ctrX" for="ch" forName="FourNodes_3" refType="w" fact="0.533"/>
+          <dgm:constr type="w" for="ch" forName="FourNodes_4" refType="w" fact="0.8"/>
+          <dgm:constr type="h" for="ch" forName="FourNodes_4" refType="h" fact="0.22"/>
+          <dgm:constr type="b" for="ch" forName="FourNodes_4" refType="h"/>
+          <dgm:constr type="r" for="ch" forName="FourNodes_4" refType="w"/>
+          <dgm:constr type="w" for="ch" forName="FourConn_1-2" refType="h" refFor="ch" refForName="FourNodes_1" fact="0.65"/>
+          <dgm:constr type="h" for="ch" forName="FourConn_1-2" refType="h" refFor="ch" refForName="FourNodes_1" fact="0.65"/>
+          <dgm:constr type="ctrY" for="ch" forName="FourConn_1-2" refType="h" fact="0.24"/>
+          <dgm:constr type="r" for="ch" forName="FourConn_1-2" refType="r" refFor="ch" refForName="FourNodes_1"/>
+          <dgm:constr type="w" for="ch" forName="FourConn_2-3" refType="h" refFor="ch" refForName="FourNodes_2" fact="0.65"/>
+          <dgm:constr type="h" for="ch" forName="FourConn_2-3" refType="h" refFor="ch" refForName="FourNodes_2" fact="0.65"/>
+          <dgm:constr type="ctrY" for="ch" forName="FourConn_2-3" refType="h" fact="0.5"/>
+          <dgm:constr type="r" for="ch" forName="FourConn_2-3" refType="r" refFor="ch" refForName="FourNodes_2"/>
+          <dgm:constr type="w" for="ch" forName="FourConn_3-4" refType="h" refFor="ch" refForName="FourNodes_3" fact="0.65"/>
+          <dgm:constr type="h" for="ch" forName="FourConn_3-4" refType="h" refFor="ch" refForName="FourNodes_3" fact="0.65"/>
+          <dgm:constr type="ctrY" for="ch" forName="FourConn_3-4" refType="h" fact="0.76"/>
+          <dgm:constr type="r" for="ch" forName="FourConn_3-4" refType="r" refFor="ch" refForName="FourNodes_3"/>
+          <dgm:constr type="r" for="ch" forName="FourNodes_1_text" refType="l" refFor="ch" refForName="FourConn_1-2"/>
+          <dgm:constr type="rOff" for="ch" forName="FourNodes_1_text" refType="w" refFor="ch" refForName="FourConn_1-2" fact="-0.7"/>
+          <dgm:constr type="t" for="ch" forName="FourNodes_1_text" refType="t" refFor="ch" refForName="FourNodes_1"/>
+          <dgm:constr type="b" for="ch" forName="FourNodes_1_text" refType="b" refFor="ch" refForName="FourNodes_1"/>
+          <dgm:constr type="l" for="ch" forName="FourNodes_1_text" refType="l" refFor="ch" refForName="FourNodes_1"/>
+          <dgm:constr type="r" for="ch" forName="FourNodes_2_text" refType="l" refFor="ch" refForName="FourConn_1-2"/>
+          <dgm:constr type="t" for="ch" forName="FourNodes_2_text" refType="t" refFor="ch" refForName="FourNodes_2"/>
+          <dgm:constr type="b" for="ch" forName="FourNodes_2_text" refType="b" refFor="ch" refForName="FourNodes_2"/>
+          <dgm:constr type="l" for="ch" forName="FourNodes_2_text" refType="l" refFor="ch" refForName="FourNodes_2"/>
+          <dgm:constr type="r" for="ch" forName="FourNodes_3_text" refType="l" refFor="ch" refForName="FourConn_2-3"/>
+          <dgm:constr type="t" for="ch" forName="FourNodes_3_text" refType="t" refFor="ch" refForName="FourNodes_3"/>
+          <dgm:constr type="b" for="ch" forName="FourNodes_3_text" refType="b" refFor="ch" refForName="FourNodes_3"/>
+          <dgm:constr type="l" for="ch" forName="FourNodes_3_text" refType="l" refFor="ch" refForName="FourNodes_3"/>
+          <dgm:constr type="r" for="ch" forName="FourNodes_4_text" refType="l" refFor="ch" refForName="FourConn_3-4"/>
+          <dgm:constr type="t" for="ch" forName="FourNodes_4_text" refType="t" refFor="ch" refForName="FourNodes_4"/>
+          <dgm:constr type="b" for="ch" forName="FourNodes_4_text" refType="b" refFor="ch" refForName="FourNodes_4"/>
+          <dgm:constr type="l" for="ch" forName="FourNodes_4_text" refType="l" refFor="ch" refForName="FourNodes_4"/>
+          <dgm:constr type="w" for="ch" forName="FiveNodes_1" refType="w" fact="0.77"/>
+          <dgm:constr type="h" for="ch" forName="FiveNodes_1" refType="h" fact="0.18"/>
+          <dgm:constr type="t" for="ch" forName="FiveNodes_1"/>
+          <dgm:constr type="l" for="ch" forName="FiveNodes_1"/>
+          <dgm:constr type="w" for="ch" forName="FiveNodes_2" refType="w" fact="0.77"/>
+          <dgm:constr type="h" for="ch" forName="FiveNodes_2" refType="h" fact="0.18"/>
+          <dgm:constr type="ctrY" for="ch" forName="FiveNodes_2" refType="h" fact="0.295"/>
+          <dgm:constr type="ctrX" for="ch" forName="FiveNodes_2" refType="w" fact="0.4425"/>
+          <dgm:constr type="w" for="ch" forName="FiveNodes_3" refType="w" fact="0.77"/>
+          <dgm:constr type="h" for="ch" forName="FiveNodes_3" refType="h" fact="0.18"/>
+          <dgm:constr type="ctrY" for="ch" forName="FiveNodes_3" refType="h" fact="0.5"/>
+          <dgm:constr type="ctrX" for="ch" forName="FiveNodes_3" refType="w" fact="0.5"/>
+          <dgm:constr type="w" for="ch" forName="FiveNodes_4" refType="w" fact="0.77"/>
+          <dgm:constr type="h" for="ch" forName="FiveNodes_4" refType="h" fact="0.18"/>
+          <dgm:constr type="ctrY" for="ch" forName="FiveNodes_4" refType="h" fact="0.705"/>
+          <dgm:constr type="ctrX" for="ch" forName="FiveNodes_4" refType="w" fact="0.5575"/>
+          <dgm:constr type="w" for="ch" forName="FiveNodes_5" refType="w" fact="0.77"/>
+          <dgm:constr type="h" for="ch" forName="FiveNodes_5" refType="h" fact="0.18"/>
+          <dgm:constr type="b" for="ch" forName="FiveNodes_5" refType="h"/>
+          <dgm:constr type="r" for="ch" forName="FiveNodes_5" refType="w"/>
+          <dgm:constr type="w" for="ch" forName="FiveConn_1-2" refType="h" refFor="ch" refForName="FiveNodes_1" fact="0.65"/>
+          <dgm:constr type="h" for="ch" forName="FiveConn_1-2" refType="h" refFor="ch" refForName="FiveNodes_1" fact="0.65"/>
+          <dgm:constr type="ctrY" for="ch" forName="FiveConn_1-2" refType="h" fact="0.19"/>
+          <dgm:constr type="r" for="ch" forName="FiveConn_1-2" refType="r" refFor="ch" refForName="FiveNodes_1"/>
+          <dgm:constr type="w" for="ch" forName="FiveConn_2-3" refType="h" refFor="ch" refForName="FiveNodes_2" fact="0.65"/>
+          <dgm:constr type="h" for="ch" forName="FiveConn_2-3" refType="h" refFor="ch" refForName="FiveNodes_2" fact="0.65"/>
+          <dgm:constr type="ctrY" for="ch" forName="FiveConn_2-3" refType="h" fact="0.395"/>
+          <dgm:constr type="r" for="ch" forName="FiveConn_2-3" refType="r" refFor="ch" refForName="FiveNodes_2"/>
+          <dgm:constr type="w" for="ch" forName="FiveConn_3-4" refType="h" refFor="ch" refForName="FiveNodes_3" fact="0.65"/>
+          <dgm:constr type="h" for="ch" forName="FiveConn_3-4" refType="h" refFor="ch" refForName="FiveNodes_3" fact="0.65"/>
+          <dgm:constr type="ctrY" for="ch" forName="FiveConn_3-4" refType="h" fact="0.597"/>
+          <dgm:constr type="r" for="ch" forName="FiveConn_3-4" refType="r" refFor="ch" refForName="FiveNodes_3"/>
+          <dgm:constr type="w" for="ch" forName="FiveConn_4-5" refType="h" refFor="ch" refForName="FiveNodes_4" fact="0.65"/>
+          <dgm:constr type="h" for="ch" forName="FiveConn_4-5" refType="h" refFor="ch" refForName="FiveNodes_4" fact="0.65"/>
+          <dgm:constr type="ctrY" for="ch" forName="FiveConn_4-5" refType="h" fact="0.804"/>
+          <dgm:constr type="r" for="ch" forName="FiveConn_4-5" refType="r" refFor="ch" refForName="FiveNodes_4"/>
+          <dgm:constr type="r" for="ch" forName="FiveNodes_1_text" refType="l" refFor="ch" refForName="FiveConn_1-2"/>
+          <dgm:constr type="rOff" for="ch" forName="FiveNodes_1_text" refType="w" refFor="ch" refForName="FiveConn_1-2" fact="-0.75"/>
+          <dgm:constr type="t" for="ch" forName="FiveNodes_1_text" refType="t" refFor="ch" refForName="FiveNodes_1"/>
+          <dgm:constr type="b" for="ch" forName="FiveNodes_1_text" refType="b" refFor="ch" refForName="FiveNodes_1"/>
+          <dgm:constr type="l" for="ch" forName="FiveNodes_1_text" refType="l" refFor="ch" refForName="FiveNodes_1"/>
+          <dgm:constr type="r" for="ch" forName="FiveNodes_2_text" refType="l" refFor="ch" refForName="FiveConn_1-2"/>
+          <dgm:constr type="t" for="ch" forName="FiveNodes_2_text" refType="t" refFor="ch" refForName="FiveNodes_2"/>
+          <dgm:constr type="b" for="ch" forName="FiveNodes_2_text" refType="b" refFor="ch" refForName="FiveNodes_2"/>
+          <dgm:constr type="l" for="ch" forName="FiveNodes_2_text" refType="l" refFor="ch" refForName="FiveNodes_2"/>
+          <dgm:constr type="r" for="ch" forName="FiveNodes_3_text" refType="l" refFor="ch" refForName="FiveConn_2-3"/>
+          <dgm:constr type="t" for="ch" forName="FiveNodes_3_text" refType="t" refFor="ch" refForName="FiveNodes_3"/>
+          <dgm:constr type="b" for="ch" forName="FiveNodes_3_text" refType="b" refFor="ch" refForName="FiveNodes_3"/>
+          <dgm:constr type="l" for="ch" forName="FiveNodes_3_text" refType="l" refFor="ch" refForName="FiveNodes_3"/>
+          <dgm:constr type="r" for="ch" forName="FiveNodes_4_text" refType="l" refFor="ch" refForName="FiveConn_3-4"/>
+          <dgm:constr type="t" for="ch" forName="FiveNodes_4_text" refType="t" refFor="ch" refForName="FiveNodes_4"/>
+          <dgm:constr type="b" for="ch" forName="FiveNodes_4_text" refType="b" refFor="ch" refForName="FiveNodes_4"/>
+          <dgm:constr type="l" for="ch" forName="FiveNodes_4_text" refType="l" refFor="ch" refForName="FiveNodes_4"/>
+          <dgm:constr type="r" for="ch" forName="FiveNodes_5_text" refType="l" refFor="ch" refForName="FiveConn_4-5"/>
+          <dgm:constr type="t" for="ch" forName="FiveNodes_5_text" refType="t" refFor="ch" refForName="FiveNodes_5"/>
+          <dgm:constr type="b" for="ch" forName="FiveNodes_5_text" refType="b" refFor="ch" refForName="FiveNodes_5"/>
+          <dgm:constr type="l" for="ch" forName="FiveNodes_5_text" refType="l" refFor="ch" refForName="FiveNodes_5"/>
+        </dgm:constrLst>
+      </dgm:if>
+      <dgm:else name="Name2">
+        <dgm:constrLst>
+          <dgm:constr type="primFontSz" for="ch" ptType="node" op="equ" val="65"/>
+          <dgm:constr type="w" for="ch" forName="dummyMaxCanvas" refType="w"/>
+          <dgm:constr type="h" for="ch" forName="dummyMaxCanvas" refType="h"/>
+          <dgm:constr type="w" for="ch" forName="OneNode_1" refType="w"/>
+          <dgm:constr type="h" for="ch" forName="OneNode_1" refType="h" fact="0.5"/>
+          <dgm:constr type="ctrY" for="ch" forName="OneNode_1" refType="h" fact="0.5"/>
+          <dgm:constr type="w" for="ch" forName="TwoNodes_1" refType="w" fact="0.85"/>
+          <dgm:constr type="h" for="ch" forName="TwoNodes_1" refType="h" fact="0.45"/>
+          <dgm:constr type="t" for="ch" forName="TwoNodes_1"/>
+          <dgm:constr type="r" for="ch" forName="TwoNodes_1" refType="w"/>
+          <dgm:constr type="w" for="ch" forName="TwoNodes_2" refType="w" fact="0.85"/>
+          <dgm:constr type="h" for="ch" forName="TwoNodes_2" refType="h" fact="0.45"/>
+          <dgm:constr type="b" for="ch" forName="TwoNodes_2" refType="h"/>
+          <dgm:constr type="l" for="ch" forName="TwoNodes_2"/>
+          <dgm:constr type="w" for="ch" forName="TwoConn_1-2" refType="h" refFor="ch" refForName="TwoNodes_1" fact="0.65"/>
+          <dgm:constr type="h" for="ch" forName="TwoConn_1-2" refType="h" refFor="ch" refForName="TwoNodes_1" fact="0.65"/>
+          <dgm:constr type="ctrY" for="ch" forName="TwoConn_1-2" refType="h" fact="0.5"/>
+          <dgm:constr type="l" for="ch" forName="TwoConn_1-2" refType="l" refFor="ch" refForName="TwoNodes_1"/>
+          <dgm:constr type="l" for="ch" forName="TwoNodes_1_text" refType="r" refFor="ch" refForName="TwoConn_1-2"/>
+          <dgm:constr type="lOff" for="ch" forName="TwoNodes_1_text" refType="w" refFor="ch" refForName="TwoConn_1-2" fact="0.5"/>
+          <dgm:constr type="t" for="ch" forName="TwoNodes_1_text" refType="t" refFor="ch" refForName="TwoNodes_1"/>
+          <dgm:constr type="b" for="ch" forName="TwoNodes_1_text" refType="b" refFor="ch" refForName="TwoNodes_1"/>
+          <dgm:constr type="r" for="ch" forName="TwoNodes_1_text" refType="r" refFor="ch" refForName="TwoNodes_1"/>
+          <dgm:constr type="l" for="ch" forName="TwoNodes_2_text" refType="r" refFor="ch" refForName="TwoConn_1-2"/>
+          <dgm:constr type="t" for="ch" forName="TwoNodes_2_text" refType="t" refFor="ch" refForName="TwoNodes_2"/>
+          <dgm:constr type="b" for="ch" forName="TwoNodes_2_text" refType="b" refFor="ch" refForName="TwoNodes_2"/>
+          <dgm:constr type="r" for="ch" forName="TwoNodes_2_text" refType="r" refFor="ch" refForName="TwoNodes_2"/>
+          <dgm:constr type="w" for="ch" forName="ThreeNodes_1" refType="w" fact="0.85"/>
+          <dgm:constr type="h" for="ch" forName="ThreeNodes_1" refType="h" fact="0.3"/>
+          <dgm:constr type="t" for="ch" forName="ThreeNodes_1"/>
+          <dgm:constr type="r" for="ch" forName="ThreeNodes_1" refType="w"/>
+          <dgm:constr type="w" for="ch" forName="ThreeNodes_2" refType="w" fact="0.85"/>
+          <dgm:constr type="h" for="ch" forName="ThreeNodes_2" refType="h" fact="0.3"/>
+          <dgm:constr type="ctrY" for="ch" forName="ThreeNodes_2" refType="h" fact="0.5"/>
+          <dgm:constr type="ctrX" for="ch" forName="ThreeNodes_2" refType="w" fact="0.5"/>
+          <dgm:constr type="w" for="ch" forName="ThreeNodes_3" refType="w" fact="0.85"/>
+          <dgm:constr type="h" for="ch" forName="ThreeNodes_3" refType="h" fact="0.3"/>
+          <dgm:constr type="b" for="ch" forName="ThreeNodes_3" refType="h"/>
+          <dgm:constr type="l" for="ch" forName="ThreeNodes_3"/>
+          <dgm:constr type="w" for="ch" forName="ThreeConn_1-2" refType="h" refFor="ch" refForName="ThreeNodes_1" fact="0.65"/>
+          <dgm:constr type="h" for="ch" forName="ThreeConn_1-2" refType="h" refFor="ch" refForName="ThreeNodes_1" fact="0.65"/>
+          <dgm:constr type="ctrY" for="ch" forName="ThreeConn_1-2" refType="h" fact="0.325"/>
+          <dgm:constr type="l" for="ch" forName="ThreeConn_1-2" refType="l" refFor="ch" refForName="ThreeNodes_1"/>
+          <dgm:constr type="w" for="ch" forName="ThreeConn_2-3" refType="h" refFor="ch" refForName="ThreeNodes_2" fact="0.65"/>
+          <dgm:constr type="h" for="ch" forName="ThreeConn_2-3" refType="h" refFor="ch" refForName="ThreeNodes_2" fact="0.65"/>
+          <dgm:constr type="ctrY" for="ch" forName="ThreeConn_2-3" refType="h" fact="0.673"/>
+          <dgm:constr type="l" for="ch" forName="ThreeConn_2-3" refType="l" refFor="ch" refForName="ThreeNodes_2"/>
+          <dgm:constr type="l" for="ch" forName="ThreeNodes_1_text" refType="r" refFor="ch" refForName="ThreeConn_1-2"/>
+          <dgm:constr type="lOff" for="ch" forName="ThreeNodes_1_text" refType="w" refFor="ch" refForName="ThreeConn_1-2" fact="0.55"/>
+          <dgm:constr type="t" for="ch" forName="ThreeNodes_1_text" refType="t" refFor="ch" refForName="ThreeNodes_1"/>
+          <dgm:constr type="b" for="ch" forName="ThreeNodes_1_text" refType="b" refFor="ch" refForName="ThreeNodes_1"/>
+          <dgm:constr type="r" for="ch" forName="ThreeNodes_1_text" refType="r" refFor="ch" refForName="ThreeNodes_1"/>
+          <dgm:constr type="l" for="ch" forName="ThreeNodes_2_text" refType="r" refFor="ch" refForName="ThreeConn_1-2"/>
+          <dgm:constr type="t" for="ch" forName="ThreeNodes_2_text" refType="t" refFor="ch" refForName="ThreeNodes_2"/>
+          <dgm:constr type="b" for="ch" forName="ThreeNodes_2_text" refType="b" refFor="ch" refForName="ThreeNodes_2"/>
+          <dgm:constr type="r" for="ch" forName="ThreeNodes_2_text" refType="r" refFor="ch" refForName="ThreeNodes_2"/>
+          <dgm:constr type="l" for="ch" forName="ThreeNodes_3_text" refType="r" refFor="ch" refForName="ThreeConn_2-3"/>
+          <dgm:constr type="t" for="ch" forName="ThreeNodes_3_text" refType="t" refFor="ch" refForName="ThreeNodes_3"/>
+          <dgm:constr type="b" for="ch" forName="ThreeNodes_3_text" refType="b" refFor="ch" refForName="ThreeNodes_3"/>
+          <dgm:constr type="r" for="ch" forName="ThreeNodes_3_text" refType="r" refFor="ch" refForName="ThreeNodes_3"/>
+          <dgm:constr type="w" for="ch" forName="FourNodes_1" refType="w" fact="0.8"/>
+          <dgm:constr type="h" for="ch" forName="FourNodes_1" refType="h" fact="0.22"/>
+          <dgm:constr type="t" for="ch" forName="FourNodes_1"/>
+          <dgm:constr type="r" for="ch" forName="FourNodes_1" refType="w"/>
+          <dgm:constr type="w" for="ch" forName="FourNodes_2" refType="w" fact="0.8"/>
+          <dgm:constr type="h" for="ch" forName="FourNodes_2" refType="h" fact="0.22"/>
+          <dgm:constr type="ctrY" for="ch" forName="FourNodes_2" refType="h" fact="0.37"/>
+          <dgm:constr type="ctrX" for="ch" forName="FourNodes_2" refType="w" fact="0.533"/>
+          <dgm:constr type="w" for="ch" forName="FourNodes_3" refType="w" fact="0.8"/>
+          <dgm:constr type="h" for="ch" forName="FourNodes_3" refType="h" fact="0.22"/>
+          <dgm:constr type="ctrY" for="ch" forName="FourNodes_3" refType="h" fact="0.63"/>
+          <dgm:constr type="ctrX" for="ch" forName="FourNodes_3" refType="w" fact="0.467"/>
+          <dgm:constr type="w" for="ch" forName="FourNodes_4" refType="w" fact="0.8"/>
+          <dgm:constr type="h" for="ch" forName="FourNodes_4" refType="h" fact="0.22"/>
+          <dgm:constr type="b" for="ch" forName="FourNodes_4" refType="h"/>
+          <dgm:constr type="l" for="ch" forName="FourNodes_4"/>
+          <dgm:constr type="w" for="ch" forName="FourConn_1-2" refType="h" refFor="ch" refForName="FourNodes_1" fact="0.65"/>
+          <dgm:constr type="h" for="ch" forName="FourConn_1-2" refType="h" refFor="ch" refForName="FourNodes_1" fact="0.65"/>
+          <dgm:constr type="ctrY" for="ch" forName="FourConn_1-2" refType="h" fact="0.24"/>
+          <dgm:constr type="l" for="ch" forName="FourConn_1-2" refType="l" refFor="ch" refForName="FourNodes_1"/>
+          <dgm:constr type="w" for="ch" forName="FourConn_2-3" refType="h" refFor="ch" refForName="FourNodes_2" fact="0.65"/>
+          <dgm:constr type="h" for="ch" forName="FourConn_2-3" refType="h" refFor="ch" refForName="FourNodes_2" fact="0.65"/>
+          <dgm:constr type="ctrY" for="ch" forName="FourConn_2-3" refType="h" fact="0.5"/>
+          <dgm:constr type="l" for="ch" forName="FourConn_2-3" refType="l" refFor="ch" refForName="FourNodes_2"/>
+          <dgm:constr type="w" for="ch" forName="FourConn_3-4" refType="h" refFor="ch" refForName="FourNodes_3" fact="0.65"/>
+          <dgm:constr type="h" for="ch" forName="FourConn_3-4" refType="h" refFor="ch" refForName="FourNodes_3" fact="0.65"/>
+          <dgm:constr type="ctrY" for="ch" forName="FourConn_3-4" refType="h" fact="0.76"/>
+          <dgm:constr type="l" for="ch" forName="FourConn_3-4" refType="l" refFor="ch" refForName="FourNodes_3"/>
+          <dgm:constr type="l" for="ch" forName="FourNodes_1_text" refType="r" refFor="ch" refForName="FourConn_1-2"/>
+          <dgm:constr type="lOff" for="ch" forName="FourNodes_1_text" refType="w" refFor="ch" refForName="FourConn_1-2" fact="0.69"/>
+          <dgm:constr type="t" for="ch" forName="FourNodes_1_text" refType="t" refFor="ch" refForName="FourNodes_1"/>
+          <dgm:constr type="b" for="ch" forName="FourNodes_1_text" refType="b" refFor="ch" refForName="FourNodes_1"/>
+          <dgm:constr type="r" for="ch" forName="FourNodes_1_text" refType="r" refFor="ch" refForName="FourNodes_1"/>
+          <dgm:constr type="l" for="ch" forName="FourNodes_2_text" refType="r" refFor="ch" refForName="FourConn_1-2"/>
+          <dgm:constr type="t" for="ch" forName="FourNodes_2_text" refType="t" refFor="ch" refForName="FourNodes_2"/>
+          <dgm:constr type="b" for="ch" forName="FourNodes_2_text" refType="b" refFor="ch" refForName="FourNodes_2"/>
+          <dgm:constr type="r" for="ch" forName="FourNodes_2_text" refType="r" refFor="ch" refForName="FourNodes_2"/>
+          <dgm:constr type="l" for="ch" forName="FourNodes_3_text" refType="r" refFor="ch" refForName="FourConn_2-3"/>
+          <dgm:constr type="t" for="ch" forName="FourNodes_3_text" refType="t" refFor="ch" refForName="FourNodes_3"/>
+          <dgm:constr type="b" for="ch" forName="FourNodes_3_text" refType="b" refFor="ch" refForName="FourNodes_3"/>
+          <dgm:constr type="r" for="ch" forName="FourNodes_3_text" refType="r" refFor="ch" refForName="FourNodes_3"/>
+          <dgm:constr type="l" for="ch" forName="FourNodes_4_text" refType="r" refFor="ch" refForName="FourConn_3-4"/>
+          <dgm:constr type="t" for="ch" forName="FourNodes_4_text" refType="t" refFor="ch" refForName="FourNodes_4"/>
+          <dgm:constr type="b" for="ch" forName="FourNodes_4_text" refType="b" refFor="ch" refForName="FourNodes_4"/>
+          <dgm:constr type="r" for="ch" forName="FourNodes_4_text" refType="r" refFor="ch" refForName="FourNodes_4"/>
+          <dgm:constr type="w" for="ch" forName="FiveNodes_1" refType="w" fact="0.77"/>
+          <dgm:constr type="h" for="ch" forName="FiveNodes_1" refType="h" fact="0.18"/>
+          <dgm:constr type="t" for="ch" forName="FiveNodes_1"/>
+          <dgm:constr type="r" for="ch" forName="FiveNodes_1" refType="w"/>
+          <dgm:constr type="w" for="ch" forName="FiveNodes_2" refType="w" fact="0.77"/>
+          <dgm:constr type="h" for="ch" forName="FiveNodes_2" refType="h" fact="0.18"/>
+          <dgm:constr type="ctrY" for="ch" forName="FiveNodes_2" refType="h" fact="0.295"/>
+          <dgm:constr type="ctrX" for="ch" forName="FiveNodes_2" refType="w" fact="0.5575"/>
+          <dgm:constr type="w" for="ch" forName="FiveNodes_3" refType="w" fact="0.77"/>
+          <dgm:constr type="h" for="ch" forName="FiveNodes_3" refType="h" fact="0.18"/>
+          <dgm:constr type="ctrY" for="ch" forName="FiveNodes_3" refType="h" fact="0.5"/>
+          <dgm:constr type="ctrX" for="ch" forName="FiveNodes_3" refType="w" fact="0.5"/>
+          <dgm:constr type="w" for="ch" forName="FiveNodes_4" refType="w" fact="0.77"/>
+          <dgm:constr type="h" for="ch" forName="FiveNodes_4" refType="h" fact="0.18"/>
+          <dgm:constr type="ctrY" for="ch" forName="FiveNodes_4" refType="h" fact="0.705"/>
+          <dgm:constr type="ctrX" for="ch" forName="FiveNodes_4" refType="w" fact="0.4425"/>
+          <dgm:constr type="w" for="ch" forName="FiveNodes_5" refType="w" fact="0.77"/>
+          <dgm:constr type="h" for="ch" forName="FiveNodes_5" refType="h" fact="0.18"/>
+          <dgm:constr type="b" for="ch" forName="FiveNodes_5" refType="h"/>
+          <dgm:constr type="l" for="ch" forName="FiveNodes_5"/>
+          <dgm:constr type="w" for="ch" forName="FiveConn_1-2" refType="h" refFor="ch" refForName="FiveNodes_1" fact="0.65"/>
+          <dgm:constr type="h" for="ch" forName="FiveConn_1-2" refType="h" refFor="ch" refForName="FiveNodes_1" fact="0.65"/>
+          <dgm:constr type="ctrY" for="ch" forName="FiveConn_1-2" refType="h" fact="0.19"/>
+          <dgm:constr type="l" for="ch" forName="FiveConn_1-2" refType="l" refFor="ch" refForName="FiveNodes_1"/>
+          <dgm:constr type="w" for="ch" forName="FiveConn_2-3" refType="h" refFor="ch" refForName="FiveNodes_2" fact="0.65"/>
+          <dgm:constr type="h" for="ch" forName="FiveConn_2-3" refType="h" refFor="ch" refForName="FiveNodes_2" fact="0.65"/>
+          <dgm:constr type="ctrY" for="ch" forName="FiveConn_2-3" refType="h" fact="0.395"/>
+          <dgm:constr type="l" for="ch" forName="FiveConn_2-3" refType="l" refFor="ch" refForName="FiveNodes_2"/>
+          <dgm:constr type="w" for="ch" forName="FiveConn_3-4" refType="h" refFor="ch" refForName="FiveNodes_3" fact="0.65"/>
+          <dgm:constr type="h" for="ch" forName="FiveConn_3-4" refType="h" refFor="ch" refForName="FiveNodes_3" fact="0.65"/>
+          <dgm:constr type="ctrY" for="ch" forName="FiveConn_3-4" refType="h" fact="0.597"/>
+          <dgm:constr type="l" for="ch" forName="FiveConn_3-4" refType="l" refFor="ch" refForName="FiveNodes_3"/>
+          <dgm:constr type="w" for="ch" forName="FiveConn_4-5" refType="h" refFor="ch" refForName="FiveNodes_4" fact="0.65"/>
+          <dgm:constr type="h" for="ch" forName="FiveConn_4-5" refType="h" refFor="ch" refForName="FiveNodes_4" fact="0.65"/>
+          <dgm:constr type="ctrY" for="ch" forName="FiveConn_4-5" refType="h" fact="0.804"/>
+          <dgm:constr type="l" for="ch" forName="FiveConn_4-5" refType="l" refFor="ch" refForName="FiveNodes_4"/>
+          <dgm:constr type="l" for="ch" forName="FiveNodes_1_text" refType="r" refFor="ch" refForName="FiveConn_1-2"/>
+          <dgm:constr type="lOff" for="ch" forName="FiveNodes_1_text" refType="w" refFor="ch" refForName="FiveConn_1-2" fact="0.73"/>
+          <dgm:constr type="t" for="ch" forName="FiveNodes_1_text" refType="t" refFor="ch" refForName="FiveNodes_1"/>
+          <dgm:constr type="b" for="ch" forName="FiveNodes_1_text" refType="b" refFor="ch" refForName="FiveNodes_1"/>
+          <dgm:constr type="r" for="ch" forName="FiveNodes_1_text" refType="r" refFor="ch" refForName="FiveNodes_1"/>
+          <dgm:constr type="l" for="ch" forName="FiveNodes_2_text" refType="r" refFor="ch" refForName="FiveConn_1-2"/>
+          <dgm:constr type="t" for="ch" forName="FiveNodes_2_text" refType="t" refFor="ch" refForName="FiveNodes_2"/>
+          <dgm:constr type="b" for="ch" forName="FiveNodes_2_text" refType="b" refFor="ch" refForName="FiveNodes_2"/>
+          <dgm:constr type="r" for="ch" forName="FiveNodes_2_text" refType="r" refFor="ch" refForName="FiveNodes_2"/>
+          <dgm:constr type="l" for="ch" forName="FiveNodes_3_text" refType="r" refFor="ch" refForName="FiveConn_2-3"/>
+          <dgm:constr type="t" for="ch" forName="FiveNodes_3_text" refType="t" refFor="ch" refForName="FiveNodes_3"/>
+          <dgm:constr type="b" for="ch" forName="FiveNodes_3_text" refType="b" refFor="ch" refForName="FiveNodes_3"/>
+          <dgm:constr type="r" for="ch" forName="FiveNodes_3_text" refType="r" refFor="ch" refForName="FiveNodes_3"/>
+          <dgm:constr type="l" for="ch" forName="FiveNodes_4_text" refType="r" refFor="ch" refForName="FiveConn_3-4"/>
+          <dgm:constr type="t" for="ch" forName="FiveNodes_4_text" refType="t" refFor="ch" refForName="FiveNodes_4"/>
+          <dgm:constr type="b" for="ch" forName="FiveNodes_4_text" refType="b" refFor="ch" refForName="FiveNodes_4"/>
+          <dgm:constr type="r" for="ch" forName="FiveNodes_4_text" refType="r" refFor="ch" refForName="FiveNodes_4"/>
+          <dgm:constr type="l" for="ch" forName="FiveNodes_5_text" refType="r" refFor="ch" refForName="FiveConn_4-5"/>
+          <dgm:constr type="t" for="ch" forName="FiveNodes_5_text" refType="t" refFor="ch" refForName="FiveNodes_5"/>
+          <dgm:constr type="b" for="ch" forName="FiveNodes_5_text" refType="b" refFor="ch" refForName="FiveNodes_5"/>
+          <dgm:constr type="r" for="ch" forName="FiveNodes_5_text" refType="r" refFor="ch" refForName="FiveNodes_5"/>
+        </dgm:constrLst>
+      </dgm:else>
+    </dgm:choose>
+    <dgm:ruleLst/>
+    <dgm:layoutNode name="dummyMaxCanvas">
+      <dgm:varLst/>
+      <dgm:alg type="sp"/>
+      <dgm:shape xmlns:r="http://schemas.openxmlformats.org/officeDocument/2006/relationships" r:blip="">
+        <dgm:adjLst/>
+      </dgm:shape>
+      <dgm:presOf/>
+      <dgm:constrLst/>
+      <dgm:ruleLst/>
+    </dgm:layoutNode>
+    <dgm:choose name="Name3">
+      <dgm:if name="Name4" axis="ch" ptType="node" func="cnt" op="equ" val="1">
+        <dgm:layoutNode name="OneNode_1">
+          <dgm:varLst>
+            <dgm:bulletEnabled val="1"/>
+          </dgm:varLst>
+          <dgm:alg type="tx"/>
+          <dgm:shape xmlns:r="http://schemas.openxmlformats.org/officeDocument/2006/relationships" type="roundRect" r:blip="">
+            <dgm:adjLst>
+              <dgm:adj idx="1" val="0.1"/>
+            </dgm:adjLst>
+          </dgm:shape>
+          <dgm:presOf axis="ch desOrSelf" ptType="node node" st="1 1" cnt="1 0"/>
+          <dgm:constrLst>
+            <dgm:constr type="lMarg" refType="primFontSz" fact="0.3"/>
+            <dgm:constr type="rMarg" refType="primFontSz" fact="0.3"/>
+            <dgm:constr type="tMarg" refType="primFontSz" fact="0.3"/>
+            <dgm:constr type="bMarg" refType="primFontSz" fact="0.3"/>
+          </dgm:constrLst>
+          <dgm:ruleLst>
+            <dgm:rule type="primFontSz" val="5" fact="NaN" max="NaN"/>
+          </dgm:ruleLst>
+        </dgm:layoutNode>
+      </dgm:if>
+      <dgm:else name="Name5">
+        <dgm:choose name="Name6">
+          <dgm:if name="Name7" axis="ch" ptType="node" func="cnt" op="equ" val="2">
+            <dgm:layoutNode name="TwoNodes_1">
+              <dgm:varLst>
+                <dgm:bulletEnabled val="1"/>
+              </dgm:varLst>
+              <dgm:alg type="sp"/>
+              <dgm:shape xmlns:r="http://schemas.openxmlformats.org/officeDocument/2006/relationships" type="roundRect" r:blip="">
+                <dgm:adjLst>
+                  <dgm:adj idx="1" val="0.1"/>
+                </dgm:adjLst>
+              </dgm:shape>
+              <dgm:presOf axis="ch desOrSelf" ptType="node node" st="1 1" cnt="1 0"/>
+              <dgm:constrLst/>
+              <dgm:ruleLst/>
+            </dgm:layoutNode>
+            <dgm:layoutNode name="TwoNodes_2">
+              <dgm:varLst>
+                <dgm:bulletEnabled val="1"/>
+              </dgm:varLst>
+              <dgm:alg type="sp"/>
+              <dgm:shape xmlns:r="http://schemas.openxmlformats.org/officeDocument/2006/relationships" type="roundRect" r:blip="">
+                <dgm:adjLst>
+                  <dgm:adj idx="1" val="0.1"/>
+                </dgm:adjLst>
+              </dgm:shape>
+              <dgm:presOf axis="ch desOrSelf" ptType="node node" st="2 1" cnt="1 0"/>
+              <dgm:constrLst/>
+              <dgm:ruleLst/>
+            </dgm:layoutNode>
+            <dgm:layoutNode name="TwoConn_1-2" styleLbl="fgAccFollowNode1">
+              <dgm:varLst>
+                <dgm:bulletEnabled val="1"/>
+              </dgm:varLst>
+              <dgm:alg type="tx"/>
+              <dgm:shape xmlns:r="http://schemas.openxmlformats.org/officeDocument/2006/relationships" type="downArrow" r:blip="">
+                <dgm:adjLst>
+                  <dgm:adj idx="1" val="0.55"/>
+                  <dgm:adj idx="2" val="0.45"/>
+                </dgm:adjLst>
+              </dgm:shape>
+              <dgm:presOf axis="ch" ptType="sibTrans" cnt="1"/>
+              <dgm:constrLst>
+                <dgm:constr type="lMarg" refType="primFontSz" fact="0.1"/>
+                <dgm:constr type="rMarg" refType="primFontSz" fact="0.1"/>
+                <dgm:constr type="tMarg" refType="primFontSz" fact="0.1"/>
+                <dgm:constr type="bMarg" refType="primFontSz" fact="0.1"/>
+              </dgm:constrLst>
+              <dgm:ruleLst>
+                <dgm:rule type="primFontSz" val="5" fact="NaN" max="NaN"/>
+              </dgm:ruleLst>
+            </dgm:layoutNode>
+            <dgm:layoutNode name="TwoNodes_1_text">
+              <dgm:varLst>
+                <dgm:bulletEnabled val="1"/>
+              </dgm:varLst>
+              <dgm:alg type="tx">
+                <dgm:param type="parTxLTRAlign" val="l"/>
+                <dgm:param type="txAnchorVertCh" val="mid"/>
+              </dgm:alg>
+              <dgm:shape xmlns:r="http://schemas.openxmlformats.org/officeDocument/2006/relationships" type="roundRect" r:blip="" hideGeom="1">
+                <dgm:adjLst>
+                  <dgm:adj idx="1" val="0.1"/>
+                </dgm:adjLst>
+              </dgm:shape>
+              <dgm:presOf axis="ch desOrSelf" ptType="node node" st="1 1" cnt="1 0"/>
+              <dgm:constrLst>
+                <dgm:constr type="lMarg" refType="primFontSz" fact="0.3"/>
+                <dgm:constr type="rMarg" refType="primFontSz" fact="0.3"/>
+                <dgm:constr type="tMarg" refType="primFontSz" fact="0.3"/>
+                <dgm:constr type="bMarg" refType="primFontSz" fact="0.3"/>
+              </dgm:constrLst>
+              <dgm:ruleLst>
+                <dgm:rule type="primFontSz" val="5" fact="NaN" max="NaN"/>
+              </dgm:ruleLst>
+            </dgm:layoutNode>
+            <dgm:layoutNode name="TwoNodes_2_text">
+              <dgm:varLst>
+                <dgm:bulletEnabled val="1"/>
+              </dgm:varLst>
+              <dgm:alg type="tx">
+                <dgm:param type="parTxLTRAlign" val="l"/>
+                <dgm:param type="txAnchorVertCh" val="mid"/>
+              </dgm:alg>
+              <dgm:shape xmlns:r="http://schemas.openxmlformats.org/officeDocument/2006/relationships" type="roundRect" r:blip="" hideGeom="1">
+                <dgm:adjLst>
+                  <dgm:adj idx="1" val="0.1"/>
+                </dgm:adjLst>
+              </dgm:shape>
+              <dgm:presOf axis="ch desOrSelf" ptType="node node" st="2 1" cnt="1 0"/>
+              <dgm:constrLst>
+                <dgm:constr type="lMarg" refType="primFontSz" fact="0.3"/>
+                <dgm:constr type="rMarg" refType="primFontSz" fact="0.3"/>
+                <dgm:constr type="tMarg" refType="primFontSz" fact="0.3"/>
+                <dgm:constr type="bMarg" refType="primFontSz" fact="0.3"/>
+              </dgm:constrLst>
+              <dgm:ruleLst>
+                <dgm:rule type="primFontSz" val="5" fact="NaN" max="NaN"/>
+              </dgm:ruleLst>
+            </dgm:layoutNode>
+          </dgm:if>
+          <dgm:else name="Name8">
+            <dgm:choose name="Name9">
+              <dgm:if name="Name10" axis="ch" ptType="node" func="cnt" op="equ" val="3">
+                <dgm:layoutNode name="ThreeNodes_1">
+                  <dgm:varLst>
+                    <dgm:bulletEnabled val="1"/>
+                  </dgm:varLst>
+                  <dgm:alg type="sp"/>
+                  <dgm:shape xmlns:r="http://schemas.openxmlformats.org/officeDocument/2006/relationships" type="roundRect" r:blip="">
+                    <dgm:adjLst>
+                      <dgm:adj idx="1" val="0.1"/>
+                    </dgm:adjLst>
+                  </dgm:shape>
+                  <dgm:presOf axis="ch desOrSelf" ptType="node node" st="1 1" cnt="1 0"/>
+                  <dgm:constrLst/>
+                  <dgm:ruleLst/>
+                </dgm:layoutNode>
+                <dgm:layoutNode name="ThreeNodes_2">
+                  <dgm:varLst>
+                    <dgm:bulletEnabled val="1"/>
+                  </dgm:varLst>
+                  <dgm:alg type="sp"/>
+                  <dgm:shape xmlns:r="http://schemas.openxmlformats.org/officeDocument/2006/relationships" type="roundRect" r:blip="">
+                    <dgm:adjLst>
+                      <dgm:adj idx="1" val="0.1"/>
+                    </dgm:adjLst>
+                  </dgm:shape>
+                  <dgm:presOf axis="ch desOrSelf" ptType="node node" st="2 1" cnt="1 0"/>
+                  <dgm:constrLst/>
+                  <dgm:ruleLst/>
+                </dgm:layoutNode>
+                <dgm:layoutNode name="ThreeNodes_3">
+                  <dgm:varLst>
+                    <dgm:bulletEnabled val="1"/>
+                  </dgm:varLst>
+                  <dgm:alg type="sp"/>
+                  <dgm:shape xmlns:r="http://schemas.openxmlformats.org/officeDocument/2006/relationships" type="roundRect" r:blip="">
+                    <dgm:adjLst>
+                      <dgm:adj idx="1" val="0.1"/>
+                    </dgm:adjLst>
+                  </dgm:shape>
+                  <dgm:presOf axis="ch desOrSelf" ptType="node node" st="3 1" cnt="1 0"/>
+                  <dgm:constrLst/>
+                  <dgm:ruleLst/>
+                </dgm:layoutNode>
+                <dgm:layoutNode name="ThreeConn_1-2" styleLbl="fgAccFollowNode1">
+                  <dgm:varLst>
+                    <dgm:bulletEnabled val="1"/>
+                  </dgm:varLst>
+                  <dgm:alg type="tx"/>
+                  <dgm:shape xmlns:r="http://schemas.openxmlformats.org/officeDocument/2006/relationships" type="downArrow" r:blip="">
+                    <dgm:adjLst>
+                      <dgm:adj idx="1" val="0.55"/>
+                      <dgm:adj idx="2" val="0.45"/>
+                    </dgm:adjLst>
+                  </dgm:shape>
+                  <dgm:presOf axis="ch" ptType="sibTrans" cnt="1"/>
+                  <dgm:constrLst>
+                    <dgm:constr type="lMarg" refType="primFontSz" fact="0.1"/>
+                    <dgm:constr type="rMarg" refType="primFontSz" fact="0.1"/>
+                    <dgm:constr type="tMarg" refType="primFontSz" fact="0.1"/>
+                    <dgm:constr type="bMarg" refType="primFontSz" fact="0.1"/>
+                  </dgm:constrLst>
+                  <dgm:ruleLst>
+                    <dgm:rule type="primFontSz" val="5" fact="NaN" max="NaN"/>
+                  </dgm:ruleLst>
+                </dgm:layoutNode>
+                <dgm:layoutNode name="ThreeConn_2-3" styleLbl="fgAccFollowNode1">
+                  <dgm:varLst>
+                    <dgm:bulletEnabled val="1"/>
+                  </dgm:varLst>
+                  <dgm:alg type="tx"/>
+                  <dgm:shape xmlns:r="http://schemas.openxmlformats.org/officeDocument/2006/relationships" type="downArrow" r:blip="">
+                    <dgm:adjLst>
+                      <dgm:adj idx="1" val="0.55"/>
+                      <dgm:adj idx="2" val="0.45"/>
+                    </dgm:adjLst>
+                  </dgm:shape>
+                  <dgm:presOf axis="ch" ptType="sibTrans" st="2" cnt="1"/>
+                  <dgm:constrLst>
+                    <dgm:constr type="lMarg" refType="primFontSz" fact="0.1"/>
+                    <dgm:constr type="rMarg" refType="primFontSz" fact="0.1"/>
+                    <dgm:constr type="tMarg" refType="primFontSz" fact="0.1"/>
+                    <dgm:constr type="bMarg" refType="primFontSz" fact="0.1"/>
+                  </dgm:constrLst>
+                  <dgm:ruleLst>
+                    <dgm:rule type="primFontSz" val="5" fact="NaN" max="NaN"/>
+                  </dgm:ruleLst>
+                </dgm:layoutNode>
+                <dgm:layoutNode name="ThreeNodes_1_text">
+                  <dgm:varLst>
+                    <dgm:bulletEnabled val="1"/>
+                  </dgm:varLst>
+                  <dgm:alg type="tx">
+                    <dgm:param type="parTxLTRAlign" val="l"/>
+                    <dgm:param type="txAnchorVertCh" val="mid"/>
+                  </dgm:alg>
+                  <dgm:shape xmlns:r="http://schemas.openxmlformats.org/officeDocument/2006/relationships" type="roundRect" r:blip="" hideGeom="1">
+                    <dgm:adjLst>
+                      <dgm:adj idx="1" val="0.1"/>
+                    </dgm:adjLst>
+                  </dgm:shape>
+                  <dgm:presOf axis="ch desOrSelf" ptType="node node" st="1 1" cnt="1 0"/>
+                  <dgm:constrLst>
+                    <dgm:constr type="lMarg" refType="primFontSz" fact="0.3"/>
+                    <dgm:constr type="rMarg" refType="primFontSz" fact="0.3"/>
+                    <dgm:constr type="tMarg" refType="primFontSz" fact="0.3"/>
+                    <dgm:constr type="bMarg" refType="primFontSz" fact="0.3"/>
+                  </dgm:constrLst>
+                  <dgm:ruleLst>
+                    <dgm:rule type="primFontSz" val="5" fact="NaN" max="NaN"/>
+                  </dgm:ruleLst>
+                </dgm:layoutNode>
+                <dgm:layoutNode name="ThreeNodes_2_text">
+                  <dgm:varLst>
+                    <dgm:bulletEnabled val="1"/>
+                  </dgm:varLst>
+                  <dgm:alg type="tx">
+                    <dgm:param type="parTxLTRAlign" val="l"/>
+                    <dgm:param type="txAnchorVertCh" val="mid"/>
+                  </dgm:alg>
+                  <dgm:shape xmlns:r="http://schemas.openxmlformats.org/officeDocument/2006/relationships" type="roundRect" r:blip="" hideGeom="1">
+                    <dgm:adjLst>
+                      <dgm:adj idx="1" val="0.1"/>
+                    </dgm:adjLst>
+                  </dgm:shape>
+                  <dgm:presOf axis="ch desOrSelf" ptType="node node" st="2 1" cnt="1 0"/>
+                  <dgm:constrLst>
+                    <dgm:constr type="lMarg" refType="primFontSz" fact="0.3"/>
+                    <dgm:constr type="rMarg" refType="primFontSz" fact="0.3"/>
+                    <dgm:constr type="tMarg" refType="primFontSz" fact="0.3"/>
+                    <dgm:constr type="bMarg" refType="primFontSz" fact="0.3"/>
+                  </dgm:constrLst>
+                  <dgm:ruleLst>
+                    <dgm:rule type="primFontSz" val="5" fact="NaN" max="NaN"/>
+                  </dgm:ruleLst>
+                </dgm:layoutNode>
+                <dgm:layoutNode name="ThreeNodes_3_text">
+                  <dgm:varLst>
+                    <dgm:bulletEnabled val="1"/>
+                  </dgm:varLst>
+                  <dgm:alg type="tx">
+                    <dgm:param type="parTxLTRAlign" val="l"/>
+                    <dgm:param type="txAnchorVertCh" val="mid"/>
+                  </dgm:alg>
+                  <dgm:shape xmlns:r="http://schemas.openxmlformats.org/officeDocument/2006/relationships" type="roundRect" r:blip="" hideGeom="1">
+                    <dgm:adjLst>
+                      <dgm:adj idx="1" val="0.1"/>
+                    </dgm:adjLst>
+                  </dgm:shape>
+                  <dgm:presOf axis="ch desOrSelf" ptType="node node" st="3 1" cnt="1 0"/>
+                  <dgm:constrLst>
+                    <dgm:constr type="lMarg" refType="primFontSz" fact="0.3"/>
+                    <dgm:constr type="rMarg" refType="primFontSz" fact="0.3"/>
+                    <dgm:constr type="tMarg" refType="primFontSz" fact="0.3"/>
+                    <dgm:constr type="bMarg" refType="primFontSz" fact="0.3"/>
+                  </dgm:constrLst>
+                  <dgm:ruleLst>
+                    <dgm:rule type="primFontSz" val="5" fact="NaN" max="NaN"/>
+                  </dgm:ruleLst>
+                </dgm:layoutNode>
+              </dgm:if>
+              <dgm:else name="Name11">
+                <dgm:choose name="Name12">
+                  <dgm:if name="Name13" axis="ch" ptType="node" func="cnt" op="equ" val="4">
+                    <dgm:layoutNode name="FourNodes_1">
+                      <dgm:varLst>
+                        <dgm:bulletEnabled val="1"/>
+                      </dgm:varLst>
+                      <dgm:alg type="sp"/>
+                      <dgm:shape xmlns:r="http://schemas.openxmlformats.org/officeDocument/2006/relationships" type="roundRect" r:blip="">
+                        <dgm:adjLst>
+                          <dgm:adj idx="1" val="0.1"/>
+                        </dgm:adjLst>
+                      </dgm:shape>
+                      <dgm:presOf axis="ch desOrSelf" ptType="node node" st="1 1" cnt="1 0"/>
+                      <dgm:constrLst/>
+                      <dgm:ruleLst/>
+                    </dgm:layoutNode>
+                    <dgm:layoutNode name="FourNodes_2">
+                      <dgm:varLst>
+                        <dgm:bulletEnabled val="1"/>
+                      </dgm:varLst>
+                      <dgm:alg type="sp"/>
+                      <dgm:shape xmlns:r="http://schemas.openxmlformats.org/officeDocument/2006/relationships" type="roundRect" r:blip="">
+                        <dgm:adjLst>
+                          <dgm:adj idx="1" val="0.1"/>
+                        </dgm:adjLst>
+                      </dgm:shape>
+                      <dgm:presOf axis="ch desOrSelf" ptType="node node" st="2 1" cnt="1 0"/>
+                      <dgm:constrLst/>
+                      <dgm:ruleLst/>
+                    </dgm:layoutNode>
+                    <dgm:layoutNode name="FourNodes_3">
+                      <dgm:varLst>
+                        <dgm:bulletEnabled val="1"/>
+                      </dgm:varLst>
+                      <dgm:alg type="sp"/>
+                      <dgm:shape xmlns:r="http://schemas.openxmlformats.org/officeDocument/2006/relationships" type="roundRect" r:blip="">
+                        <dgm:adjLst>
+                          <dgm:adj idx="1" val="0.1"/>
+                        </dgm:adjLst>
+                      </dgm:shape>
+                      <dgm:presOf axis="ch desOrSelf" ptType="node node" st="3 1" cnt="1 0"/>
+                      <dgm:constrLst/>
+                      <dgm:ruleLst/>
+                    </dgm:layoutNode>
+                    <dgm:layoutNode name="FourNodes_4">
+                      <dgm:varLst>
+                        <dgm:bulletEnabled val="1"/>
+                      </dgm:varLst>
+                      <dgm:alg type="sp"/>
+                      <dgm:shape xmlns:r="http://schemas.openxmlformats.org/officeDocument/2006/relationships" type="roundRect" r:blip="">
+                        <dgm:adjLst>
+                          <dgm:adj idx="1" val="0.1"/>
+                        </dgm:adjLst>
+                      </dgm:shape>
+                      <dgm:presOf axis="ch desOrSelf" ptType="node node" st="4 1" cnt="1 0"/>
+                      <dgm:constrLst/>
+                      <dgm:ruleLst/>
+                    </dgm:layoutNode>
+                    <dgm:layoutNode name="FourConn_1-2" styleLbl="fgAccFollowNode1">
+                      <dgm:varLst>
+                        <dgm:bulletEnabled val="1"/>
+                      </dgm:varLst>
+                      <dgm:alg type="tx"/>
+                      <dgm:shape xmlns:r="http://schemas.openxmlformats.org/officeDocument/2006/relationships" type="downArrow" r:blip="">
+                        <dgm:adjLst>
+                          <dgm:adj idx="1" val="0.55"/>
+                          <dgm:adj idx="2" val="0.45"/>
+                        </dgm:adjLst>
+                      </dgm:shape>
+                      <dgm:presOf axis="ch" ptType="sibTrans" cnt="1"/>
+                      <dgm:constrLst>
+                        <dgm:constr type="lMarg" refType="primFontSz" fact="0.1"/>
+                        <dgm:constr type="rMarg" refType="primFontSz" fact="0.1"/>
+                        <dgm:constr type="tMarg" refType="primFontSz" fact="0.1"/>
+                        <dgm:constr type="bMarg" refType="primFontSz" fact="0.1"/>
+                      </dgm:constrLst>
+                      <dgm:ruleLst>
+                        <dgm:rule type="primFontSz" val="5" fact="NaN" max="NaN"/>
+                      </dgm:ruleLst>
+                    </dgm:layoutNode>
+                    <dgm:layoutNode name="FourConn_2-3" styleLbl="fgAccFollowNode1">
+                      <dgm:varLst>
+                        <dgm:bulletEnabled val="1"/>
+                      </dgm:varLst>
+                      <dgm:alg type="tx"/>
+                      <dgm:shape xmlns:r="http://schemas.openxmlformats.org/officeDocument/2006/relationships" type="downArrow" r:blip="">
+                        <dgm:adjLst>
+                          <dgm:adj idx="1" val="0.55"/>
+                          <dgm:adj idx="2" val="0.45"/>
+                        </dgm:adjLst>
+                      </dgm:shape>
+                      <dgm:presOf axis="ch" ptType="sibTrans" st="2" cnt="1"/>
+                      <dgm:constrLst>
+                        <dgm:constr type="lMarg" refType="primFontSz" fact="0.1"/>
+                        <dgm:constr type="rMarg" refType="primFontSz" fact="0.1"/>
+                        <dgm:constr type="tMarg" refType="primFontSz" fact="0.1"/>
+                        <dgm:constr type="bMarg" refType="primFontSz" fact="0.1"/>
+                      </dgm:constrLst>
+                      <dgm:ruleLst>
+                        <dgm:rule type="primFontSz" val="5" fact="NaN" max="NaN"/>
+                      </dgm:ruleLst>
+                    </dgm:layoutNode>
+                    <dgm:layoutNode name="FourConn_3-4" styleLbl="fgAccFollowNode1">
+                      <dgm:varLst>
+                        <dgm:bulletEnabled val="1"/>
+                      </dgm:varLst>
+                      <dgm:alg type="tx"/>
+                      <dgm:shape xmlns:r="http://schemas.openxmlformats.org/officeDocument/2006/relationships" type="downArrow" r:blip="">
+                        <dgm:adjLst>
+                          <dgm:adj idx="1" val="0.55"/>
+                          <dgm:adj idx="2" val="0.45"/>
+                        </dgm:adjLst>
+                      </dgm:shape>
+                      <dgm:presOf axis="ch" ptType="sibTrans" st="3" cnt="1"/>
+                      <dgm:constrLst>
+                        <dgm:constr type="lMarg" refType="primFontSz" fact="0.1"/>
+                        <dgm:constr type="rMarg" refType="primFontSz" fact="0.1"/>
+                        <dgm:constr type="tMarg" refType="primFontSz" fact="0.1"/>
+                        <dgm:constr type="bMarg" refType="primFontSz" fact="0.1"/>
+                      </dgm:constrLst>
+                      <dgm:ruleLst>
+                        <dgm:rule type="primFontSz" val="5" fact="NaN" max="NaN"/>
+                      </dgm:ruleLst>
+                    </dgm:layoutNode>
+                    <dgm:layoutNode name="FourNodes_1_text">
+                      <dgm:varLst>
+                        <dgm:bulletEnabled val="1"/>
+                      </dgm:varLst>
+                      <dgm:alg type="tx">
+                        <dgm:param type="parTxLTRAlign" val="l"/>
+                        <dgm:param type="txAnchorVertCh" val="mid"/>
+                      </dgm:alg>
+                      <dgm:shape xmlns:r="http://schemas.openxmlformats.org/officeDocument/2006/relationships" type="roundRect" r:blip="" hideGeom="1">
+                        <dgm:adjLst>
+                          <dgm:adj idx="1" val="0.1"/>
+                        </dgm:adjLst>
+                      </dgm:shape>
+                      <dgm:presOf axis="ch desOrSelf" ptType="node node" st="1 1" cnt="1 0"/>
+                      <dgm:constrLst>
+                        <dgm:constr type="lMarg" refType="primFontSz" fact="0.3"/>
+                        <dgm:constr type="rMarg" refType="primFontSz" fact="0.3"/>
+                        <dgm:constr type="tMarg" refType="primFontSz" fact="0.3"/>
+                        <dgm:constr type="bMarg" refType="primFontSz" fact="0.3"/>
+                      </dgm:constrLst>
+                      <dgm:ruleLst>
+                        <dgm:rule type="primFontSz" val="5" fact="NaN" max="NaN"/>
+                      </dgm:ruleLst>
+                    </dgm:layoutNode>
+                    <dgm:layoutNode name="FourNodes_2_text">
+                      <dgm:varLst>
+                        <dgm:bulletEnabled val="1"/>
+                      </dgm:varLst>
+                      <dgm:alg type="tx">
+                        <dgm:param type="parTxLTRAlign" val="l"/>
+                        <dgm:param type="txAnchorVertCh" val="mid"/>
+                      </dgm:alg>
+                      <dgm:shape xmlns:r="http://schemas.openxmlformats.org/officeDocument/2006/relationships" type="roundRect" r:blip="" hideGeom="1">
+                        <dgm:adjLst>
+                          <dgm:adj idx="1" val="0.1"/>
+                        </dgm:adjLst>
+                      </dgm:shape>
+                      <dgm:presOf axis="ch desOrSelf" ptType="node node" st="2 1" cnt="1 0"/>
+                      <dgm:constrLst>
+                        <dgm:constr type="lMarg" refType="primFontSz" fact="0.3"/>
+                        <dgm:constr type="rMarg" refType="primFontSz" fact="0.3"/>
+                        <dgm:constr type="tMarg" refType="primFontSz" fact="0.3"/>
+                        <dgm:constr type="bMarg" refType="primFontSz" fact="0.3"/>
+                      </dgm:constrLst>
+                      <dgm:ruleLst>
+                        <dgm:rule type="primFontSz" val="5" fact="NaN" max="NaN"/>
+                      </dgm:ruleLst>
+                    </dgm:layoutNode>
+                    <dgm:layoutNode name="FourNodes_3_text">
+                      <dgm:varLst>
+                        <dgm:bulletEnabled val="1"/>
+                      </dgm:varLst>
+                      <dgm:alg type="tx">
+                        <dgm:param type="parTxLTRAlign" val="l"/>
+                        <dgm:param type="txAnchorVertCh" val="mid"/>
+                      </dgm:alg>
+                      <dgm:shape xmlns:r="http://schemas.openxmlformats.org/officeDocument/2006/relationships" type="roundRect" r:blip="" hideGeom="1">
+                        <dgm:adjLst>
+                          <dgm:adj idx="1" val="0.1"/>
+                        </dgm:adjLst>
+                      </dgm:shape>
+                      <dgm:presOf axis="ch desOrSelf" ptType="node node" st="3 1" cnt="1 0"/>
+                      <dgm:constrLst>
+                        <dgm:constr type="lMarg" refType="primFontSz" fact="0.3"/>
+                        <dgm:constr type="rMarg" refType="primFontSz" fact="0.3"/>
+                        <dgm:constr type="tMarg" refType="primFontSz" fact="0.3"/>
+                        <dgm:constr type="bMarg" refType="primFontSz" fact="0.3"/>
+                      </dgm:constrLst>
+                      <dgm:ruleLst>
+                        <dgm:rule type="primFontSz" val="5" fact="NaN" max="NaN"/>
+                      </dgm:ruleLst>
+                    </dgm:layoutNode>
+                    <dgm:layoutNode name="FourNodes_4_text">
+                      <dgm:varLst>
+                        <dgm:bulletEnabled val="1"/>
+                      </dgm:varLst>
+                      <dgm:alg type="tx">
+                        <dgm:param type="parTxLTRAlign" val="l"/>
+                        <dgm:param type="txAnchorVertCh" val="mid"/>
+                      </dgm:alg>
+                      <dgm:shape xmlns:r="http://schemas.openxmlformats.org/officeDocument/2006/relationships" type="roundRect" r:blip="" hideGeom="1">
+                        <dgm:adjLst>
+                          <dgm:adj idx="1" val="0.1"/>
+                        </dgm:adjLst>
+                      </dgm:shape>
+                      <dgm:presOf axis="ch desOrSelf" ptType="node node" st="4 1" cnt="1 0"/>
+                      <dgm:constrLst>
+                        <dgm:constr type="lMarg" refType="primFontSz" fact="0.3"/>
+                        <dgm:constr type="rMarg" refType="primFontSz" fact="0.3"/>
+                        <dgm:constr type="tMarg" refType="primFontSz" fact="0.3"/>
+                        <dgm:constr type="bMarg" refType="primFontSz" fact="0.3"/>
+                      </dgm:constrLst>
+                      <dgm:ruleLst>
+                        <dgm:rule type="primFontSz" val="5" fact="NaN" max="NaN"/>
+                      </dgm:ruleLst>
+                    </dgm:layoutNode>
+                  </dgm:if>
+                  <dgm:else name="Name14">
+                    <dgm:choose name="Name15">
+                      <dgm:if name="Name16" axis="ch" ptType="node" func="cnt" op="gte" val="5">
+                        <dgm:layoutNode name="FiveNodes_1">
+                          <dgm:varLst>
+                            <dgm:bulletEnabled val="1"/>
+                          </dgm:varLst>
+                          <dgm:alg type="sp"/>
+                          <dgm:shape xmlns:r="http://schemas.openxmlformats.org/officeDocument/2006/relationships" type="roundRect" r:blip="">
+                            <dgm:adjLst>
+                              <dgm:adj idx="1" val="0.1"/>
+                            </dgm:adjLst>
+                          </dgm:shape>
+                          <dgm:presOf axis="ch desOrSelf" ptType="node node" st="1 1" cnt="1 0"/>
+                          <dgm:constrLst/>
+                          <dgm:ruleLst/>
+                        </dgm:layoutNode>
+                        <dgm:layoutNode name="FiveNodes_2">
+                          <dgm:varLst>
+                            <dgm:bulletEnabled val="1"/>
+                          </dgm:varLst>
+                          <dgm:alg type="sp"/>
+                          <dgm:shape xmlns:r="http://schemas.openxmlformats.org/officeDocument/2006/relationships" type="roundRect" r:blip="">
+                            <dgm:adjLst>
+                              <dgm:adj idx="1" val="0.1"/>
+                            </dgm:adjLst>
+                          </dgm:shape>
+                          <dgm:presOf axis="ch desOrSelf" ptType="node node" st="2 1" cnt="1 0"/>
+                          <dgm:constrLst/>
+                          <dgm:ruleLst/>
+                        </dgm:layoutNode>
+                        <dgm:layoutNode name="FiveNodes_3">
+                          <dgm:varLst>
+                            <dgm:bulletEnabled val="1"/>
+                          </dgm:varLst>
+                          <dgm:alg type="sp"/>
+                          <dgm:shape xmlns:r="http://schemas.openxmlformats.org/officeDocument/2006/relationships" type="roundRect" r:blip="">
+                            <dgm:adjLst>
+                              <dgm:adj idx="1" val="0.1"/>
+                            </dgm:adjLst>
+                          </dgm:shape>
+                          <dgm:presOf axis="ch desOrSelf" ptType="node node" st="3 1" cnt="1 0"/>
+                          <dgm:constrLst/>
+                          <dgm:ruleLst/>
+                        </dgm:layoutNode>
+                        <dgm:layoutNode name="FiveNodes_4">
+                          <dgm:varLst>
+                            <dgm:bulletEnabled val="1"/>
+                          </dgm:varLst>
+                          <dgm:alg type="sp"/>
+                          <dgm:shape xmlns:r="http://schemas.openxmlformats.org/officeDocument/2006/relationships" type="roundRect" r:blip="">
+                            <dgm:adjLst>
+                              <dgm:adj idx="1" val="0.1"/>
+                            </dgm:adjLst>
+                          </dgm:shape>
+                          <dgm:presOf axis="ch desOrSelf" ptType="node node" st="4 1" cnt="1 0"/>
+                          <dgm:constrLst/>
+                          <dgm:ruleLst/>
+                        </dgm:layoutNode>
+                        <dgm:layoutNode name="FiveNodes_5">
+                          <dgm:varLst>
+                            <dgm:bulletEnabled val="1"/>
+                          </dgm:varLst>
+                          <dgm:alg type="sp"/>
+                          <dgm:shape xmlns:r="http://schemas.openxmlformats.org/officeDocument/2006/relationships" type="roundRect" r:blip="">
+                            <dgm:adjLst>
+                              <dgm:adj idx="1" val="0.1"/>
+                            </dgm:adjLst>
+                          </dgm:shape>
+                          <dgm:presOf axis="ch desOrSelf" ptType="node node" st="5 1" cnt="1 0"/>
+                          <dgm:constrLst/>
+                          <dgm:ruleLst/>
+                        </dgm:layoutNode>
+                        <dgm:layoutNode name="FiveConn_1-2" styleLbl="fgAccFollowNode1">
+                          <dgm:varLst>
+                            <dgm:bulletEnabled val="1"/>
+                          </dgm:varLst>
+                          <dgm:alg type="tx"/>
+                          <dgm:shape xmlns:r="http://schemas.openxmlformats.org/officeDocument/2006/relationships" type="downArrow" r:blip="">
+                            <dgm:adjLst>
+                              <dgm:adj idx="1" val="0.55"/>
+                              <dgm:adj idx="2" val="0.45"/>
+                            </dgm:adjLst>
+                          </dgm:shape>
+                          <dgm:presOf axis="ch" ptType="sibTrans" cnt="1"/>
+                          <dgm:constrLst>
+                            <dgm:constr type="lMarg" refType="primFontSz" fact="0.1"/>
+                            <dgm:constr type="rMarg" refType="primFontSz" fact="0.1"/>
+                            <dgm:constr type="tMarg" refType="primFontSz" fact="0.1"/>
+                            <dgm:constr type="bMarg" refType="primFontSz" fact="0.1"/>
+                          </dgm:constrLst>
+                          <dgm:ruleLst>
+                            <dgm:rule type="primFontSz" val="5" fact="NaN" max="NaN"/>
+                          </dgm:ruleLst>
+                        </dgm:layoutNode>
+                        <dgm:layoutNode name="FiveConn_2-3" styleLbl="fgAccFollowNode1">
+                          <dgm:varLst>
+                            <dgm:bulletEnabled val="1"/>
+                          </dgm:varLst>
+                          <dgm:alg type="tx"/>
+                          <dgm:shape xmlns:r="http://schemas.openxmlformats.org/officeDocument/2006/relationships" type="downArrow" r:blip="">
+                            <dgm:adjLst>
+                              <dgm:adj idx="1" val="0.55"/>
+                              <dgm:adj idx="2" val="0.45"/>
+                            </dgm:adjLst>
+                          </dgm:shape>
+                          <dgm:presOf axis="ch" ptType="sibTrans" st="2" cnt="1"/>
+                          <dgm:constrLst>
+                            <dgm:constr type="lMarg" refType="primFontSz" fact="0.1"/>
+                            <dgm:constr type="rMarg" refType="primFontSz" fact="0.1"/>
+                            <dgm:constr type="tMarg" refType="primFontSz" fact="0.1"/>
+                            <dgm:constr type="bMarg" refType="primFontSz" fact="0.1"/>
+                          </dgm:constrLst>
+                          <dgm:ruleLst>
+                            <dgm:rule type="primFontSz" val="5" fact="NaN" max="NaN"/>
+                          </dgm:ruleLst>
+                        </dgm:layoutNode>
+                        <dgm:layoutNode name="FiveConn_3-4" styleLbl="fgAccFollowNode1">
+                          <dgm:varLst>
+                            <dgm:bulletEnabled val="1"/>
+                          </dgm:varLst>
+                          <dgm:alg type="tx"/>
+                          <dgm:shape xmlns:r="http://schemas.openxmlformats.org/officeDocument/2006/relationships" type="downArrow" r:blip="">
+                            <dgm:adjLst>
+                              <dgm:adj idx="1" val="0.55"/>
+                              <dgm:adj idx="2" val="0.45"/>
+                            </dgm:adjLst>
+                          </dgm:shape>
+                          <dgm:presOf axis="ch" ptType="sibTrans" st="3" cnt="1"/>
+                          <dgm:constrLst>
+                            <dgm:constr type="lMarg" refType="primFontSz" fact="0.1"/>
+                            <dgm:constr type="rMarg" refType="primFontSz" fact="0.1"/>
+                            <dgm:constr type="tMarg" refType="primFontSz" fact="0.1"/>
+                            <dgm:constr type="bMarg" refType="primFontSz" fact="0.1"/>
+                          </dgm:constrLst>
+                          <dgm:ruleLst>
+                            <dgm:rule type="primFontSz" val="5" fact="NaN" max="NaN"/>
+                          </dgm:ruleLst>
+                        </dgm:layoutNode>
+                        <dgm:layoutNode name="FiveConn_4-5" styleLbl="fgAccFollowNode1">
+                          <dgm:varLst>
+                            <dgm:bulletEnabled val="1"/>
+                          </dgm:varLst>
+                          <dgm:alg type="tx"/>
+                          <dgm:shape xmlns:r="http://schemas.openxmlformats.org/officeDocument/2006/relationships" type="downArrow" r:blip="">
+                            <dgm:adjLst>
+                              <dgm:adj idx="1" val="0.55"/>
+                              <dgm:adj idx="2" val="0.45"/>
+                            </dgm:adjLst>
+                          </dgm:shape>
+                          <dgm:presOf axis="ch" ptType="sibTrans" st="4" cnt="1"/>
+                          <dgm:constrLst>
+                            <dgm:constr type="lMarg" refType="primFontSz" fact="0.1"/>
+                            <dgm:constr type="rMarg" refType="primFontSz" fact="0.1"/>
+                            <dgm:constr type="tMarg" refType="primFontSz" fact="0.1"/>
+                            <dgm:constr type="bMarg" refType="primFontSz" fact="0.1"/>
+                          </dgm:constrLst>
+                          <dgm:ruleLst>
+                            <dgm:rule type="primFontSz" val="5" fact="NaN" max="NaN"/>
+                          </dgm:ruleLst>
+                        </dgm:layoutNode>
+                        <dgm:layoutNode name="FiveNodes_1_text">
+                          <dgm:varLst>
+                            <dgm:bulletEnabled val="1"/>
+                          </dgm:varLst>
+                          <dgm:alg type="tx">
+                            <dgm:param type="parTxLTRAlign" val="l"/>
+                            <dgm:param type="txAnchorVertCh" val="mid"/>
+                          </dgm:alg>
+                          <dgm:shape xmlns:r="http://schemas.openxmlformats.org/officeDocument/2006/relationships" type="roundRect" r:blip="" hideGeom="1">
+                            <dgm:adjLst>
+                              <dgm:adj idx="1" val="0.1"/>
+                            </dgm:adjLst>
+                          </dgm:shape>
+                          <dgm:presOf axis="ch desOrSelf" ptType="node node" st="1 1" cnt="1 0"/>
+                          <dgm:constrLst>
+                            <dgm:constr type="lMarg" refType="primFontSz" fact="0.3"/>
+                            <dgm:constr type="rMarg" refType="primFontSz" fact="0.3"/>
+                            <dgm:constr type="tMarg" refType="primFontSz" fact="0.3"/>
+                            <dgm:constr type="bMarg" refType="primFontSz" fact="0.3"/>
+                          </dgm:constrLst>
+                          <dgm:ruleLst>
+                            <dgm:rule type="primFontSz" val="5" fact="NaN" max="NaN"/>
+                          </dgm:ruleLst>
+                        </dgm:layoutNode>
+                        <dgm:layoutNode name="FiveNodes_2_text">
+                          <dgm:varLst>
+                            <dgm:bulletEnabled val="1"/>
+                          </dgm:varLst>
+                          <dgm:alg type="tx">
+                            <dgm:param type="parTxLTRAlign" val="l"/>
+                            <dgm:param type="txAnchorVertCh" val="mid"/>
+                          </dgm:alg>
+                          <dgm:shape xmlns:r="http://schemas.openxmlformats.org/officeDocument/2006/relationships" type="roundRect" r:blip="" hideGeom="1">
+                            <dgm:adjLst>
+                              <dgm:adj idx="1" val="0.1"/>
+                            </dgm:adjLst>
+                          </dgm:shape>
+                          <dgm:presOf axis="ch desOrSelf" ptType="node node" st="2 1" cnt="1 0"/>
+                          <dgm:constrLst>
+                            <dgm:constr type="lMarg" refType="primFontSz" fact="0.3"/>
+                            <dgm:constr type="rMarg" refType="primFontSz" fact="0.3"/>
+                            <dgm:constr type="tMarg" refType="primFontSz" fact="0.3"/>
+                            <dgm:constr type="bMarg" refType="primFontSz" fact="0.3"/>
+                          </dgm:constrLst>
+                          <dgm:ruleLst>
+                            <dgm:rule type="primFontSz" val="5" fact="NaN" max="NaN"/>
+                          </dgm:ruleLst>
+                        </dgm:layoutNode>
+                        <dgm:layoutNode name="FiveNodes_3_text">
+                          <dgm:varLst>
+                            <dgm:bulletEnabled val="1"/>
+                          </dgm:varLst>
+                          <dgm:alg type="tx">
+                            <dgm:param type="parTxLTRAlign" val="l"/>
+                            <dgm:param type="txAnchorVertCh" val="mid"/>
+                          </dgm:alg>
+                          <dgm:shape xmlns:r="http://schemas.openxmlformats.org/officeDocument/2006/relationships" type="roundRect" r:blip="" hideGeom="1">
+                            <dgm:adjLst>
+                              <dgm:adj idx="1" val="0.1"/>
+                            </dgm:adjLst>
+                          </dgm:shape>
+                          <dgm:presOf axis="ch desOrSelf" ptType="node node" st="3 1" cnt="1 0"/>
+                          <dgm:constrLst>
+                            <dgm:constr type="lMarg" refType="primFontSz" fact="0.3"/>
+                            <dgm:constr type="rMarg" refType="primFontSz" fact="0.3"/>
+                            <dgm:constr type="tMarg" refType="primFontSz" fact="0.3"/>
+                            <dgm:constr type="bMarg" refType="primFontSz" fact="0.3"/>
+                          </dgm:constrLst>
+                          <dgm:ruleLst>
+                            <dgm:rule type="primFontSz" val="5" fact="NaN" max="NaN"/>
+                          </dgm:ruleLst>
+                        </dgm:layoutNode>
+                        <dgm:layoutNode name="FiveNodes_4_text">
+                          <dgm:varLst>
+                            <dgm:bulletEnabled val="1"/>
+                          </dgm:varLst>
+                          <dgm:alg type="tx">
+                            <dgm:param type="parTxLTRAlign" val="l"/>
+                            <dgm:param type="txAnchorVertCh" val="mid"/>
+                          </dgm:alg>
+                          <dgm:shape xmlns:r="http://schemas.openxmlformats.org/officeDocument/2006/relationships" type="roundRect" r:blip="" hideGeom="1">
+                            <dgm:adjLst>
+                              <dgm:adj idx="1" val="0.1"/>
+                            </dgm:adjLst>
+                          </dgm:shape>
+                          <dgm:presOf axis="ch desOrSelf" ptType="node node" st="4 1" cnt="1 0"/>
+                          <dgm:constrLst>
+                            <dgm:constr type="lMarg" refType="primFontSz" fact="0.3"/>
+                            <dgm:constr type="rMarg" refType="primFontSz" fact="0.3"/>
+                            <dgm:constr type="tMarg" refType="primFontSz" fact="0.3"/>
+                            <dgm:constr type="bMarg" refType="primFontSz" fact="0.3"/>
+                          </dgm:constrLst>
+                          <dgm:ruleLst>
+                            <dgm:rule type="primFontSz" val="5" fact="NaN" max="NaN"/>
+                          </dgm:ruleLst>
+                        </dgm:layoutNode>
+                        <dgm:layoutNode name="FiveNodes_5_text">
+                          <dgm:varLst>
+                            <dgm:bulletEnabled val="1"/>
+                          </dgm:varLst>
+                          <dgm:alg type="tx">
+                            <dgm:param type="parTxLTRAlign" val="l"/>
+                            <dgm:param type="txAnchorVertCh" val="mid"/>
+                          </dgm:alg>
+                          <dgm:shape xmlns:r="http://schemas.openxmlformats.org/officeDocument/2006/relationships" type="roundRect" r:blip="" hideGeom="1">
+                            <dgm:adjLst>
+                              <dgm:adj idx="1" val="0.1"/>
+                            </dgm:adjLst>
+                          </dgm:shape>
+                          <dgm:presOf axis="ch desOrSelf" ptType="node node" st="5 1" cnt="1 0"/>
+                          <dgm:constrLst>
+                            <dgm:constr type="lMarg" refType="primFontSz" fact="0.3"/>
+                            <dgm:constr type="rMarg" refType="primFontSz" fact="0.3"/>
+                            <dgm:constr type="tMarg" refType="primFontSz" fact="0.3"/>
+                            <dgm:constr type="bMarg" refType="primFontSz" fact="0.3"/>
+                          </dgm:constrLst>
+                          <dgm:ruleLst>
+                            <dgm:rule type="primFontSz" val="5" fact="NaN" max="NaN"/>
+                          </dgm:ruleLst>
+                        </dgm:layoutNode>
+                      </dgm:if>
+                      <dgm:else name="Name17"/>
+                    </dgm:choose>
+                  </dgm:else>
+                </dgm:choose>
+              </dgm:else>
+            </dgm:choose>
+          </dgm:else>
+        </dgm:choose>
+      </dgm:else>
+    </dgm:choose>
+  </dgm:layoutNode>
+</dgm:layoutDef>
+</file>
+
+<file path=ppt/diagrams/quickStyle1.xml><?xml version="1.0" encoding="utf-8"?>
+<dgm:styleDef xmlns:dgm="http://schemas.openxmlformats.org/drawingml/2006/diagram" xmlns:a="http://schemas.openxmlformats.org/drawingml/2006/main" uniqueId="urn:microsoft.com/office/officeart/2005/8/quickstyle/simple1#1">
+  <dgm:title val=""/>
+  <dgm:desc val=""/>
+  <dgm:catLst>
+    <dgm:cat type="simple" pri="10100"/>
+  </dgm:catLst>
+  <dgm:scene3d>
+    <a:camera prst="orthographicFront"/>
+    <a:lightRig rig="threePt" dir="t"/>
+  </dgm:scene3d>
+  <dgm:styleLbl name="alignAcc1">
+    <dgm:scene3d>
+      <a:camera prst="orthographicFront"/>
+      <a:lightRig rig="threePt" dir="t"/>
+    </dgm:scene3d>
+    <dgm:sp3d/>
+    <dgm:txPr/>
+    <dgm:style>
+      <a:lnRef idx="2">
+        <a:scrgbClr r="0" g="0" b="0"/>
+      </a:lnRef>
+      <a:fillRef idx="1">
+        <a:scrgbClr r="0" g="0" b="0"/>
+      </a:fillRef>
+      <a:effectRef idx="0">
+        <a:scrgbClr r="0" g="0" b="0"/>
+      </a:effectRef>
+      <a:fontRef idx="minor"/>
+    </dgm:style>
+  </dgm:styleLbl>
+  <dgm:styleLbl name="alignAccFollowNode1">
+    <dgm:scene3d>
+      <a:camera prst="orthographicFront"/>
+      <a:lightRig rig="threePt" dir="t"/>
+    </dgm:scene3d>
+    <dgm:sp3d/>
+    <dgm:txPr/>
+    <dgm:style>
+      <a:lnRef idx="2">
+        <a:scrgbClr r="0" g="0" b="0"/>
+      </a:lnRef>
+      <a:fillRef idx="1">
+        <a:scrgbClr r="0" g="0" b="0"/>
+      </a:fillRef>
+      <a:effectRef idx="0">
+        <a:scrgbClr r="0" g="0" b="0"/>
+      </a:effectRef>
+      <a:fontRef idx="minor"/>
+    </dgm:style>
+  </dgm:styleLbl>
+  <dgm:styleLbl name="alignImgPlace1">
+    <dgm:scene3d>
+      <a:camera prst="orthographicFront"/>
+      <a:lightRig rig="threePt" dir="t"/>
+    </dgm:scene3d>
+    <dgm:sp3d/>
+    <dgm:txPr/>
+    <dgm:style>
+      <a:lnRef idx="2">
+        <a:scrgbClr r="0" g="0" b="0"/>
+      </a:lnRef>
+      <a:fillRef idx="1">
+        <a:scrgbClr r="0" g="0" b="0"/>
+      </a:fillRef>
+      <a:effectRef idx="0">
+        <a:scrgbClr r="0" g="0" b="0"/>
+      </a:effectRef>
+      <a:fontRef idx="minor"/>
+    </dgm:style>
+  </dgm:styleLbl>
+  <dgm:styleLbl name="alignNode1">
+    <dgm:scene3d>
+      <a:camera prst="orthographicFront"/>
+      <a:lightRig rig="threePt" dir="t"/>
+    </dgm:scene3d>
+    <dgm:sp3d/>
+    <dgm:txPr/>
+    <dgm:style>
+      <a:lnRef idx="2">
+        <a:scrgbClr r="0" g="0" b="0"/>
+      </a:lnRef>
+      <a:fillRef idx="1">
+        <a:scrgbClr r="0" g="0" b="0"/>
+      </a:fillRef>
+      <a:effectRef idx="0">
+        <a:scrgbClr r="0" g="0" b="0"/>
+      </a:effectRef>
+      <a:fontRef idx="minor">
+        <a:schemeClr val="lt1"/>
+      </a:fontRef>
+    </dgm:style>
+  </dgm:styleLbl>
+  <dgm:styleLbl name="asst0">
+    <dgm:scene3d>
+      <a:camera prst="orthographicFront"/>
+      <a:lightRig rig="threePt" dir="t"/>
+    </dgm:scene3d>
+    <dgm:sp3d/>
+    <dgm:txPr/>
+    <dgm:style>
+      <a:lnRef idx="2">
+        <a:scrgbClr r="0" g="0" b="0"/>
+      </a:lnRef>
+      <a:fillRef idx="1">
+        <a:scrgbClr r="0" g="0" b="0"/>
+      </a:fillRef>
+      <a:effectRef idx="0">
+        <a:scrgbClr r="0" g="0" b="0"/>
+      </a:effectRef>
+      <a:fontRef idx="minor">
+        <a:schemeClr val="lt1"/>
+      </a:fontRef>
+    </dgm:style>
+  </dgm:styleLbl>
+  <dgm:styleLbl name="asst1">
+    <dgm:scene3d>
+      <a:camera prst="orthographicFront"/>
+      <a:lightRig rig="threePt" dir="t"/>
+    </dgm:scene3d>
+    <dgm:sp3d/>
+    <dgm:txPr/>
+    <dgm:style>
+      <a:lnRef idx="2">
+        <a:scrgbClr r="0" g="0" b="0"/>
+      </a:lnRef>
+      <a:fillRef idx="1">
+        <a:scrgbClr r="0" g="0" b="0"/>
+      </a:fillRef>
+      <a:effectRef idx="0">
+        <a:scrgbClr r="0" g="0" b="0"/>
+      </a:effectRef>
+      <a:fontRef idx="minor">
+        <a:schemeClr val="lt1"/>
+      </a:fontRef>
+    </dgm:style>
+  </dgm:styleLbl>
+  <dgm:styleLbl name="asst2">
+    <dgm:scene3d>
+      <a:camera prst="orthographicFront"/>
+      <a:lightRig rig="threePt" dir="t"/>
+    </dgm:scene3d>
+    <dgm:sp3d/>
+    <dgm:txPr/>
+    <dgm:style>
+      <a:lnRef idx="2">
+        <a:scrgbClr r="0" g="0" b="0"/>
+      </a:lnRef>
+      <a:fillRef idx="1">
+        <a:scrgbClr r="0" g="0" b="0"/>
+      </a:fillRef>
+      <a:effectRef idx="0">
+        <a:scrgbClr r="0" g="0" b="0"/>
+      </a:effectRef>
+      <a:fontRef idx="minor">
+        <a:schemeClr val="lt1"/>
+      </a:fontRef>
+    </dgm:style>
+  </dgm:styleLbl>
+  <dgm:styleLbl name="asst3">
+    <dgm:scene3d>
+      <a:camera prst="orthographicFront"/>
+      <a:lightRig rig="threePt" dir="t"/>
+    </dgm:scene3d>
+    <dgm:sp3d/>
+    <dgm:txPr/>
+    <dgm:style>
+      <a:lnRef idx="2">
+        <a:scrgbClr r="0" g="0" b="0"/>
+      </a:lnRef>
+      <a:fillRef idx="1">
+        <a:scrgbClr r="0" g="0" b="0"/>
+      </a:fillRef>
+      <a:effectRef idx="0">
+        <a:scrgbClr r="0" g="0" b="0"/>
+      </a:effectRef>
+      <a:fontRef idx="minor">
+        <a:schemeClr val="lt1"/>
+      </a:fontRef>
+    </dgm:style>
+  </dgm:styleLbl>
+  <dgm:styleLbl name="asst4">
+    <dgm:scene3d>
+      <a:camera prst="orthographicFront"/>
+      <a:lightRig rig="threePt" dir="t"/>
+    </dgm:scene3d>
+    <dgm:sp3d/>
+    <dgm:txPr/>
+    <dgm:style>
+      <a:lnRef idx="2">
+        <a:scrgbClr r="0" g="0" b="0"/>
+      </a:lnRef>
+      <a:fillRef idx="1">
+        <a:scrgbClr r="0" g="0" b="0"/>
+      </a:fillRef>
+      <a:effectRef idx="0">
+        <a:scrgbClr r="0" g="0" b="0"/>
+      </a:effectRef>
+      <a:fontRef idx="minor">
+        <a:schemeClr val="lt1"/>
+      </a:fontRef>
+    </dgm:style>
+  </dgm:styleLbl>
+  <dgm:styleLbl name="bgAcc1">
+    <dgm:scene3d>
+      <a:camera prst="orthographicFront"/>
+      <a:lightRig rig="threePt" dir="t"/>
+    </dgm:scene3d>
+    <dgm:sp3d/>
+    <dgm:txPr/>
+    <dgm:style>
+      <a:lnRef idx="2">
+        <a:scrgbClr r="0" g="0" b="0"/>
+      </a:lnRef>
+      <a:fillRef idx="1">
+        <a:scrgbClr r="0" g="0" b="0"/>
+      </a:fillRef>
+      <a:effectRef idx="0">
+        <a:scrgbClr r="0" g="0" b="0"/>
+      </a:effectRef>
+      <a:fontRef idx="minor"/>
+    </dgm:style>
+  </dgm:styleLbl>
+  <dgm:styleLbl name="bgAccFollowNode1">
+    <dgm:scene3d>
+      <a:camera prst="orthographicFront"/>
+      <a:lightRig rig="threePt" dir="t"/>
+    </dgm:scene3d>
+    <dgm:sp3d/>
+    <dgm:txPr/>
+    <dgm:style>
+      <a:lnRef idx="2">
+        <a:scrgbClr r="0" g="0" b="0"/>
+      </a:lnRef>
+      <a:fillRef idx="1">
+        <a:scrgbClr r="0" g="0" b="0"/>
+      </a:fillRef>
+      <a:effectRef idx="0">
+        <a:scrgbClr r="0" g="0" b="0"/>
+      </a:effectRef>
+      <a:fontRef idx="minor"/>
+    </dgm:style>
+  </dgm:styleLbl>
+  <dgm:styleLbl name="bgImgPlace1">
+    <dgm:scene3d>
+      <a:camera prst="orthographicFront"/>
+      <a:lightRig rig="threePt" dir="t"/>
+    </dgm:scene3d>
+    <dgm:sp3d/>
+    <dgm:txPr/>
+    <dgm:style>
+      <a:lnRef idx="2">
+        <a:scrgbClr r="0" g="0" b="0"/>
+      </a:lnRef>
+      <a:fillRef idx="1">
+        <a:scrgbClr r="0" g="0" b="0"/>
+      </a:fillRef>
+      <a:effectRef idx="0">
+        <a:scrgbClr r="0" g="0" b="0"/>
+      </a:effectRef>
+      <a:fontRef idx="minor"/>
+    </dgm:style>
+  </dgm:styleLbl>
+  <dgm:styleLbl name="bgShp">
+    <dgm:scene3d>
+      <a:camera prst="orthographicFront"/>
+      <a:lightRig rig="threePt" dir="t"/>
+    </dgm:scene3d>
+    <dgm:sp3d/>
+    <dgm:txPr/>
+    <dgm:style>
+      <a:lnRef idx="0">
+        <a:scrgbClr r="0" g="0" b="0"/>
+      </a:lnRef>
+      <a:fillRef idx="1">
+        <a:scrgbClr r="0" g="0" b="0"/>
+      </a:fillRef>
+      <a:effectRef idx="0">
+        <a:scrgbClr r="0" g="0" b="0"/>
+      </a:effectRef>
+      <a:fontRef idx="minor"/>
+    </dgm:style>
+  </dgm:styleLbl>
+  <dgm:styleLbl name="bgSibTrans2D1">
+    <dgm:scene3d>
+      <a:camera prst="orthographicFront"/>
+      <a:lightRig rig="threePt" dir="t"/>
+    </dgm:scene3d>
+    <dgm:sp3d/>
+    <dgm:txPr/>
+    <dgm:style>
+      <a:lnRef idx="0">
+        <a:scrgbClr r="0" g="0" b="0"/>
+      </a:lnRef>
+      <a:fillRef idx="1">
+        <a:scrgbClr r="0" g="0" b="0"/>
+      </a:fillRef>
+      <a:effectRef idx="0">
+        <a:scrgbClr r="0" g="0" b="0"/>
+      </a:effectRef>
+      <a:fontRef idx="minor">
+        <a:schemeClr val="lt1"/>
+      </a:fontRef>
+    </dgm:style>
+  </dgm:styleLbl>
+  <dgm:styleLbl name="callout">
+    <dgm:scene3d>
+      <a:camera prst="orthographicFront"/>
+      <a:lightRig rig="threePt" dir="t"/>
+    </dgm:scene3d>
+    <dgm:sp3d/>
+    <dgm:txPr/>
+    <dgm:style>
+      <a:lnRef idx="2">
+        <a:scrgbClr r="0" g="0" b="0"/>
+      </a:lnRef>
+      <a:fillRef idx="1">
+        <a:scrgbClr r="0" g="0" b="0"/>
+      </a:fillRef>
+      <a:effectRef idx="0">
+        <a:scrgbClr r="0" g="0" b="0"/>
+      </a:effectRef>
+      <a:fontRef idx="minor"/>
+    </dgm:style>
+  </dgm:styleLbl>
+  <dgm:styleLbl name="conFgAcc1">
+    <dgm:scene3d>
+      <a:camera prst="orthographicFront"/>
+      <a:lightRig rig="threePt" dir="t"/>
+    </dgm:scene3d>
+    <dgm:sp3d/>
+    <dgm:txPr/>
+    <dgm:style>
+      <a:lnRef idx="2">
+        <a:scrgbClr r="0" g="0" b="0"/>
+      </a:lnRef>
+      <a:fillRef idx="1">
+        <a:scrgbClr r="0" g="0" b="0"/>
+      </a:fillRef>
+      <a:effectRef idx="0">
+        <a:scrgbClr r="0" g="0" b="0"/>
+      </a:effectRef>
+      <a:fontRef idx="minor"/>
+    </dgm:style>
+  </dgm:styleLbl>
+  <dgm:styleLbl name="dkBgShp">
+    <dgm:scene3d>
+      <a:camera prst="orthographicFront"/>
+      <a:lightRig rig="threePt" dir="t"/>
+    </dgm:scene3d>
+    <dgm:sp3d/>
+    <dgm:txPr/>
+    <dgm:style>
+      <a:lnRef idx="0">
+        <a:scrgbClr r="0" g="0" b="0"/>
+      </a:lnRef>
+      <a:fillRef idx="1">
+        <a:scrgbClr r="0" g="0" b="0"/>
+      </a:fillRef>
+      <a:effectRef idx="0">
+        <a:scrgbClr r="0" g="0" b="0"/>
+      </a:effectRef>
+      <a:fontRef idx="minor"/>
+    </dgm:style>
+  </dgm:styleLbl>
+  <dgm:styleLbl name="fgAcc0">
+    <dgm:scene3d>
+      <a:camera prst="orthographicFront"/>
+      <a:lightRig rig="threePt" dir="t"/>
+    </dgm:scene3d>
+    <dgm:sp3d/>
+    <dgm:txPr/>
+    <dgm:style>
+      <a:lnRef idx="2">
+        <a:scrgbClr r="0" g="0" b="0"/>
+      </a:lnRef>
+      <a:fillRef idx="1">
+        <a:scrgbClr r="0" g="0" b="0"/>
+      </a:fillRef>
+      <a:effectRef idx="0">
+        <a:scrgbClr r="0" g="0" b="0"/>
+      </a:effectRef>
+      <a:fontRef idx="minor"/>
+    </dgm:style>
+  </dgm:styleLbl>
+  <dgm:styleLbl name="fgAcc1">
+    <dgm:scene3d>
+      <a:camera prst="orthographicFront"/>
+      <a:lightRig rig="threePt" dir="t"/>
+    </dgm:scene3d>
+    <dgm:sp3d/>
+    <dgm:txPr/>
+    <dgm:style>
+      <a:lnRef idx="2">
+        <a:scrgbClr r="0" g="0" b="0"/>
+      </a:lnRef>
+      <a:fillRef idx="1">
+        <a:scrgbClr r="0" g="0" b="0"/>
+      </a:fillRef>
+      <a:effectRef idx="0">
+        <a:scrgbClr r="0" g="0" b="0"/>
+      </a:effectRef>
+      <a:fontRef idx="minor"/>
+    </dgm:style>
+  </dgm:styleLbl>
+  <dgm:styleLbl name="fgAcc2">
+    <dgm:scene3d>
+      <a:camera prst="orthographicFront"/>
+      <a:lightRig rig="threePt" dir="t"/>
+    </dgm:scene3d>
+    <dgm:sp3d/>
+    <dgm:txPr/>
+    <dgm:style>
+      <a:lnRef idx="2">
+        <a:scrgbClr r="0" g="0" b="0"/>
+      </a:lnRef>
+      <a:fillRef idx="1">
+        <a:scrgbClr r="0" g="0" b="0"/>
+      </a:fillRef>
+      <a:effectRef idx="0">
+        <a:scrgbClr r="0" g="0" b="0"/>
+      </a:effectRef>
+      <a:fontRef idx="minor"/>
+    </dgm:style>
+  </dgm:styleLbl>
+  <dgm:styleLbl name="fgAcc3">
+    <dgm:scene3d>
+      <a:camera prst="orthographicFront"/>
+      <a:lightRig rig="threePt" dir="t"/>
+    </dgm:scene3d>
+    <dgm:sp3d/>
+    <dgm:txPr/>
+    <dgm:style>
+      <a:lnRef idx="2">
+        <a:scrgbClr r="0" g="0" b="0"/>
+      </a:lnRef>
+      <a:fillRef idx="1">
+        <a:scrgbClr r="0" g="0" b="0"/>
+      </a:fillRef>
+      <a:effectRef idx="0">
+        <a:scrgbClr r="0" g="0" b="0"/>
+      </a:effectRef>
+      <a:fontRef idx="minor"/>
+    </dgm:style>
+  </dgm:styleLbl>
+  <dgm:styleLbl name="fgAcc4">
+    <dgm:scene3d>
+      <a:camera prst="orthographicFront"/>
+      <a:lightRig rig="threePt" dir="t"/>
+    </dgm:scene3d>
+    <dgm:sp3d/>
+    <dgm:txPr/>
+    <dgm:style>
+      <a:lnRef idx="2">
+        <a:scrgbClr r="0" g="0" b="0"/>
+      </a:lnRef>
+      <a:fillRef idx="1">
+        <a:scrgbClr r="0" g="0" b="0"/>
+      </a:fillRef>
+      <a:effectRef idx="0">
+        <a:scrgbClr r="0" g="0" b="0"/>
+      </a:effectRef>
+      <a:fontRef idx="minor"/>
+    </dgm:style>
+  </dgm:styleLbl>
+  <dgm:styleLbl name="fgAccFollowNode1">
+    <dgm:scene3d>
+      <a:camera prst="orthographicFront"/>
+      <a:lightRig rig="threePt" dir="t"/>
+    </dgm:scene3d>
+    <dgm:sp3d/>
+    <dgm:txPr/>
+    <dgm:style>
+      <a:lnRef idx="2">
+        <a:scrgbClr r="0" g="0" b="0"/>
+      </a:lnRef>
+      <a:fillRef idx="1">
+        <a:scrgbClr r="0" g="0" b="0"/>
+      </a:fillRef>
+      <a:effectRef idx="0">
+        <a:scrgbClr r="0" g="0" b="0"/>
+      </a:effectRef>
+      <a:fontRef idx="minor"/>
+    </dgm:style>
+  </dgm:styleLbl>
+  <dgm:styleLbl name="fgImgPlace1">
+    <dgm:scene3d>
+      <a:camera prst="orthographicFront"/>
+      <a:lightRig rig="threePt" dir="t"/>
+    </dgm:scene3d>
+    <dgm:sp3d/>
+    <dgm:txPr/>
+    <dgm:style>
+      <a:lnRef idx="2">
+        <a:scrgbClr r="0" g="0" b="0"/>
+      </a:lnRef>
+      <a:fillRef idx="1">
+        <a:scrgbClr r="0" g="0" b="0"/>
+      </a:fillRef>
+      <a:effectRef idx="0">
+        <a:scrgbClr r="0" g="0" b="0"/>
+      </a:effectRef>
+      <a:fontRef idx="minor"/>
+    </dgm:style>
+  </dgm:styleLbl>
+  <dgm:styleLbl name="fgShp">
+    <dgm:scene3d>
+      <a:camera prst="orthographicFront"/>
+      <a:lightRig rig="threePt" dir="t"/>
+    </dgm:scene3d>
+    <dgm:sp3d/>
+    <dgm:txPr/>
+    <dgm:style>
+      <a:lnRef idx="2">
+        <a:scrgbClr r="0" g="0" b="0"/>
+      </a:lnRef>
+      <a:fillRef idx="1">
+        <a:scrgbClr r="0" g="0" b="0"/>
+      </a:fillRef>
+      <a:effectRef idx="0">
+        <a:scrgbClr r="0" g="0" b="0"/>
+      </a:effectRef>
+      <a:fontRef idx="minor"/>
+    </dgm:style>
+  </dgm:styleLbl>
+  <dgm:styleLbl name="fgSibTrans2D1">
+    <dgm:scene3d>
+      <a:camera prst="orthographicFront"/>
+      <a:lightRig rig="threePt" dir="t"/>
+    </dgm:scene3d>
+    <dgm:sp3d/>
+    <dgm:txPr/>
+    <dgm:style>
+      <a:lnRef idx="0">
+        <a:scrgbClr r="0" g="0" b="0"/>
+      </a:lnRef>
+      <a:fillRef idx="1">
+        <a:scrgbClr r="0" g="0" b="0"/>
+      </a:fillRef>
+      <a:effectRef idx="0">
+        <a:scrgbClr r="0" g="0" b="0"/>
+      </a:effectRef>
+      <a:fontRef idx="minor">
+        <a:schemeClr val="lt1"/>
+      </a:fontRef>
+    </dgm:style>
+  </dgm:styleLbl>
+  <dgm:styleLbl name="lnNode1">
+    <dgm:scene3d>
+      <a:camera prst="orthographicFront"/>
+      <a:lightRig rig="threePt" dir="t"/>
+    </dgm:scene3d>
+    <dgm:sp3d/>
+    <dgm:txPr/>
+    <dgm:style>
+      <a:lnRef idx="2">
+        <a:scrgbClr r="0" g="0" b="0"/>
+      </a:lnRef>
+      <a:fillRef idx="1">
+        <a:scrgbClr r="0" g="0" b="0"/>
+      </a:fillRef>
+      <a:effectRef idx="0">
+        <a:scrgbClr r="0" g="0" b="0"/>
+      </a:effectRef>
+      <a:fontRef idx="minor">
+        <a:schemeClr val="lt1"/>
+      </a:fontRef>
+    </dgm:style>
+  </dgm:styleLbl>
+  <dgm:styleLbl name="node0">
+    <dgm:scene3d>
+      <a:camera prst="orthographicFront"/>
+      <a:lightRig rig="threePt" dir="t"/>
+    </dgm:scene3d>
+    <dgm:sp3d/>
+    <dgm:txPr/>
+    <dgm:style>
+      <a:lnRef idx="2">
+        <a:scrgbClr r="0" g="0" b="0"/>
+      </a:lnRef>
+      <a:fillRef idx="1">
+        <a:scrgbClr r="0" g="0" b="0"/>
+      </a:fillRef>
+      <a:effectRef idx="0">
+        <a:scrgbClr r="0" g="0" b="0"/>
+      </a:effectRef>
+      <a:fontRef idx="minor">
+        <a:schemeClr val="lt1"/>
+      </a:fontRef>
+    </dgm:style>
+  </dgm:styleLbl>
+  <dgm:styleLbl name="node1">
+    <dgm:scene3d>
+      <a:camera prst="orthographicFront"/>
+      <a:lightRig rig="threePt" dir="t"/>
+    </dgm:scene3d>
+    <dgm:sp3d/>
+    <dgm:txPr/>
+    <dgm:style>
+      <a:lnRef idx="2">
+        <a:scrgbClr r="0" g="0" b="0"/>
+      </a:lnRef>
+      <a:fillRef idx="1">
+        <a:scrgbClr r="0" g="0" b="0"/>
+      </a:fillRef>
+      <a:effectRef idx="0">
+        <a:scrgbClr r="0" g="0" b="0"/>
+      </a:effectRef>
+      <a:fontRef idx="minor">
+        <a:schemeClr val="lt1"/>
+      </a:fontRef>
+    </dgm:style>
+  </dgm:styleLbl>
+  <dgm:styleLbl name="node2">
+    <dgm:scene3d>
+      <a:camera prst="orthographicFront"/>
+      <a:lightRig rig="threePt" dir="t"/>
+    </dgm:scene3d>
+    <dgm:sp3d/>
+    <dgm:txPr/>
+    <dgm:style>
+      <a:lnRef idx="2">
+        <a:scrgbClr r="0" g="0" b="0"/>
+      </a:lnRef>
+      <a:fillRef idx="1">
+        <a:scrgbClr r="0" g="0" b="0"/>
+      </a:fillRef>
+      <a:effectRef idx="0">
+        <a:scrgbClr r="0" g="0" b="0"/>
+      </a:effectRef>
+      <a:fontRef idx="minor">
+        <a:schemeClr val="lt1"/>
+      </a:fontRef>
+    </dgm:style>
+  </dgm:styleLbl>
+  <dgm:styleLbl name="node3">
+    <dgm:scene3d>
+      <a:camera prst="orthographicFront"/>
+      <a:lightRig rig="threePt" dir="t"/>
+    </dgm:scene3d>
+    <dgm:sp3d/>
+    <dgm:txPr/>
+    <dgm:style>
+      <a:lnRef idx="2">
+        <a:scrgbClr r="0" g="0" b="0"/>
+      </a:lnRef>
+      <a:fillRef idx="1">
+        <a:scrgbClr r="0" g="0" b="0"/>
+      </a:fillRef>
+      <a:effectRef idx="0">
+        <a:scrgbClr r="0" g="0" b="0"/>
+      </a:effectRef>
+      <a:fontRef idx="minor">
+        <a:schemeClr val="lt1"/>
+      </a:fontRef>
+    </dgm:style>
+  </dgm:styleLbl>
+  <dgm:styleLbl name="node4">
+    <dgm:scene3d>
+      <a:camera prst="orthographicFront"/>
+      <a:lightRig rig="threePt" dir="t"/>
+    </dgm:scene3d>
+    <dgm:sp3d/>
+    <dgm:txPr/>
+    <dgm:style>
+      <a:lnRef idx="2">
+        <a:scrgbClr r="0" g="0" b="0"/>
+      </a:lnRef>
+      <a:fillRef idx="1">
+        <a:scrgbClr r="0" g="0" b="0"/>
+      </a:fillRef>
+      <a:effectRef idx="0">
+        <a:scrgbClr r="0" g="0" b="0"/>
+      </a:effectRef>
+      <a:fontRef idx="minor">
+        <a:schemeClr val="lt1"/>
+      </a:fontRef>
+    </dgm:style>
+  </dgm:styleLbl>
+  <dgm:styleLbl name="parChTrans1D1">
+    <dgm:scene3d>
+      <a:camera prst="orthographicFront"/>
+      <a:lightRig rig="threePt" dir="t"/>
+    </dgm:scene3d>
+    <dgm:sp3d/>
+    <dgm:txPr/>
+    <dgm:style>
+      <a:lnRef idx="2">
+        <a:scrgbClr r="0" g="0" b="0"/>
+      </a:lnRef>
+      <a:fillRef idx="0">
+        <a:scrgbClr r="0" g="0" b="0"/>
+      </a:fillRef>
+      <a:effectRef idx="0">
+        <a:scrgbClr r="0" g="0" b="0"/>
+      </a:effectRef>
+      <a:fontRef idx="minor"/>
+    </dgm:style>
+  </dgm:styleLbl>
+  <dgm:styleLbl name="parChTrans1D2">
+    <dgm:scene3d>
+      <a:camera prst="orthographicFront"/>
+      <a:lightRig rig="threePt" dir="t"/>
+    </dgm:scene3d>
+    <dgm:sp3d/>
+    <dgm:txPr/>
+    <dgm:style>
+      <a:lnRef idx="2">
+        <a:scrgbClr r="0" g="0" b="0"/>
+      </a:lnRef>
+      <a:fillRef idx="0">
+        <a:scrgbClr r="0" g="0" b="0"/>
+      </a:fillRef>
+      <a:effectRef idx="0">
+        <a:scrgbClr r="0" g="0" b="0"/>
+      </a:effectRef>
+      <a:fontRef idx="minor"/>
+    </dgm:style>
+  </dgm:styleLbl>
+  <dgm:styleLbl name="parChTrans1D3">
+    <dgm:scene3d>
+      <a:camera prst="orthographicFront"/>
+      <a:lightRig rig="threePt" dir="t"/>
+    </dgm:scene3d>
+    <dgm:sp3d/>
+    <dgm:txPr/>
+    <dgm:style>
+      <a:lnRef idx="2">
+        <a:scrgbClr r="0" g="0" b="0"/>
+      </a:lnRef>
+      <a:fillRef idx="0">
+        <a:scrgbClr r="0" g="0" b="0"/>
+      </a:fillRef>
+      <a:effectRef idx="0">
+        <a:scrgbClr r="0" g="0" b="0"/>
+      </a:effectRef>
+      <a:fontRef idx="minor"/>
+    </dgm:style>
+  </dgm:styleLbl>
+  <dgm:styleLbl name="parChTrans1D4">
+    <dgm:scene3d>
+      <a:camera prst="orthographicFront"/>
+      <a:lightRig rig="threePt" dir="t"/>
+    </dgm:scene3d>
+    <dgm:sp3d/>
+    <dgm:txPr/>
+    <dgm:style>
+      <a:lnRef idx="2">
+        <a:scrgbClr r="0" g="0" b="0"/>
+      </a:lnRef>
+      <a:fillRef idx="0">
+        <a:scrgbClr r="0" g="0" b="0"/>
+      </a:fillRef>
+      <a:effectRef idx="0">
+        <a:scrgbClr r="0" g="0" b="0"/>
+      </a:effectRef>
+      <a:fontRef idx="minor"/>
+    </dgm:style>
+  </dgm:styleLbl>
+  <dgm:styleLbl name="parChTrans2D1">
+    <dgm:scene3d>
+      <a:camera prst="orthographicFront"/>
+      <a:lightRig rig="threePt" dir="t"/>
+    </dgm:scene3d>
+    <dgm:sp3d/>
+    <dgm:txPr/>
+    <dgm:style>
+      <a:lnRef idx="2">
+        <a:scrgbClr r="0" g="0" b="0"/>
+      </a:lnRef>
+      <a:fillRef idx="1">
+        <a:scrgbClr r="0" g="0" b="0"/>
+      </a:fillRef>
+      <a:effectRef idx="0">
+        <a:scrgbClr r="0" g="0" b="0"/>
+      </a:effectRef>
+      <a:fontRef idx="minor">
+        <a:schemeClr val="lt1"/>
+      </a:fontRef>
+    </dgm:style>
+  </dgm:styleLbl>
+  <dgm:styleLbl name="parChTrans2D2">
+    <dgm:scene3d>
+      <a:camera prst="orthographicFront"/>
+      <a:lightRig rig="threePt" dir="t"/>
+    </dgm:scene3d>
+    <dgm:sp3d/>
+    <dgm:txPr/>
+    <dgm:style>
+      <a:lnRef idx="2">
+        <a:scrgbClr r="0" g="0" b="0"/>
+      </a:lnRef>
+      <a:fillRef idx="1">
+        <a:scrgbClr r="0" g="0" b="0"/>
+      </a:fillRef>
+      <a:effectRef idx="0">
+        <a:scrgbClr r="0" g="0" b="0"/>
+      </a:effectRef>
+      <a:fontRef idx="minor">
+        <a:schemeClr val="lt1"/>
+      </a:fontRef>
+    </dgm:style>
+  </dgm:styleLbl>
+  <dgm:styleLbl name="parChTrans2D3">
+    <dgm:scene3d>
+      <a:camera prst="orthographicFront"/>
+      <a:lightRig rig="threePt" dir="t"/>
+    </dgm:scene3d>
+    <dgm:sp3d/>
+    <dgm:txPr/>
+    <dgm:style>
+      <a:lnRef idx="2">
+        <a:scrgbClr r="0" g="0" b="0"/>
+      </a:lnRef>
+      <a:fillRef idx="1">
+        <a:scrgbClr r="0" g="0" b="0"/>
+      </a:fillRef>
+      <a:effectRef idx="0">
+        <a:scrgbClr r="0" g="0" b="0"/>
+      </a:effectRef>
+      <a:fontRef idx="minor">
+        <a:schemeClr val="lt1"/>
+      </a:fontRef>
+    </dgm:style>
+  </dgm:styleLbl>
+  <dgm:styleLbl name="parChTrans2D4">
+    <dgm:scene3d>
+      <a:camera prst="orthographicFront"/>
+      <a:lightRig rig="threePt" dir="t"/>
+    </dgm:scene3d>
+    <dgm:sp3d/>
+    <dgm:txPr/>
+    <dgm:style>
+      <a:lnRef idx="2">
+        <a:scrgbClr r="0" g="0" b="0"/>
+      </a:lnRef>
+      <a:fillRef idx="1">
+        <a:scrgbClr r="0" g="0" b="0"/>
+      </a:fillRef>
+      <a:effectRef idx="0">
+        <a:scrgbClr r="0" g="0" b="0"/>
+      </a:effectRef>
+      <a:fontRef idx="minor">
+        <a:schemeClr val="lt1"/>
+      </a:fontRef>
+    </dgm:style>
+  </dgm:styleLbl>
+  <dgm:styleLbl name="revTx">
+    <dgm:scene3d>
+      <a:camera prst="orthographicFront"/>
+      <a:lightRig rig="threePt" dir="t"/>
+    </dgm:scene3d>
+    <dgm:sp3d/>
+    <dgm:txPr/>
+    <dgm:style>
+      <a:lnRef idx="0">
+        <a:scrgbClr r="0" g="0" b="0"/>
+      </a:lnRef>
+      <a:fillRef idx="0">
+        <a:scrgbClr r="0" g="0" b="0"/>
+      </a:fillRef>
+      <a:effectRef idx="0">
+        <a:scrgbClr r="0" g="0" b="0"/>
+      </a:effectRef>
+      <a:fontRef idx="minor"/>
+    </dgm:style>
+  </dgm:styleLbl>
+  <dgm:styleLbl name="sibTrans1D1">
+    <dgm:scene3d>
+      <a:camera prst="orthographicFront"/>
+      <a:lightRig rig="threePt" dir="t"/>
+    </dgm:scene3d>
+    <dgm:sp3d/>
+    <dgm:txPr/>
+    <dgm:style>
+      <a:lnRef idx="1">
+        <a:scrgbClr r="0" g="0" b="0"/>
+      </a:lnRef>
+      <a:fillRef idx="0">
+        <a:scrgbClr r="0" g="0" b="0"/>
+      </a:fillRef>
+      <a:effectRef idx="0">
+        <a:scrgbClr r="0" g="0" b="0"/>
+      </a:effectRef>
+      <a:fontRef idx="minor"/>
+    </dgm:style>
+  </dgm:styleLbl>
+  <dgm:styleLbl name="sibTrans2D1">
+    <dgm:scene3d>
+      <a:camera prst="orthographicFront"/>
+      <a:lightRig rig="threePt" dir="t"/>
+    </dgm:scene3d>
+    <dgm:sp3d/>
+    <dgm:txPr/>
+    <dgm:style>
+      <a:lnRef idx="0">
+        <a:scrgbClr r="0" g="0" b="0"/>
+      </a:lnRef>
+      <a:fillRef idx="1">
+        <a:scrgbClr r="0" g="0" b="0"/>
+      </a:fillRef>
+      <a:effectRef idx="0">
+        <a:scrgbClr r="0" g="0" b="0"/>
+      </a:effectRef>
+      <a:fontRef idx="minor">
+        <a:schemeClr val="lt1"/>
+      </a:fontRef>
+    </dgm:style>
+  </dgm:styleLbl>
+  <dgm:styleLbl name="solidAlignAcc1">
+    <dgm:scene3d>
+      <a:camera prst="orthographicFront"/>
+      <a:lightRig rig="threePt" dir="t"/>
+    </dgm:scene3d>
+    <dgm:sp3d/>
+    <dgm:txPr/>
+    <dgm:style>
+      <a:lnRef idx="2">
+        <a:scrgbClr r="0" g="0" b="0"/>
+      </a:lnRef>
+      <a:fillRef idx="1">
+        <a:scrgbClr r="0" g="0" b="0"/>
+      </a:fillRef>
+      <a:effectRef idx="0">
+        <a:scrgbClr r="0" g="0" b="0"/>
+      </a:effectRef>
+      <a:fontRef idx="minor"/>
+    </dgm:style>
+  </dgm:styleLbl>
+  <dgm:styleLbl name="solidBgAcc1">
+    <dgm:scene3d>
+      <a:camera prst="orthographicFront"/>
+      <a:lightRig rig="threePt" dir="t"/>
+    </dgm:scene3d>
+    <dgm:sp3d/>
+    <dgm:txPr/>
+    <dgm:style>
+      <a:lnRef idx="2">
+        <a:scrgbClr r="0" g="0" b="0"/>
+      </a:lnRef>
+      <a:fillRef idx="1">
+        <a:scrgbClr r="0" g="0" b="0"/>
+      </a:fillRef>
+      <a:effectRef idx="0">
+        <a:scrgbClr r="0" g="0" b="0"/>
+      </a:effectRef>
+      <a:fontRef idx="minor"/>
+    </dgm:style>
+  </dgm:styleLbl>
+  <dgm:styleLbl name="solidFgAcc1">
+    <dgm:scene3d>
+      <a:camera prst="orthographicFront"/>
+      <a:lightRig rig="threePt" dir="t"/>
+    </dgm:scene3d>
+    <dgm:sp3d/>
+    <dgm:txPr/>
+    <dgm:style>
+      <a:lnRef idx="2">
+        <a:scrgbClr r="0" g="0" b="0"/>
+      </a:lnRef>
+      <a:fillRef idx="1">
+        <a:scrgbClr r="0" g="0" b="0"/>
+      </a:fillRef>
+      <a:effectRef idx="0">
+        <a:scrgbClr r="0" g="0" b="0"/>
+      </a:effectRef>
+      <a:fontRef idx="minor"/>
+    </dgm:style>
+  </dgm:styleLbl>
+  <dgm:styleLbl name="trAlignAcc1">
+    <dgm:scene3d>
+      <a:camera prst="orthographicFront"/>
+      <a:lightRig rig="threePt" dir="t"/>
+    </dgm:scene3d>
+    <dgm:sp3d/>
+    <dgm:txPr/>
+    <dgm:style>
+      <a:lnRef idx="1">
+        <a:scrgbClr r="0" g="0" b="0"/>
+      </a:lnRef>
+      <a:fillRef idx="1">
+        <a:scrgbClr r="0" g="0" b="0"/>
+      </a:fillRef>
+      <a:effectRef idx="0">
+        <a:scrgbClr r="0" g="0" b="0"/>
+      </a:effectRef>
+      <a:fontRef idx="minor"/>
+    </dgm:style>
+  </dgm:styleLbl>
+  <dgm:styleLbl name="trBgShp">
+    <dgm:scene3d>
+      <a:camera prst="orthographicFront"/>
+      <a:lightRig rig="threePt" dir="t"/>
+    </dgm:scene3d>
+    <dgm:sp3d/>
+    <dgm:txPr/>
+    <dgm:style>
+      <a:lnRef idx="0">
+        <a:scrgbClr r="0" g="0" b="0"/>
+      </a:lnRef>
+      <a:fillRef idx="1">
+        <a:scrgbClr r="0" g="0" b="0"/>
+      </a:fillRef>
+      <a:effectRef idx="0">
+        <a:scrgbClr r="0" g="0" b="0"/>
+      </a:effectRef>
+      <a:fontRef idx="minor"/>
+    </dgm:style>
+  </dgm:styleLbl>
+  <dgm:styleLbl name="vennNode1">
+    <dgm:scene3d>
+      <a:camera prst="orthographicFront"/>
+      <a:lightRig rig="threePt" dir="t"/>
+    </dgm:scene3d>
+    <dgm:sp3d/>
+    <dgm:txPr/>
+    <dgm:style>
+      <a:lnRef idx="2">
+        <a:scrgbClr r="0" g="0" b="0"/>
+      </a:lnRef>
+      <a:fillRef idx="1">
+        <a:scrgbClr r="0" g="0" b="0"/>
+      </a:fillRef>
+      <a:effectRef idx="0">
+        <a:scrgbClr r="0" g="0" b="0"/>
+      </a:effectRef>
+      <a:fontRef idx="minor">
+        <a:schemeClr val="tx1"/>
+      </a:fontRef>
+    </dgm:style>
+  </dgm:styleLbl>
+</dgm:styleDef>
 </file>
 
 <file path=ppt/notesMasters/notesMaster1.xml><?xml version="1.0" encoding="utf-8"?>
@@ -196,7 +4368,7 @@
           <a:p>
             <a:fld id="{0A70C7B5-D219-485C-9E62-2F65476BA5DF}" type="datetimeFigureOut">
               <a:rPr lang="en-US" smtClean="0"/>
-              <a:t>11/14/2018</a:t>
+              <a:t>12/5/2018</a:t>
             </a:fld>
             <a:endParaRPr lang="en-US" dirty="0"/>
           </a:p>
@@ -260,38 +4432,37 @@
           <a:p>
             <a:pPr lvl="0"/>
             <a:r>
-              <a:rPr lang="en-US" smtClean="0"/>
+              <a:rPr lang="en-US"/>
               <a:t>Click to edit Master text styles</a:t>
             </a:r>
           </a:p>
           <a:p>
             <a:pPr lvl="1"/>
             <a:r>
-              <a:rPr lang="en-US" smtClean="0"/>
+              <a:rPr lang="en-US"/>
               <a:t>Second level</a:t>
             </a:r>
           </a:p>
           <a:p>
             <a:pPr lvl="2"/>
             <a:r>
-              <a:rPr lang="en-US" smtClean="0"/>
+              <a:rPr lang="en-US"/>
               <a:t>Third level</a:t>
             </a:r>
           </a:p>
           <a:p>
             <a:pPr lvl="3"/>
             <a:r>
-              <a:rPr lang="en-US" smtClean="0"/>
+              <a:rPr lang="en-US"/>
               <a:t>Fourth level</a:t>
             </a:r>
           </a:p>
           <a:p>
             <a:pPr lvl="4"/>
             <a:r>
-              <a:rPr lang="en-US" smtClean="0"/>
+              <a:rPr lang="en-US"/>
               <a:t>Fifth level</a:t>
             </a:r>
-            <a:endParaRPr lang="en-US"/>
           </a:p>
         </p:txBody>
       </p:sp>
@@ -483,32 +4654,15 @@
       </p:grpSpPr>
       <p:sp>
         <p:nvSpPr>
-          <p:cNvPr id="10242" name="Slide Image Placeholder 1"/>
+          <p:cNvPr id="2" name="Slide Image Placeholder 1"/>
           <p:cNvSpPr>
-            <a:spLocks noGrp="1" noRot="1" noChangeAspect="1" noTextEdit="1"/>
+            <a:spLocks noGrp="1" noRot="1" noChangeAspect="1"/>
           </p:cNvSpPr>
           <p:nvPr>
             <p:ph type="sldImg"/>
           </p:nvPr>
         </p:nvSpPr>
-        <p:spPr bwMode="auto">
-          <a:noFill/>
-          <a:ln>
-            <a:solidFill>
-              <a:srgbClr val="000000"/>
-            </a:solidFill>
-            <a:miter lim="800000"/>
-          </a:ln>
-          <a:extLst>
-            <a:ext uri="{909E8E84-426E-40DD-AFC4-6F175D3DCCD1}">
-              <a14:hiddenFill xmlns:a14="http://schemas.microsoft.com/office/drawing/2010/main">
-                <a:solidFill>
-                  <a:srgbClr val="FFFFFF"/>
-                </a:solidFill>
-              </a14:hiddenFill>
-            </a:ext>
-          </a:extLst>
-        </p:spPr>
+        <p:spPr/>
       </p:sp>
       <p:sp>
         <p:nvSpPr>
@@ -525,155 +4679,30 @@
           <a:bodyPr/>
           <a:lstStyle/>
           <a:p>
-            <a:pPr>
-              <a:defRPr/>
-            </a:pPr>
-            <a:endParaRPr lang="en-US" dirty="0"/>
+            <a:endParaRPr lang="en-GB" dirty="0"/>
           </a:p>
         </p:txBody>
       </p:sp>
       <p:sp>
         <p:nvSpPr>
-          <p:cNvPr id="10244" name="Slide Number Placeholder 3"/>
+          <p:cNvPr id="4" name="Slide Number Placeholder 3"/>
           <p:cNvSpPr>
             <a:spLocks noGrp="1"/>
           </p:cNvSpPr>
           <p:nvPr>
-            <p:ph type="sldNum" sz="quarter" idx="5"/>
+            <p:ph type="sldNum" sz="quarter" idx="10"/>
           </p:nvPr>
         </p:nvSpPr>
-        <p:spPr bwMode="auto">
-          <a:noFill/>
-          <a:extLst>
-            <a:ext uri="{909E8E84-426E-40DD-AFC4-6F175D3DCCD1}">
-              <a14:hiddenFill xmlns:a14="http://schemas.microsoft.com/office/drawing/2010/main">
-                <a:solidFill>
-                  <a:srgbClr val="FFFFFF"/>
-                </a:solidFill>
-              </a14:hiddenFill>
-            </a:ext>
-            <a:ext uri="{91240B29-F687-4F45-9708-019B960494DF}">
-              <a14:hiddenLine xmlns:a14="http://schemas.microsoft.com/office/drawing/2010/main" w="9525">
-                <a:solidFill>
-                  <a:srgbClr val="000000"/>
-                </a:solidFill>
-                <a:miter lim="800000"/>
-                <a:headEnd/>
-                <a:tailEnd/>
-              </a14:hiddenLine>
-            </a:ext>
-          </a:extLst>
-        </p:spPr>
+        <p:spPr/>
         <p:txBody>
           <a:bodyPr/>
-          <a:lstStyle>
-            <a:lvl1pPr>
-              <a:defRPr>
-                <a:solidFill>
-                  <a:schemeClr val="tx1"/>
-                </a:solidFill>
-                <a:latin typeface="Arial" panose="02080604020202020204" charset="0"/>
-              </a:defRPr>
-            </a:lvl1pPr>
-            <a:lvl2pPr marL="742950" indent="-285750">
-              <a:defRPr>
-                <a:solidFill>
-                  <a:schemeClr val="tx1"/>
-                </a:solidFill>
-                <a:latin typeface="Arial" panose="02080604020202020204" charset="0"/>
-              </a:defRPr>
-            </a:lvl2pPr>
-            <a:lvl3pPr marL="1143000" indent="-228600">
-              <a:defRPr>
-                <a:solidFill>
-                  <a:schemeClr val="tx1"/>
-                </a:solidFill>
-                <a:latin typeface="Arial" panose="02080604020202020204" charset="0"/>
-              </a:defRPr>
-            </a:lvl3pPr>
-            <a:lvl4pPr marL="1600200" indent="-228600">
-              <a:defRPr>
-                <a:solidFill>
-                  <a:schemeClr val="tx1"/>
-                </a:solidFill>
-                <a:latin typeface="Arial" panose="02080604020202020204" charset="0"/>
-              </a:defRPr>
-            </a:lvl4pPr>
-            <a:lvl5pPr marL="2057400" indent="-228600">
-              <a:defRPr>
-                <a:solidFill>
-                  <a:schemeClr val="tx1"/>
-                </a:solidFill>
-                <a:latin typeface="Arial" panose="02080604020202020204" charset="0"/>
-              </a:defRPr>
-            </a:lvl5pPr>
-            <a:lvl6pPr marL="2514600" indent="-228600" eaLnBrk="0" fontAlgn="base" hangingPunct="0">
-              <a:spcBef>
-                <a:spcPct val="0"/>
-              </a:spcBef>
-              <a:spcAft>
-                <a:spcPct val="0"/>
-              </a:spcAft>
-              <a:defRPr>
-                <a:solidFill>
-                  <a:schemeClr val="tx1"/>
-                </a:solidFill>
-                <a:latin typeface="Arial" panose="02080604020202020204" charset="0"/>
-              </a:defRPr>
-            </a:lvl6pPr>
-            <a:lvl7pPr marL="2971800" indent="-228600" eaLnBrk="0" fontAlgn="base" hangingPunct="0">
-              <a:spcBef>
-                <a:spcPct val="0"/>
-              </a:spcBef>
-              <a:spcAft>
-                <a:spcPct val="0"/>
-              </a:spcAft>
-              <a:defRPr>
-                <a:solidFill>
-                  <a:schemeClr val="tx1"/>
-                </a:solidFill>
-                <a:latin typeface="Arial" panose="02080604020202020204" charset="0"/>
-              </a:defRPr>
-            </a:lvl7pPr>
-            <a:lvl8pPr marL="3429000" indent="-228600" eaLnBrk="0" fontAlgn="base" hangingPunct="0">
-              <a:spcBef>
-                <a:spcPct val="0"/>
-              </a:spcBef>
-              <a:spcAft>
-                <a:spcPct val="0"/>
-              </a:spcAft>
-              <a:defRPr>
-                <a:solidFill>
-                  <a:schemeClr val="tx1"/>
-                </a:solidFill>
-                <a:latin typeface="Arial" panose="02080604020202020204" charset="0"/>
-              </a:defRPr>
-            </a:lvl8pPr>
-            <a:lvl9pPr marL="3886200" indent="-228600" eaLnBrk="0" fontAlgn="base" hangingPunct="0">
-              <a:spcBef>
-                <a:spcPct val="0"/>
-              </a:spcBef>
-              <a:spcAft>
-                <a:spcPct val="0"/>
-              </a:spcAft>
-              <a:defRPr>
-                <a:solidFill>
-                  <a:schemeClr val="tx1"/>
-                </a:solidFill>
-                <a:latin typeface="Arial" panose="02080604020202020204" charset="0"/>
-              </a:defRPr>
-            </a:lvl9pPr>
-          </a:lstStyle>
-          <a:p>
-            <a:fld id="{26308612-EC4B-4C48-A96A-063AE01B6FE6}" type="slidenum">
-              <a:rPr lang="en-US">
-                <a:latin typeface="Calibri" panose="020F0502020204030204" pitchFamily="34" charset="0"/>
-              </a:rPr>
-              <a:t>1</a:t>
+          <a:lstStyle/>
+          <a:p>
+            <a:fld id="{8ACADF6B-6CC5-48D8-8369-4408FC1DD57B}" type="slidenum">
+              <a:rPr lang="en-GB" smtClean="0"/>
+              <a:t>5</a:t>
             </a:fld>
-            <a:endParaRPr lang="en-US" dirty="0">
-              <a:latin typeface="Calibri" panose="020F0502020204030204" pitchFamily="34" charset="0"/>
-            </a:endParaRPr>
+            <a:endParaRPr lang="en-GB"/>
           </a:p>
         </p:txBody>
       </p:sp>
@@ -729,9 +4758,32 @@
           <a:bodyPr/>
           <a:lstStyle/>
           <a:p>
-            <a:r>
-              <a:rPr lang="en-US" dirty="0" smtClean="0"/>
-              <a:t>Examples of Models include:</a:t>
+            <a:pPr marL="0" marR="0" lvl="0" indent="0" algn="l" defTabSz="914400" rtl="0" eaLnBrk="1" fontAlgn="auto" latinLnBrk="0" hangingPunct="1">
+              <a:lnSpc>
+                <a:spcPct val="100000"/>
+              </a:lnSpc>
+              <a:spcBef>
+                <a:spcPts val="0"/>
+              </a:spcBef>
+              <a:spcAft>
+                <a:spcPts val="0"/>
+              </a:spcAft>
+              <a:buClrTx/>
+              <a:buSzTx/>
+              <a:buFontTx/>
+              <a:buNone/>
+              <a:defRPr/>
+            </a:pPr>
+            <a:r>
+              <a:rPr lang="en-US" dirty="0"/>
+              <a:t>For more information on the different GIT protocols go to </a:t>
+            </a:r>
+            <a:endParaRPr lang="en-GB" dirty="0"/>
+          </a:p>
+          <a:p>
+            <a:r>
+              <a:rPr lang="en-GB" dirty="0"/>
+              <a:t>https://git-scm.com/book/en/v2/Git-on-the-Server-The-Protocols</a:t>
             </a:r>
           </a:p>
         </p:txBody>
@@ -751,265 +4803,15 @@
           <a:bodyPr/>
           <a:lstStyle/>
           <a:p>
-            <a:fld id="{B090A9CB-811B-4A85-8A6D-A8419790D378}" type="slidenum">
-              <a:rPr lang="en-US" smtClean="0"/>
-              <a:t>2</a:t>
+            <a:fld id="{8ACADF6B-6CC5-48D8-8369-4408FC1DD57B}" type="slidenum">
+              <a:rPr lang="en-GB" smtClean="0"/>
+              <a:t>14</a:t>
             </a:fld>
-            <a:endParaRPr lang="en-US" dirty="0"/>
+            <a:endParaRPr lang="en-GB"/>
           </a:p>
         </p:txBody>
       </p:sp>
     </p:spTree>
-  </p:cSld>
-  <p:clrMapOvr>
-    <a:masterClrMapping/>
-  </p:clrMapOvr>
-</p:notes>
-</file>
-
-<file path=ppt/notesSlides/notesSlide3.xml><?xml version="1.0" encoding="utf-8"?>
-<p:notes xmlns:a="http://schemas.openxmlformats.org/drawingml/2006/main" xmlns:r="http://schemas.openxmlformats.org/officeDocument/2006/relationships" xmlns:p="http://schemas.openxmlformats.org/presentationml/2006/main">
-  <p:cSld>
-    <p:spTree>
-      <p:nvGrpSpPr>
-        <p:cNvPr id="1" name=""/>
-        <p:cNvGrpSpPr/>
-        <p:nvPr/>
-      </p:nvGrpSpPr>
-      <p:grpSpPr>
-        <a:xfrm>
-          <a:off x="0" y="0"/>
-          <a:ext cx="0" cy="0"/>
-          <a:chOff x="0" y="0"/>
-          <a:chExt cx="0" cy="0"/>
-        </a:xfrm>
-      </p:grpSpPr>
-      <p:sp>
-        <p:nvSpPr>
-          <p:cNvPr id="2" name="Slide Image Placeholder 1"/>
-          <p:cNvSpPr>
-            <a:spLocks noGrp="1" noRot="1" noChangeAspect="1"/>
-          </p:cNvSpPr>
-          <p:nvPr>
-            <p:ph type="sldImg"/>
-          </p:nvPr>
-        </p:nvSpPr>
-        <p:spPr/>
-      </p:sp>
-      <p:sp>
-        <p:nvSpPr>
-          <p:cNvPr id="3" name="Notes Placeholder 2"/>
-          <p:cNvSpPr>
-            <a:spLocks noGrp="1"/>
-          </p:cNvSpPr>
-          <p:nvPr>
-            <p:ph type="body" idx="1"/>
-          </p:nvPr>
-        </p:nvSpPr>
-        <p:spPr/>
-        <p:txBody>
-          <a:bodyPr/>
-          <a:lstStyle/>
-          <a:p>
-            <a:r>
-              <a:rPr lang="en-US" dirty="0" smtClean="0"/>
-              <a:t>Examples of Models include:</a:t>
-            </a:r>
-          </a:p>
-        </p:txBody>
-      </p:sp>
-      <p:sp>
-        <p:nvSpPr>
-          <p:cNvPr id="4" name="Slide Number Placeholder 3"/>
-          <p:cNvSpPr>
-            <a:spLocks noGrp="1"/>
-          </p:cNvSpPr>
-          <p:nvPr>
-            <p:ph type="sldNum" sz="quarter" idx="10"/>
-          </p:nvPr>
-        </p:nvSpPr>
-        <p:spPr/>
-        <p:txBody>
-          <a:bodyPr/>
-          <a:lstStyle/>
-          <a:p>
-            <a:fld id="{B090A9CB-811B-4A85-8A6D-A8419790D378}" type="slidenum">
-              <a:rPr lang="en-US" smtClean="0"/>
-              <a:t>3</a:t>
-            </a:fld>
-            <a:endParaRPr lang="en-US" dirty="0"/>
-          </a:p>
-        </p:txBody>
-      </p:sp>
-    </p:spTree>
-  </p:cSld>
-  <p:clrMapOvr>
-    <a:masterClrMapping/>
-  </p:clrMapOvr>
-</p:notes>
-</file>
-
-<file path=ppt/notesSlides/notesSlide4.xml><?xml version="1.0" encoding="utf-8"?>
-<p:notes xmlns:a="http://schemas.openxmlformats.org/drawingml/2006/main" xmlns:r="http://schemas.openxmlformats.org/officeDocument/2006/relationships" xmlns:p="http://schemas.openxmlformats.org/presentationml/2006/main">
-  <p:cSld>
-    <p:spTree>
-      <p:nvGrpSpPr>
-        <p:cNvPr id="1" name=""/>
-        <p:cNvGrpSpPr/>
-        <p:nvPr/>
-      </p:nvGrpSpPr>
-      <p:grpSpPr>
-        <a:xfrm>
-          <a:off x="0" y="0"/>
-          <a:ext cx="0" cy="0"/>
-          <a:chOff x="0" y="0"/>
-          <a:chExt cx="0" cy="0"/>
-        </a:xfrm>
-      </p:grpSpPr>
-      <p:sp>
-        <p:nvSpPr>
-          <p:cNvPr id="2" name="Slide Image Placeholder 1"/>
-          <p:cNvSpPr>
-            <a:spLocks noGrp="1" noRot="1" noChangeAspect="1"/>
-          </p:cNvSpPr>
-          <p:nvPr>
-            <p:ph type="sldImg"/>
-          </p:nvPr>
-        </p:nvSpPr>
-        <p:spPr/>
-      </p:sp>
-      <p:sp>
-        <p:nvSpPr>
-          <p:cNvPr id="3" name="Notes Placeholder 2"/>
-          <p:cNvSpPr>
-            <a:spLocks noGrp="1"/>
-          </p:cNvSpPr>
-          <p:nvPr>
-            <p:ph type="body" idx="1"/>
-          </p:nvPr>
-        </p:nvSpPr>
-        <p:spPr/>
-        <p:txBody>
-          <a:bodyPr/>
-          <a:lstStyle/>
-          <a:p>
-            <a:endParaRPr lang="en-US" dirty="0"/>
-          </a:p>
-        </p:txBody>
-      </p:sp>
-      <p:sp>
-        <p:nvSpPr>
-          <p:cNvPr id="4" name="Slide Number Placeholder 3"/>
-          <p:cNvSpPr>
-            <a:spLocks noGrp="1"/>
-          </p:cNvSpPr>
-          <p:nvPr>
-            <p:ph type="sldNum" sz="quarter" idx="10"/>
-          </p:nvPr>
-        </p:nvSpPr>
-        <p:spPr/>
-        <p:txBody>
-          <a:bodyPr/>
-          <a:lstStyle/>
-          <a:p>
-            <a:fld id="{B090A9CB-811B-4A85-8A6D-A8419790D378}" type="slidenum">
-              <a:rPr lang="en-US" smtClean="0"/>
-              <a:t>4</a:t>
-            </a:fld>
-            <a:endParaRPr lang="en-US" dirty="0"/>
-          </a:p>
-        </p:txBody>
-      </p:sp>
-    </p:spTree>
-    <p:extLst>
-      <p:ext uri="{BB962C8B-B14F-4D97-AF65-F5344CB8AC3E}">
-        <p14:creationId xmlns:p14="http://schemas.microsoft.com/office/powerpoint/2010/main" val="3173009975"/>
-      </p:ext>
-    </p:extLst>
-  </p:cSld>
-  <p:clrMapOvr>
-    <a:masterClrMapping/>
-  </p:clrMapOvr>
-</p:notes>
-</file>
-
-<file path=ppt/notesSlides/notesSlide5.xml><?xml version="1.0" encoding="utf-8"?>
-<p:notes xmlns:a="http://schemas.openxmlformats.org/drawingml/2006/main" xmlns:r="http://schemas.openxmlformats.org/officeDocument/2006/relationships" xmlns:p="http://schemas.openxmlformats.org/presentationml/2006/main">
-  <p:cSld>
-    <p:spTree>
-      <p:nvGrpSpPr>
-        <p:cNvPr id="1" name=""/>
-        <p:cNvGrpSpPr/>
-        <p:nvPr/>
-      </p:nvGrpSpPr>
-      <p:grpSpPr>
-        <a:xfrm>
-          <a:off x="0" y="0"/>
-          <a:ext cx="0" cy="0"/>
-          <a:chOff x="0" y="0"/>
-          <a:chExt cx="0" cy="0"/>
-        </a:xfrm>
-      </p:grpSpPr>
-      <p:sp>
-        <p:nvSpPr>
-          <p:cNvPr id="2" name="Slide Image Placeholder 1"/>
-          <p:cNvSpPr>
-            <a:spLocks noGrp="1" noRot="1" noChangeAspect="1"/>
-          </p:cNvSpPr>
-          <p:nvPr>
-            <p:ph type="sldImg"/>
-          </p:nvPr>
-        </p:nvSpPr>
-        <p:spPr/>
-      </p:sp>
-      <p:sp>
-        <p:nvSpPr>
-          <p:cNvPr id="3" name="Notes Placeholder 2"/>
-          <p:cNvSpPr>
-            <a:spLocks noGrp="1"/>
-          </p:cNvSpPr>
-          <p:nvPr>
-            <p:ph type="body" idx="1"/>
-          </p:nvPr>
-        </p:nvSpPr>
-        <p:spPr/>
-        <p:txBody>
-          <a:bodyPr/>
-          <a:lstStyle/>
-          <a:p>
-            <a:endParaRPr lang="en-US" dirty="0"/>
-          </a:p>
-        </p:txBody>
-      </p:sp>
-      <p:sp>
-        <p:nvSpPr>
-          <p:cNvPr id="4" name="Slide Number Placeholder 3"/>
-          <p:cNvSpPr>
-            <a:spLocks noGrp="1"/>
-          </p:cNvSpPr>
-          <p:nvPr>
-            <p:ph type="sldNum" sz="quarter" idx="10"/>
-          </p:nvPr>
-        </p:nvSpPr>
-        <p:spPr/>
-        <p:txBody>
-          <a:bodyPr/>
-          <a:lstStyle/>
-          <a:p>
-            <a:fld id="{B090A9CB-811B-4A85-8A6D-A8419790D378}" type="slidenum">
-              <a:rPr lang="en-US" smtClean="0"/>
-              <a:t>5</a:t>
-            </a:fld>
-            <a:endParaRPr lang="en-US" dirty="0"/>
-          </a:p>
-        </p:txBody>
-      </p:sp>
-    </p:spTree>
-    <p:extLst>
-      <p:ext uri="{BB962C8B-B14F-4D97-AF65-F5344CB8AC3E}">
-        <p14:creationId xmlns:p14="http://schemas.microsoft.com/office/powerpoint/2010/main" val="3173009975"/>
-      </p:ext>
-    </p:extLst>
   </p:cSld>
   <p:clrMapOvr>
     <a:masterClrMapping/>
@@ -1147,7 +4949,7 @@
           </a:lstStyle>
           <a:p>
             <a:r>
-              <a:rPr lang="en-US" smtClean="0"/>
+              <a:rPr lang="en-US"/>
               <a:t>Click to edit Master title style</a:t>
             </a:r>
             <a:endParaRPr lang="en-US" dirty="0"/>
@@ -1219,7 +5021,7 @@
           </a:lstStyle>
           <a:p>
             <a:r>
-              <a:rPr lang="en-US" smtClean="0"/>
+              <a:rPr lang="en-US"/>
               <a:t>Click to edit Master subtitle style</a:t>
             </a:r>
             <a:endParaRPr lang="en-US" dirty="0"/>
@@ -1243,7 +5045,7 @@
           <a:p>
             <a:fld id="{E073899A-D71B-441F-BFFD-F12F7C167A72}" type="datetimeFigureOut">
               <a:rPr lang="en-US" smtClean="0"/>
-              <a:t>11/14/2018</a:t>
+              <a:t>12/5/2018</a:t>
             </a:fld>
             <a:endParaRPr lang="en-US" dirty="0"/>
           </a:p>
@@ -1370,7 +5172,7 @@
           <a:lstStyle/>
           <a:p>
             <a:r>
-              <a:rPr lang="en-US" smtClean="0"/>
+              <a:rPr lang="en-US"/>
               <a:t>Click to edit Master title style</a:t>
             </a:r>
             <a:endParaRPr lang="en-US" dirty="0"/>
@@ -1394,35 +5196,35 @@
           <a:p>
             <a:pPr lvl="0"/>
             <a:r>
-              <a:rPr lang="en-US" smtClean="0"/>
+              <a:rPr lang="en-US"/>
               <a:t>Click to edit Master text styles</a:t>
             </a:r>
           </a:p>
           <a:p>
             <a:pPr lvl="1"/>
             <a:r>
-              <a:rPr lang="en-US" smtClean="0"/>
+              <a:rPr lang="en-US"/>
               <a:t>Second level</a:t>
             </a:r>
           </a:p>
           <a:p>
             <a:pPr lvl="2"/>
             <a:r>
-              <a:rPr lang="en-US" smtClean="0"/>
+              <a:rPr lang="en-US"/>
               <a:t>Third level</a:t>
             </a:r>
           </a:p>
           <a:p>
             <a:pPr lvl="3"/>
             <a:r>
-              <a:rPr lang="en-US" smtClean="0"/>
+              <a:rPr lang="en-US"/>
               <a:t>Fourth level</a:t>
             </a:r>
           </a:p>
           <a:p>
             <a:pPr lvl="4"/>
             <a:r>
-              <a:rPr lang="en-US" smtClean="0"/>
+              <a:rPr lang="en-US"/>
               <a:t>Fifth level</a:t>
             </a:r>
             <a:endParaRPr lang="en-US" dirty="0"/>
@@ -1446,7 +5248,7 @@
           <a:p>
             <a:fld id="{E073899A-D71B-441F-BFFD-F12F7C167A72}" type="datetimeFigureOut">
               <a:rPr lang="en-US" smtClean="0"/>
-              <a:t>11/14/2018</a:t>
+              <a:t>12/5/2018</a:t>
             </a:fld>
             <a:endParaRPr lang="en-US" dirty="0"/>
           </a:p>
@@ -1616,7 +5418,7 @@
           <a:lstStyle/>
           <a:p>
             <a:r>
-              <a:rPr lang="en-US" smtClean="0"/>
+              <a:rPr lang="en-US"/>
               <a:t>Click to edit Master title style</a:t>
             </a:r>
             <a:endParaRPr lang="en-US" dirty="0"/>
@@ -1645,35 +5447,35 @@
           <a:p>
             <a:pPr lvl="0"/>
             <a:r>
-              <a:rPr lang="en-US" smtClean="0"/>
+              <a:rPr lang="en-US"/>
               <a:t>Click to edit Master text styles</a:t>
             </a:r>
           </a:p>
           <a:p>
             <a:pPr lvl="1"/>
             <a:r>
-              <a:rPr lang="en-US" smtClean="0"/>
+              <a:rPr lang="en-US"/>
               <a:t>Second level</a:t>
             </a:r>
           </a:p>
           <a:p>
             <a:pPr lvl="2"/>
             <a:r>
-              <a:rPr lang="en-US" smtClean="0"/>
+              <a:rPr lang="en-US"/>
               <a:t>Third level</a:t>
             </a:r>
           </a:p>
           <a:p>
             <a:pPr lvl="3"/>
             <a:r>
-              <a:rPr lang="en-US" smtClean="0"/>
+              <a:rPr lang="en-US"/>
               <a:t>Fourth level</a:t>
             </a:r>
           </a:p>
           <a:p>
             <a:pPr lvl="4"/>
             <a:r>
-              <a:rPr lang="en-US" smtClean="0"/>
+              <a:rPr lang="en-US"/>
               <a:t>Fifth level</a:t>
             </a:r>
             <a:endParaRPr lang="en-US" dirty="0"/>
@@ -1697,7 +5499,7 @@
           <a:p>
             <a:fld id="{E073899A-D71B-441F-BFFD-F12F7C167A72}" type="datetimeFigureOut">
               <a:rPr lang="en-US" smtClean="0"/>
-              <a:t>11/14/2018</a:t>
+              <a:t>12/5/2018</a:t>
             </a:fld>
             <a:endParaRPr lang="en-US" dirty="0"/>
           </a:p>
@@ -1790,7 +5592,7 @@
           </a:lstStyle>
           <a:p>
             <a:r>
-              <a:rPr lang="en-US" smtClean="0"/>
+              <a:rPr lang="en-US"/>
               <a:t>Click to edit Master title style</a:t>
             </a:r>
             <a:endParaRPr lang="en-US" dirty="0"/>
@@ -1814,35 +5616,35 @@
           <a:p>
             <a:pPr lvl="0"/>
             <a:r>
-              <a:rPr lang="en-US" smtClean="0"/>
+              <a:rPr lang="en-US"/>
               <a:t>Click to edit Master text styles</a:t>
             </a:r>
           </a:p>
           <a:p>
             <a:pPr lvl="1"/>
             <a:r>
-              <a:rPr lang="en-US" smtClean="0"/>
+              <a:rPr lang="en-US"/>
               <a:t>Second level</a:t>
             </a:r>
           </a:p>
           <a:p>
             <a:pPr lvl="2"/>
             <a:r>
-              <a:rPr lang="en-US" smtClean="0"/>
+              <a:rPr lang="en-US"/>
               <a:t>Third level</a:t>
             </a:r>
           </a:p>
           <a:p>
             <a:pPr lvl="3"/>
             <a:r>
-              <a:rPr lang="en-US" smtClean="0"/>
+              <a:rPr lang="en-US"/>
               <a:t>Fourth level</a:t>
             </a:r>
           </a:p>
           <a:p>
             <a:pPr lvl="4"/>
             <a:r>
-              <a:rPr lang="en-US" smtClean="0"/>
+              <a:rPr lang="en-US"/>
               <a:t>Fifth level</a:t>
             </a:r>
             <a:endParaRPr lang="en-US" dirty="0"/>
@@ -1866,7 +5668,7 @@
           <a:p>
             <a:fld id="{E073899A-D71B-441F-BFFD-F12F7C167A72}" type="datetimeFigureOut">
               <a:rPr lang="en-US" smtClean="0"/>
-              <a:t>11/14/2018</a:t>
+              <a:t>12/5/2018</a:t>
             </a:fld>
             <a:endParaRPr lang="en-US" dirty="0"/>
           </a:p>
@@ -2060,7 +5862,7 @@
           </a:lstStyle>
           <a:p>
             <a:r>
-              <a:rPr lang="en-US" smtClean="0"/>
+              <a:rPr lang="en-US"/>
               <a:t>Click to edit Master title style</a:t>
             </a:r>
             <a:endParaRPr lang="en-US" dirty="0"/>
@@ -2181,7 +5983,7 @@
           <a:p>
             <a:pPr lvl="0"/>
             <a:r>
-              <a:rPr lang="en-US" smtClean="0"/>
+              <a:rPr lang="en-US"/>
               <a:t>Click to edit Master text styles</a:t>
             </a:r>
           </a:p>
@@ -2204,7 +6006,7 @@
           <a:p>
             <a:fld id="{E073899A-D71B-441F-BFFD-F12F7C167A72}" type="datetimeFigureOut">
               <a:rPr lang="en-US" smtClean="0"/>
-              <a:t>11/14/2018</a:t>
+              <a:t>12/5/2018</a:t>
             </a:fld>
             <a:endParaRPr lang="en-US" dirty="0"/>
           </a:p>
@@ -2336,7 +6138,7 @@
           <a:lstStyle/>
           <a:p>
             <a:r>
-              <a:rPr lang="en-US" smtClean="0"/>
+              <a:rPr lang="en-US"/>
               <a:t>Click to edit Master title style</a:t>
             </a:r>
             <a:endParaRPr lang="en-US" dirty="0"/>
@@ -2365,35 +6167,35 @@
           <a:p>
             <a:pPr lvl="0"/>
             <a:r>
-              <a:rPr lang="en-US" smtClean="0"/>
+              <a:rPr lang="en-US"/>
               <a:t>Click to edit Master text styles</a:t>
             </a:r>
           </a:p>
           <a:p>
             <a:pPr lvl="1"/>
             <a:r>
-              <a:rPr lang="en-US" smtClean="0"/>
+              <a:rPr lang="en-US"/>
               <a:t>Second level</a:t>
             </a:r>
           </a:p>
           <a:p>
             <a:pPr lvl="2"/>
             <a:r>
-              <a:rPr lang="en-US" smtClean="0"/>
+              <a:rPr lang="en-US"/>
               <a:t>Third level</a:t>
             </a:r>
           </a:p>
           <a:p>
             <a:pPr lvl="3"/>
             <a:r>
-              <a:rPr lang="en-US" smtClean="0"/>
+              <a:rPr lang="en-US"/>
               <a:t>Fourth level</a:t>
             </a:r>
           </a:p>
           <a:p>
             <a:pPr lvl="4"/>
             <a:r>
-              <a:rPr lang="en-US" smtClean="0"/>
+              <a:rPr lang="en-US"/>
               <a:t>Fifth level</a:t>
             </a:r>
             <a:endParaRPr lang="en-US" dirty="0"/>
@@ -2422,35 +6224,35 @@
           <a:p>
             <a:pPr lvl="0"/>
             <a:r>
-              <a:rPr lang="en-US" smtClean="0"/>
+              <a:rPr lang="en-US"/>
               <a:t>Click to edit Master text styles</a:t>
             </a:r>
           </a:p>
           <a:p>
             <a:pPr lvl="1"/>
             <a:r>
-              <a:rPr lang="en-US" smtClean="0"/>
+              <a:rPr lang="en-US"/>
               <a:t>Second level</a:t>
             </a:r>
           </a:p>
           <a:p>
             <a:pPr lvl="2"/>
             <a:r>
-              <a:rPr lang="en-US" smtClean="0"/>
+              <a:rPr lang="en-US"/>
               <a:t>Third level</a:t>
             </a:r>
           </a:p>
           <a:p>
             <a:pPr lvl="3"/>
             <a:r>
-              <a:rPr lang="en-US" smtClean="0"/>
+              <a:rPr lang="en-US"/>
               <a:t>Fourth level</a:t>
             </a:r>
           </a:p>
           <a:p>
             <a:pPr lvl="4"/>
             <a:r>
-              <a:rPr lang="en-US" smtClean="0"/>
+              <a:rPr lang="en-US"/>
               <a:t>Fifth level</a:t>
             </a:r>
             <a:endParaRPr lang="en-US" dirty="0"/>
@@ -2474,7 +6276,7 @@
           <a:p>
             <a:fld id="{E073899A-D71B-441F-BFFD-F12F7C167A72}" type="datetimeFigureOut">
               <a:rPr lang="en-US" smtClean="0"/>
-              <a:t>11/14/2018</a:t>
+              <a:t>12/5/2018</a:t>
             </a:fld>
             <a:endParaRPr lang="en-US" dirty="0"/>
           </a:p>
@@ -2568,7 +6370,7 @@
           <a:lstStyle/>
           <a:p>
             <a:r>
-              <a:rPr lang="en-US" smtClean="0"/>
+              <a:rPr lang="en-US"/>
               <a:t>Click to edit Master title style</a:t>
             </a:r>
             <a:endParaRPr lang="en-US" dirty="0"/>
@@ -2640,7 +6442,7 @@
           <a:p>
             <a:pPr lvl="0"/>
             <a:r>
-              <a:rPr lang="en-US" smtClean="0"/>
+              <a:rPr lang="en-US"/>
               <a:t>Click to edit Master text styles</a:t>
             </a:r>
           </a:p>
@@ -2668,35 +6470,35 @@
           <a:p>
             <a:pPr lvl="0"/>
             <a:r>
-              <a:rPr lang="en-US" smtClean="0"/>
+              <a:rPr lang="en-US"/>
               <a:t>Click to edit Master text styles</a:t>
             </a:r>
           </a:p>
           <a:p>
             <a:pPr lvl="1"/>
             <a:r>
-              <a:rPr lang="en-US" smtClean="0"/>
+              <a:rPr lang="en-US"/>
               <a:t>Second level</a:t>
             </a:r>
           </a:p>
           <a:p>
             <a:pPr lvl="2"/>
             <a:r>
-              <a:rPr lang="en-US" smtClean="0"/>
+              <a:rPr lang="en-US"/>
               <a:t>Third level</a:t>
             </a:r>
           </a:p>
           <a:p>
             <a:pPr lvl="3"/>
             <a:r>
-              <a:rPr lang="en-US" smtClean="0"/>
+              <a:rPr lang="en-US"/>
               <a:t>Fourth level</a:t>
             </a:r>
           </a:p>
           <a:p>
             <a:pPr lvl="4"/>
             <a:r>
-              <a:rPr lang="en-US" smtClean="0"/>
+              <a:rPr lang="en-US"/>
               <a:t>Fifth level</a:t>
             </a:r>
             <a:endParaRPr lang="en-US" dirty="0"/>
@@ -2768,7 +6570,7 @@
           <a:p>
             <a:pPr lvl="0"/>
             <a:r>
-              <a:rPr lang="en-US" smtClean="0"/>
+              <a:rPr lang="en-US"/>
               <a:t>Click to edit Master text styles</a:t>
             </a:r>
           </a:p>
@@ -2796,35 +6598,35 @@
           <a:p>
             <a:pPr lvl="0"/>
             <a:r>
-              <a:rPr lang="en-US" smtClean="0"/>
+              <a:rPr lang="en-US"/>
               <a:t>Click to edit Master text styles</a:t>
             </a:r>
           </a:p>
           <a:p>
             <a:pPr lvl="1"/>
             <a:r>
-              <a:rPr lang="en-US" smtClean="0"/>
+              <a:rPr lang="en-US"/>
               <a:t>Second level</a:t>
             </a:r>
           </a:p>
           <a:p>
             <a:pPr lvl="2"/>
             <a:r>
-              <a:rPr lang="en-US" smtClean="0"/>
+              <a:rPr lang="en-US"/>
               <a:t>Third level</a:t>
             </a:r>
           </a:p>
           <a:p>
             <a:pPr lvl="3"/>
             <a:r>
-              <a:rPr lang="en-US" smtClean="0"/>
+              <a:rPr lang="en-US"/>
               <a:t>Fourth level</a:t>
             </a:r>
           </a:p>
           <a:p>
             <a:pPr lvl="4"/>
             <a:r>
-              <a:rPr lang="en-US" smtClean="0"/>
+              <a:rPr lang="en-US"/>
               <a:t>Fifth level</a:t>
             </a:r>
             <a:endParaRPr lang="en-US" dirty="0"/>
@@ -2848,7 +6650,7 @@
           <a:p>
             <a:fld id="{E073899A-D71B-441F-BFFD-F12F7C167A72}" type="datetimeFigureOut">
               <a:rPr lang="en-US" smtClean="0"/>
-              <a:t>11/14/2018</a:t>
+              <a:t>12/5/2018</a:t>
             </a:fld>
             <a:endParaRPr lang="en-US" dirty="0"/>
           </a:p>
@@ -2937,7 +6739,7 @@
           <a:lstStyle/>
           <a:p>
             <a:r>
-              <a:rPr lang="en-US" smtClean="0"/>
+              <a:rPr lang="en-US"/>
               <a:t>Click to edit Master title style</a:t>
             </a:r>
             <a:endParaRPr lang="en-US" dirty="0"/>
@@ -2961,7 +6763,7 @@
           <a:p>
             <a:fld id="{E073899A-D71B-441F-BFFD-F12F7C167A72}" type="datetimeFigureOut">
               <a:rPr lang="en-US" smtClean="0"/>
-              <a:t>11/14/2018</a:t>
+              <a:t>12/5/2018</a:t>
             </a:fld>
             <a:endParaRPr lang="en-US" dirty="0"/>
           </a:p>
@@ -3127,7 +6929,7 @@
           <a:p>
             <a:fld id="{E073899A-D71B-441F-BFFD-F12F7C167A72}" type="datetimeFigureOut">
               <a:rPr lang="en-US" smtClean="0"/>
-              <a:t>11/14/2018</a:t>
+              <a:t>12/5/2018</a:t>
             </a:fld>
             <a:endParaRPr lang="en-US" dirty="0"/>
           </a:p>
@@ -3315,7 +7117,7 @@
           </a:lstStyle>
           <a:p>
             <a:r>
-              <a:rPr lang="en-US" smtClean="0"/>
+              <a:rPr lang="en-US"/>
               <a:t>Click to edit Master title style</a:t>
             </a:r>
             <a:endParaRPr lang="en-US" dirty="0"/>
@@ -3344,35 +7146,35 @@
           <a:p>
             <a:pPr lvl="0"/>
             <a:r>
-              <a:rPr lang="en-US" smtClean="0"/>
+              <a:rPr lang="en-US"/>
               <a:t>Click to edit Master text styles</a:t>
             </a:r>
           </a:p>
           <a:p>
             <a:pPr lvl="1"/>
             <a:r>
-              <a:rPr lang="en-US" smtClean="0"/>
+              <a:rPr lang="en-US"/>
               <a:t>Second level</a:t>
             </a:r>
           </a:p>
           <a:p>
             <a:pPr lvl="2"/>
             <a:r>
-              <a:rPr lang="en-US" smtClean="0"/>
+              <a:rPr lang="en-US"/>
               <a:t>Third level</a:t>
             </a:r>
           </a:p>
           <a:p>
             <a:pPr lvl="3"/>
             <a:r>
-              <a:rPr lang="en-US" smtClean="0"/>
+              <a:rPr lang="en-US"/>
               <a:t>Fourth level</a:t>
             </a:r>
           </a:p>
           <a:p>
             <a:pPr lvl="4"/>
             <a:r>
-              <a:rPr lang="en-US" smtClean="0"/>
+              <a:rPr lang="en-US"/>
               <a:t>Fifth level</a:t>
             </a:r>
             <a:endParaRPr lang="en-US" dirty="0"/>
@@ -3444,7 +7246,7 @@
           <a:p>
             <a:pPr lvl="0"/>
             <a:r>
-              <a:rPr lang="en-US" smtClean="0"/>
+              <a:rPr lang="en-US"/>
               <a:t>Click to edit Master text styles</a:t>
             </a:r>
           </a:p>
@@ -3476,7 +7278,7 @@
           <a:p>
             <a:fld id="{E073899A-D71B-441F-BFFD-F12F7C167A72}" type="datetimeFigureOut">
               <a:rPr lang="en-US" smtClean="0"/>
-              <a:t>11/14/2018</a:t>
+              <a:t>12/5/2018</a:t>
             </a:fld>
             <a:endParaRPr lang="en-US" dirty="0"/>
           </a:p>
@@ -3677,7 +7479,7 @@
           </a:lstStyle>
           <a:p>
             <a:r>
-              <a:rPr lang="en-US" smtClean="0"/>
+              <a:rPr lang="en-US"/>
               <a:t>Click to edit Master title style</a:t>
             </a:r>
             <a:endParaRPr lang="en-US" dirty="0"/>
@@ -3752,10 +7554,9 @@
           </a:lstStyle>
           <a:p>
             <a:r>
-              <a:rPr lang="en-US" dirty="0" smtClean="0"/>
+              <a:rPr lang="en-US" dirty="0"/>
               <a:t>Click icon to add picture</a:t>
             </a:r>
-            <a:endParaRPr lang="en-US" dirty="0"/>
           </a:p>
         </p:txBody>
       </p:sp>
@@ -3830,7 +7631,7 @@
           <a:p>
             <a:pPr lvl="0"/>
             <a:r>
-              <a:rPr lang="en-US" smtClean="0"/>
+              <a:rPr lang="en-US"/>
               <a:t>Click to edit Master text styles</a:t>
             </a:r>
           </a:p>
@@ -3853,7 +7654,7 @@
           <a:p>
             <a:fld id="{E073899A-D71B-441F-BFFD-F12F7C167A72}" type="datetimeFigureOut">
               <a:rPr lang="en-US" smtClean="0"/>
-              <a:t>11/14/2018</a:t>
+              <a:t>12/5/2018</a:t>
             </a:fld>
             <a:endParaRPr lang="en-US" dirty="0"/>
           </a:p>
@@ -4033,7 +7834,7 @@
           <a:lstStyle/>
           <a:p>
             <a:r>
-              <a:rPr lang="en-US" smtClean="0"/>
+              <a:rPr lang="en-US"/>
               <a:t>Click to edit Master title style</a:t>
             </a:r>
             <a:endParaRPr lang="en-US" dirty="0"/>
@@ -4067,35 +7868,35 @@
           <a:p>
             <a:pPr lvl="0"/>
             <a:r>
-              <a:rPr lang="en-US" smtClean="0"/>
+              <a:rPr lang="en-US"/>
               <a:t>Click to edit Master text styles</a:t>
             </a:r>
           </a:p>
           <a:p>
             <a:pPr lvl="1"/>
             <a:r>
-              <a:rPr lang="en-US" smtClean="0"/>
+              <a:rPr lang="en-US"/>
               <a:t>Second level</a:t>
             </a:r>
           </a:p>
           <a:p>
             <a:pPr lvl="2"/>
             <a:r>
-              <a:rPr lang="en-US" smtClean="0"/>
+              <a:rPr lang="en-US"/>
               <a:t>Third level</a:t>
             </a:r>
           </a:p>
           <a:p>
             <a:pPr lvl="3"/>
             <a:r>
-              <a:rPr lang="en-US" smtClean="0"/>
+              <a:rPr lang="en-US"/>
               <a:t>Fourth level</a:t>
             </a:r>
           </a:p>
           <a:p>
             <a:pPr lvl="4"/>
             <a:r>
-              <a:rPr lang="en-US" smtClean="0"/>
+              <a:rPr lang="en-US"/>
               <a:t>Fifth level</a:t>
             </a:r>
             <a:endParaRPr lang="en-US" dirty="0"/>
@@ -4135,7 +7936,7 @@
           <a:p>
             <a:fld id="{E073899A-D71B-441F-BFFD-F12F7C167A72}" type="datetimeFigureOut">
               <a:rPr lang="en-US" smtClean="0"/>
-              <a:t>11/14/2018</a:t>
+              <a:t>12/5/2018</a:t>
             </a:fld>
             <a:endParaRPr lang="en-US" dirty="0"/>
           </a:p>
@@ -4656,52 +8457,66 @@
       </p:grpSpPr>
       <p:sp>
         <p:nvSpPr>
-          <p:cNvPr id="6146" name="Subtitle 1"/>
+          <p:cNvPr id="4" name="Title 3"/>
           <p:cNvSpPr>
             <a:spLocks noGrp="1"/>
           </p:cNvSpPr>
           <p:nvPr>
-            <p:ph type="subTitle" idx="1"/>
+            <p:ph type="title"/>
           </p:nvPr>
         </p:nvSpPr>
-        <p:spPr>
-          <a:xfrm>
-            <a:off x="2362200" y="2057400"/>
-            <a:ext cx="7543800" cy="1828800"/>
-          </a:xfrm>
-        </p:spPr>
+        <p:spPr/>
         <p:txBody>
-          <a:bodyPr rtlCol="0">
-            <a:noAutofit/>
-          </a:bodyPr>
+          <a:bodyPr/>
           <a:lstStyle/>
           <a:p>
-            <a:pPr algn="ctr" fontAlgn="auto">
-              <a:defRPr/>
-            </a:pPr>
-            <a:r>
-              <a:rPr lang="en-US" sz="2800" b="1" dirty="0" smtClean="0">
-                <a:solidFill>
-                  <a:schemeClr val="tx1"/>
-                </a:solidFill>
-                <a:latin typeface="Segoe UI" panose="020B0502040204020203" pitchFamily="34" charset="0"/>
-                <a:cs typeface="Segoe UI" panose="020B0502040204020203" pitchFamily="34" charset="0"/>
-              </a:rPr>
-              <a:t>IS 253 OBJECT ORIENTED PROGRAMMING</a:t>
-            </a:r>
+            <a:r>
+              <a:rPr lang="en-US" dirty="0"/>
+              <a:t>INTRODUCTION TO GIT </a:t>
+            </a:r>
+            <a:endParaRPr lang="en-GB" dirty="0"/>
+          </a:p>
+        </p:txBody>
+      </p:sp>
+      <p:sp>
+        <p:nvSpPr>
+          <p:cNvPr id="5" name="Text Placeholder 4"/>
+          <p:cNvSpPr>
+            <a:spLocks noGrp="1"/>
+          </p:cNvSpPr>
+          <p:nvPr>
+            <p:ph type="body" idx="1"/>
+          </p:nvPr>
+        </p:nvSpPr>
+        <p:spPr/>
+        <p:txBody>
+          <a:bodyPr/>
+          <a:lstStyle/>
+          <a:p>
+            <a:r>
+              <a:rPr lang="en-US" dirty="0"/>
+              <a:t>VERSION CONTROL</a:t>
+            </a:r>
+            <a:endParaRPr lang="en-GB" dirty="0"/>
           </a:p>
         </p:txBody>
       </p:sp>
       <p:pic>
         <p:nvPicPr>
-          <p:cNvPr id="9219" name="Picture 3"/>
+          <p:cNvPr id="6" name="Picture 3">
+            <a:extLst>
+              <a:ext uri="{FF2B5EF4-FFF2-40B4-BE49-F238E27FC236}">
+                <a16:creationId xmlns:a16="http://schemas.microsoft.com/office/drawing/2014/main" id="{DA7DF03D-DFC6-45FD-8165-E9EB384E1C06}"/>
+              </a:ext>
+            </a:extLst>
+          </p:cNvPr>
           <p:cNvPicPr>
             <a:picLocks noChangeAspect="1" noChangeArrowheads="1"/>
           </p:cNvPicPr>
           <p:nvPr/>
         </p:nvPicPr>
         <p:blipFill>
-          <a:blip r:embed="rId3" cstate="print">
+          <a:blip r:embed="rId2" cstate="print">
             <a:extLst>
               <a:ext uri="{28A0092B-C50C-407E-A947-70E740481C1C}">
                 <a14:useLocalDpi xmlns:a14="http://schemas.microsoft.com/office/drawing/2010/main" val="0"/>
@@ -4715,8 +8530,8 @@
         </p:blipFill>
         <p:spPr bwMode="auto">
           <a:xfrm>
-            <a:off x="5426466" y="381000"/>
-            <a:ext cx="1143000" cy="1219200"/>
+            <a:off x="5426465" y="630936"/>
+            <a:ext cx="1750805" cy="1867525"/>
           </a:xfrm>
           <a:prstGeom prst="rect">
             <a:avLst/>
@@ -4751,13 +8566,1453 @@
   <p:clrMapOvr>
     <a:masterClrMapping/>
   </p:clrMapOvr>
-  <p:timing>
-    <p:tnLst>
-      <p:par>
-        <p:cTn id="1" dur="indefinite" restart="never" nodeType="tmRoot"/>
-      </p:par>
-    </p:tnLst>
-  </p:timing>
+</p:sld>
+</file>
+
+<file path=ppt/slides/slide10.xml><?xml version="1.0" encoding="utf-8"?>
+<p:sld xmlns:a="http://schemas.openxmlformats.org/drawingml/2006/main" xmlns:r="http://schemas.openxmlformats.org/officeDocument/2006/relationships" xmlns:p="http://schemas.openxmlformats.org/presentationml/2006/main">
+  <p:cSld>
+    <p:spTree>
+      <p:nvGrpSpPr>
+        <p:cNvPr id="1" name=""/>
+        <p:cNvGrpSpPr/>
+        <p:nvPr/>
+      </p:nvGrpSpPr>
+      <p:grpSpPr>
+        <a:xfrm>
+          <a:off x="0" y="0"/>
+          <a:ext cx="0" cy="0"/>
+          <a:chOff x="0" y="0"/>
+          <a:chExt cx="0" cy="0"/>
+        </a:xfrm>
+      </p:grpSpPr>
+      <p:sp>
+        <p:nvSpPr>
+          <p:cNvPr id="2" name="Title 1"/>
+          <p:cNvSpPr>
+            <a:spLocks noGrp="1"/>
+          </p:cNvSpPr>
+          <p:nvPr>
+            <p:ph type="title"/>
+          </p:nvPr>
+        </p:nvSpPr>
+        <p:spPr/>
+        <p:txBody>
+          <a:bodyPr/>
+          <a:lstStyle/>
+          <a:p>
+            <a:r>
+              <a:rPr lang="en-US" dirty="0"/>
+              <a:t>2. Initializing GIT Repository</a:t>
+            </a:r>
+          </a:p>
+        </p:txBody>
+      </p:sp>
+      <p:sp>
+        <p:nvSpPr>
+          <p:cNvPr id="3" name="Content Placeholder 2"/>
+          <p:cNvSpPr>
+            <a:spLocks noGrp="1"/>
+          </p:cNvSpPr>
+          <p:nvPr>
+            <p:ph idx="1"/>
+          </p:nvPr>
+        </p:nvSpPr>
+        <p:spPr/>
+        <p:txBody>
+          <a:bodyPr/>
+          <a:lstStyle/>
+          <a:p>
+            <a:r>
+              <a:rPr lang="en-US" dirty="0"/>
+              <a:t>Create a new directory for your new project.</a:t>
+            </a:r>
+          </a:p>
+          <a:p>
+            <a:endParaRPr lang="en-US" dirty="0"/>
+          </a:p>
+          <a:p>
+            <a:r>
+              <a:rPr lang="en-US" dirty="0"/>
+              <a:t>Initialize a new GIT repository using the following command</a:t>
+            </a:r>
+          </a:p>
+          <a:p>
+            <a:pPr marL="0" indent="0">
+              <a:buNone/>
+            </a:pPr>
+            <a:r>
+              <a:rPr lang="en-US" dirty="0"/>
+              <a:t>	$ git </a:t>
+            </a:r>
+            <a:r>
+              <a:rPr lang="en-US" dirty="0" err="1"/>
+              <a:t>init</a:t>
+            </a:r>
+            <a:endParaRPr lang="en-US" dirty="0"/>
+          </a:p>
+          <a:p>
+            <a:pPr marL="0" indent="0">
+              <a:buNone/>
+            </a:pPr>
+            <a:endParaRPr lang="en-US" dirty="0"/>
+          </a:p>
+          <a:p>
+            <a:pPr>
+              <a:buFont typeface="Arial" charset="0"/>
+              <a:buChar char="•"/>
+            </a:pPr>
+            <a:r>
+              <a:rPr lang="en-US" dirty="0"/>
+              <a:t>Check for the status of the initialized GIT repository using the following command.</a:t>
+            </a:r>
+          </a:p>
+          <a:p>
+            <a:pPr marL="822960" lvl="3" indent="0">
+              <a:buNone/>
+            </a:pPr>
+            <a:r>
+              <a:rPr lang="en-US" sz="2400" dirty="0"/>
+              <a:t>$git status</a:t>
+            </a:r>
+          </a:p>
+          <a:p>
+            <a:pPr lvl="1">
+              <a:buFont typeface="Arial" charset="0"/>
+              <a:buChar char="•"/>
+            </a:pPr>
+            <a:endParaRPr lang="en-US" dirty="0"/>
+          </a:p>
+        </p:txBody>
+      </p:sp>
+    </p:spTree>
+  </p:cSld>
+  <p:clrMapOvr>
+    <a:masterClrMapping/>
+  </p:clrMapOvr>
+</p:sld>
+</file>
+
+<file path=ppt/slides/slide11.xml><?xml version="1.0" encoding="utf-8"?>
+<p:sld xmlns:a="http://schemas.openxmlformats.org/drawingml/2006/main" xmlns:r="http://schemas.openxmlformats.org/officeDocument/2006/relationships" xmlns:p="http://schemas.openxmlformats.org/presentationml/2006/main">
+  <p:cSld>
+    <p:spTree>
+      <p:nvGrpSpPr>
+        <p:cNvPr id="1" name=""/>
+        <p:cNvGrpSpPr/>
+        <p:nvPr/>
+      </p:nvGrpSpPr>
+      <p:grpSpPr>
+        <a:xfrm>
+          <a:off x="0" y="0"/>
+          <a:ext cx="0" cy="0"/>
+          <a:chOff x="0" y="0"/>
+          <a:chExt cx="0" cy="0"/>
+        </a:xfrm>
+      </p:grpSpPr>
+      <p:sp>
+        <p:nvSpPr>
+          <p:cNvPr id="2" name="Title 1"/>
+          <p:cNvSpPr>
+            <a:spLocks noGrp="1"/>
+          </p:cNvSpPr>
+          <p:nvPr>
+            <p:ph type="title"/>
+          </p:nvPr>
+        </p:nvSpPr>
+        <p:spPr/>
+        <p:txBody>
+          <a:bodyPr/>
+          <a:lstStyle/>
+          <a:p>
+            <a:r>
+              <a:rPr lang="en-US" dirty="0"/>
+              <a:t>3. Saving changes  </a:t>
+            </a:r>
+          </a:p>
+        </p:txBody>
+      </p:sp>
+      <p:sp>
+        <p:nvSpPr>
+          <p:cNvPr id="3" name="Content Placeholder 2"/>
+          <p:cNvSpPr>
+            <a:spLocks noGrp="1"/>
+          </p:cNvSpPr>
+          <p:nvPr>
+            <p:ph idx="1"/>
+          </p:nvPr>
+        </p:nvSpPr>
+        <p:spPr/>
+        <p:txBody>
+          <a:bodyPr/>
+          <a:lstStyle/>
+          <a:p>
+            <a:r>
+              <a:rPr lang="en-US" dirty="0"/>
+              <a:t>Create a sample file for your project “</a:t>
+            </a:r>
+            <a:r>
+              <a:rPr lang="en-US" dirty="0" err="1"/>
+              <a:t>index.html</a:t>
+            </a:r>
+            <a:r>
+              <a:rPr lang="en-US" dirty="0"/>
+              <a:t>” using your favorite text editor.</a:t>
+            </a:r>
+          </a:p>
+          <a:p>
+            <a:pPr marL="0" indent="0">
+              <a:buNone/>
+            </a:pPr>
+            <a:endParaRPr lang="en-US" dirty="0"/>
+          </a:p>
+          <a:p>
+            <a:r>
+              <a:rPr lang="en-US" dirty="0"/>
+              <a:t>Add the newly created file to your repository ‘s staging area using the following command.</a:t>
+            </a:r>
+          </a:p>
+          <a:p>
+            <a:pPr marL="0" indent="0">
+              <a:buNone/>
+            </a:pPr>
+            <a:r>
+              <a:rPr lang="en-US" dirty="0"/>
+              <a:t>	$git add </a:t>
+            </a:r>
+            <a:r>
+              <a:rPr lang="en-US" dirty="0" err="1"/>
+              <a:t>index.html</a:t>
+            </a:r>
+            <a:endParaRPr lang="en-US" dirty="0"/>
+          </a:p>
+          <a:p>
+            <a:pPr marL="0" indent="0">
+              <a:buNone/>
+            </a:pPr>
+            <a:endParaRPr lang="en-US" dirty="0"/>
+          </a:p>
+          <a:p>
+            <a:pPr>
+              <a:buFont typeface="Arial" charset="0"/>
+              <a:buChar char="•"/>
+            </a:pPr>
+            <a:r>
+              <a:rPr lang="en-US" dirty="0"/>
+              <a:t>Commit the changes you made using the following command</a:t>
+            </a:r>
+          </a:p>
+          <a:p>
+            <a:pPr marL="822960" lvl="3" indent="0">
+              <a:buNone/>
+            </a:pPr>
+            <a:r>
+              <a:rPr lang="en-US" sz="2400" dirty="0"/>
+              <a:t>$git commit –m “My First Commit”</a:t>
+            </a:r>
+          </a:p>
+          <a:p>
+            <a:pPr lvl="1">
+              <a:buFont typeface="Arial" charset="0"/>
+              <a:buChar char="•"/>
+            </a:pPr>
+            <a:endParaRPr lang="en-US" dirty="0"/>
+          </a:p>
+        </p:txBody>
+      </p:sp>
+    </p:spTree>
+  </p:cSld>
+  <p:clrMapOvr>
+    <a:masterClrMapping/>
+  </p:clrMapOvr>
+</p:sld>
+</file>
+
+<file path=ppt/slides/slide12.xml><?xml version="1.0" encoding="utf-8"?>
+<p:sld xmlns:a="http://schemas.openxmlformats.org/drawingml/2006/main" xmlns:r="http://schemas.openxmlformats.org/officeDocument/2006/relationships" xmlns:p="http://schemas.openxmlformats.org/presentationml/2006/main">
+  <p:cSld>
+    <p:spTree>
+      <p:nvGrpSpPr>
+        <p:cNvPr id="1" name=""/>
+        <p:cNvGrpSpPr/>
+        <p:nvPr/>
+      </p:nvGrpSpPr>
+      <p:grpSpPr>
+        <a:xfrm>
+          <a:off x="0" y="0"/>
+          <a:ext cx="0" cy="0"/>
+          <a:chOff x="0" y="0"/>
+          <a:chExt cx="0" cy="0"/>
+        </a:xfrm>
+      </p:grpSpPr>
+      <p:sp>
+        <p:nvSpPr>
+          <p:cNvPr id="2" name="Title 1"/>
+          <p:cNvSpPr>
+            <a:spLocks noGrp="1"/>
+          </p:cNvSpPr>
+          <p:nvPr>
+            <p:ph type="title"/>
+          </p:nvPr>
+        </p:nvSpPr>
+        <p:spPr>
+          <a:xfrm>
+            <a:off x="1200150" y="536218"/>
+            <a:ext cx="9894570" cy="1836896"/>
+          </a:xfrm>
+        </p:spPr>
+        <p:txBody>
+          <a:bodyPr>
+            <a:normAutofit fontScale="90000"/>
+          </a:bodyPr>
+          <a:lstStyle/>
+          <a:p>
+            <a:pPr lvl="0"/>
+            <a:r>
+              <a:rPr lang="en-US" dirty="0"/>
+              <a:t>4. Sending saved changes to a remote repository</a:t>
+            </a:r>
+            <a:br>
+              <a:rPr lang="en-US" dirty="0"/>
+            </a:br>
+            <a:endParaRPr lang="en-US" dirty="0"/>
+          </a:p>
+        </p:txBody>
+      </p:sp>
+      <p:sp>
+        <p:nvSpPr>
+          <p:cNvPr id="3" name="Content Placeholder 2"/>
+          <p:cNvSpPr>
+            <a:spLocks noGrp="1"/>
+          </p:cNvSpPr>
+          <p:nvPr>
+            <p:ph idx="1"/>
+          </p:nvPr>
+        </p:nvSpPr>
+        <p:spPr/>
+        <p:txBody>
+          <a:bodyPr>
+            <a:normAutofit/>
+          </a:bodyPr>
+          <a:lstStyle/>
+          <a:p>
+            <a:r>
+              <a:rPr lang="en-US" dirty="0"/>
+              <a:t>We can setup a remote GIT server to receive all the changes we’ve committed so far.</a:t>
+            </a:r>
+          </a:p>
+          <a:p>
+            <a:endParaRPr lang="en-US" dirty="0"/>
+          </a:p>
+          <a:p>
+            <a:r>
+              <a:rPr lang="en-US" dirty="0"/>
+              <a:t>For this training we can use a free cloud service (</a:t>
+            </a:r>
+            <a:r>
+              <a:rPr lang="en-US" dirty="0" err="1"/>
+              <a:t>Github</a:t>
+            </a:r>
+            <a:r>
+              <a:rPr lang="en-US" dirty="0"/>
+              <a:t>) to act as our remote GIT server.</a:t>
+            </a:r>
+          </a:p>
+          <a:p>
+            <a:endParaRPr lang="en-US" dirty="0"/>
+          </a:p>
+          <a:p>
+            <a:r>
+              <a:rPr lang="en-US" dirty="0"/>
+              <a:t>There are various self hosted services that exist out there e.g. GOGS, GITLAB.</a:t>
+            </a:r>
+          </a:p>
+          <a:p>
+            <a:endParaRPr lang="en-US" dirty="0"/>
+          </a:p>
+          <a:p>
+            <a:endParaRPr lang="en-US" dirty="0"/>
+          </a:p>
+          <a:p>
+            <a:pPr marL="274320" lvl="1" indent="0">
+              <a:buNone/>
+            </a:pPr>
+            <a:endParaRPr lang="en-US" dirty="0"/>
+          </a:p>
+        </p:txBody>
+      </p:sp>
+      <p:pic>
+        <p:nvPicPr>
+          <p:cNvPr id="5" name="Picture 4"/>
+          <p:cNvPicPr>
+            <a:picLocks noChangeAspect="1"/>
+          </p:cNvPicPr>
+          <p:nvPr/>
+        </p:nvPicPr>
+        <p:blipFill>
+          <a:blip r:embed="rId2">
+            <a:extLst>
+              <a:ext uri="{28A0092B-C50C-407E-A947-70E740481C1C}">
+                <a14:useLocalDpi xmlns:a14="http://schemas.microsoft.com/office/drawing/2010/main" val="0"/>
+              </a:ext>
+            </a:extLst>
+          </a:blip>
+          <a:stretch>
+            <a:fillRect/>
+          </a:stretch>
+        </p:blipFill>
+        <p:spPr>
+          <a:xfrm>
+            <a:off x="1036320" y="4484886"/>
+            <a:ext cx="2971800" cy="1702247"/>
+          </a:xfrm>
+          <a:prstGeom prst="rect">
+            <a:avLst/>
+          </a:prstGeom>
+        </p:spPr>
+      </p:pic>
+      <p:pic>
+        <p:nvPicPr>
+          <p:cNvPr id="7" name="Picture 6"/>
+          <p:cNvPicPr>
+            <a:picLocks noChangeAspect="1"/>
+          </p:cNvPicPr>
+          <p:nvPr/>
+        </p:nvPicPr>
+        <p:blipFill>
+          <a:blip r:embed="rId3" cstate="print">
+            <a:extLst>
+              <a:ext uri="{28A0092B-C50C-407E-A947-70E740481C1C}">
+                <a14:useLocalDpi xmlns:a14="http://schemas.microsoft.com/office/drawing/2010/main" val="0"/>
+              </a:ext>
+            </a:extLst>
+          </a:blip>
+          <a:stretch>
+            <a:fillRect/>
+          </a:stretch>
+        </p:blipFill>
+        <p:spPr>
+          <a:xfrm>
+            <a:off x="4532107" y="4824167"/>
+            <a:ext cx="3415553" cy="1214261"/>
+          </a:xfrm>
+          <a:prstGeom prst="rect">
+            <a:avLst/>
+          </a:prstGeom>
+        </p:spPr>
+      </p:pic>
+      <p:pic>
+        <p:nvPicPr>
+          <p:cNvPr id="9" name="Picture 8"/>
+          <p:cNvPicPr>
+            <a:picLocks noChangeAspect="1"/>
+          </p:cNvPicPr>
+          <p:nvPr/>
+        </p:nvPicPr>
+        <p:blipFill>
+          <a:blip r:embed="rId4" cstate="print">
+            <a:extLst>
+              <a:ext uri="{28A0092B-C50C-407E-A947-70E740481C1C}">
+                <a14:useLocalDpi xmlns:a14="http://schemas.microsoft.com/office/drawing/2010/main" val="0"/>
+              </a:ext>
+            </a:extLst>
+          </a:blip>
+          <a:stretch>
+            <a:fillRect/>
+          </a:stretch>
+        </p:blipFill>
+        <p:spPr>
+          <a:xfrm>
+            <a:off x="8446770" y="4350237"/>
+            <a:ext cx="2209800" cy="1836896"/>
+          </a:xfrm>
+          <a:prstGeom prst="rect">
+            <a:avLst/>
+          </a:prstGeom>
+        </p:spPr>
+      </p:pic>
+    </p:spTree>
+  </p:cSld>
+  <p:clrMapOvr>
+    <a:masterClrMapping/>
+  </p:clrMapOvr>
+</p:sld>
+</file>
+
+<file path=ppt/slides/slide13.xml><?xml version="1.0" encoding="utf-8"?>
+<p:sld xmlns:a="http://schemas.openxmlformats.org/drawingml/2006/main" xmlns:r="http://schemas.openxmlformats.org/officeDocument/2006/relationships" xmlns:p="http://schemas.openxmlformats.org/presentationml/2006/main">
+  <p:cSld>
+    <p:spTree>
+      <p:nvGrpSpPr>
+        <p:cNvPr id="1" name=""/>
+        <p:cNvGrpSpPr/>
+        <p:nvPr/>
+      </p:nvGrpSpPr>
+      <p:grpSpPr>
+        <a:xfrm>
+          <a:off x="0" y="0"/>
+          <a:ext cx="0" cy="0"/>
+          <a:chOff x="0" y="0"/>
+          <a:chExt cx="0" cy="0"/>
+        </a:xfrm>
+      </p:grpSpPr>
+      <p:sp>
+        <p:nvSpPr>
+          <p:cNvPr id="2" name="Title 1"/>
+          <p:cNvSpPr>
+            <a:spLocks noGrp="1"/>
+          </p:cNvSpPr>
+          <p:nvPr>
+            <p:ph type="title"/>
+          </p:nvPr>
+        </p:nvSpPr>
+        <p:spPr>
+          <a:xfrm>
+            <a:off x="1097280" y="1350434"/>
+            <a:ext cx="8229600" cy="990600"/>
+          </a:xfrm>
+        </p:spPr>
+        <p:txBody>
+          <a:bodyPr>
+            <a:normAutofit fontScale="90000"/>
+          </a:bodyPr>
+          <a:lstStyle/>
+          <a:p>
+            <a:pPr lvl="0"/>
+            <a:r>
+              <a:rPr lang="en-US" dirty="0"/>
+              <a:t>4. Sending saved changes to a remote repository</a:t>
+            </a:r>
+            <a:br>
+              <a:rPr lang="en-US" dirty="0"/>
+            </a:br>
+            <a:endParaRPr lang="en-US" dirty="0"/>
+          </a:p>
+        </p:txBody>
+      </p:sp>
+      <p:sp>
+        <p:nvSpPr>
+          <p:cNvPr id="3" name="Content Placeholder 2"/>
+          <p:cNvSpPr>
+            <a:spLocks noGrp="1"/>
+          </p:cNvSpPr>
+          <p:nvPr>
+            <p:ph idx="1"/>
+          </p:nvPr>
+        </p:nvSpPr>
+        <p:spPr/>
+        <p:txBody>
+          <a:bodyPr>
+            <a:normAutofit/>
+          </a:bodyPr>
+          <a:lstStyle/>
+          <a:p>
+            <a:r>
+              <a:rPr lang="en-US" dirty="0"/>
+              <a:t>In order to create, view, and delete connections to other repositories we shall use the </a:t>
+            </a:r>
+            <a:r>
+              <a:rPr lang="en-US" b="1" dirty="0"/>
+              <a:t>git remote command </a:t>
+            </a:r>
+          </a:p>
+          <a:p>
+            <a:pPr marL="0" indent="0">
+              <a:buNone/>
+            </a:pPr>
+            <a:endParaRPr lang="en-US" dirty="0"/>
+          </a:p>
+          <a:p>
+            <a:r>
+              <a:rPr lang="en-US" dirty="0"/>
+              <a:t>GIT can use the following protocols for data transfer:</a:t>
+            </a:r>
+          </a:p>
+          <a:p>
+            <a:pPr marL="731520" lvl="1" indent="-457200">
+              <a:lnSpc>
+                <a:spcPct val="150000"/>
+              </a:lnSpc>
+              <a:buFont typeface="+mj-lt"/>
+              <a:buAutoNum type="arabicPeriod"/>
+            </a:pPr>
+            <a:r>
+              <a:rPr lang="en-US" sz="2400" dirty="0"/>
+              <a:t>Local Protocol</a:t>
+            </a:r>
+          </a:p>
+          <a:p>
+            <a:pPr marL="731520" lvl="1" indent="-457200">
+              <a:lnSpc>
+                <a:spcPct val="150000"/>
+              </a:lnSpc>
+              <a:buFont typeface="+mj-lt"/>
+              <a:buAutoNum type="arabicPeriod"/>
+            </a:pPr>
+            <a:r>
+              <a:rPr lang="en-US" sz="2400" dirty="0"/>
+              <a:t>HTTP Protocol</a:t>
+            </a:r>
+          </a:p>
+          <a:p>
+            <a:pPr marL="731520" lvl="1" indent="-457200">
+              <a:lnSpc>
+                <a:spcPct val="150000"/>
+              </a:lnSpc>
+              <a:buFont typeface="+mj-lt"/>
+              <a:buAutoNum type="arabicPeriod"/>
+            </a:pPr>
+            <a:r>
+              <a:rPr lang="en-US" sz="2400" dirty="0"/>
+              <a:t>SSH Protocol</a:t>
+            </a:r>
+          </a:p>
+          <a:p>
+            <a:endParaRPr lang="en-US" dirty="0"/>
+          </a:p>
+        </p:txBody>
+      </p:sp>
+    </p:spTree>
+  </p:cSld>
+  <p:clrMapOvr>
+    <a:masterClrMapping/>
+  </p:clrMapOvr>
+</p:sld>
+</file>
+
+<file path=ppt/slides/slide14.xml><?xml version="1.0" encoding="utf-8"?>
+<p:sld xmlns:a="http://schemas.openxmlformats.org/drawingml/2006/main" xmlns:r="http://schemas.openxmlformats.org/officeDocument/2006/relationships" xmlns:p="http://schemas.openxmlformats.org/presentationml/2006/main">
+  <p:cSld>
+    <p:spTree>
+      <p:nvGrpSpPr>
+        <p:cNvPr id="1" name=""/>
+        <p:cNvGrpSpPr/>
+        <p:nvPr/>
+      </p:nvGrpSpPr>
+      <p:grpSpPr>
+        <a:xfrm>
+          <a:off x="0" y="0"/>
+          <a:ext cx="0" cy="0"/>
+          <a:chOff x="0" y="0"/>
+          <a:chExt cx="0" cy="0"/>
+        </a:xfrm>
+      </p:grpSpPr>
+      <p:sp>
+        <p:nvSpPr>
+          <p:cNvPr id="2" name="Title 1"/>
+          <p:cNvSpPr>
+            <a:spLocks noGrp="1"/>
+          </p:cNvSpPr>
+          <p:nvPr>
+            <p:ph type="title"/>
+          </p:nvPr>
+        </p:nvSpPr>
+        <p:spPr>
+          <a:xfrm>
+            <a:off x="1981200" y="685800"/>
+            <a:ext cx="8229600" cy="990600"/>
+          </a:xfrm>
+        </p:spPr>
+        <p:txBody>
+          <a:bodyPr>
+            <a:normAutofit fontScale="90000"/>
+          </a:bodyPr>
+          <a:lstStyle/>
+          <a:p>
+            <a:pPr lvl="0"/>
+            <a:r>
+              <a:rPr lang="en-US" dirty="0"/>
+              <a:t>4. Sending saved changes to a remote repository</a:t>
+            </a:r>
+            <a:br>
+              <a:rPr lang="en-US" dirty="0"/>
+            </a:br>
+            <a:endParaRPr lang="en-US" dirty="0"/>
+          </a:p>
+        </p:txBody>
+      </p:sp>
+      <p:sp>
+        <p:nvSpPr>
+          <p:cNvPr id="3" name="Content Placeholder 2"/>
+          <p:cNvSpPr>
+            <a:spLocks noGrp="1"/>
+          </p:cNvSpPr>
+          <p:nvPr>
+            <p:ph idx="1"/>
+          </p:nvPr>
+        </p:nvSpPr>
+        <p:spPr/>
+        <p:txBody>
+          <a:bodyPr>
+            <a:normAutofit/>
+          </a:bodyPr>
+          <a:lstStyle/>
+          <a:p>
+            <a:r>
+              <a:rPr lang="en-US" dirty="0"/>
+              <a:t>For this case we shall use SSH because:</a:t>
+            </a:r>
+          </a:p>
+          <a:p>
+            <a:pPr marL="788670" lvl="1" indent="-514350">
+              <a:lnSpc>
+                <a:spcPct val="150000"/>
+              </a:lnSpc>
+              <a:buFont typeface="+mj-lt"/>
+              <a:buAutoNum type="romanLcPeriod"/>
+            </a:pPr>
+            <a:r>
+              <a:rPr lang="en-US" dirty="0"/>
+              <a:t>SSH is relatively easy to set up</a:t>
+            </a:r>
+          </a:p>
+          <a:p>
+            <a:pPr marL="788670" lvl="1" indent="-514350">
+              <a:lnSpc>
+                <a:spcPct val="150000"/>
+              </a:lnSpc>
+              <a:buFont typeface="+mj-lt"/>
+              <a:buAutoNum type="romanLcPeriod"/>
+            </a:pPr>
+            <a:r>
+              <a:rPr lang="en-US" dirty="0"/>
+              <a:t>Access over SSH is secure -  all data transfer is encrypted and authenticated</a:t>
+            </a:r>
+          </a:p>
+          <a:p>
+            <a:pPr marL="788670" lvl="1" indent="-514350">
+              <a:lnSpc>
+                <a:spcPct val="150000"/>
+              </a:lnSpc>
+              <a:buFont typeface="+mj-lt"/>
+              <a:buAutoNum type="romanLcPeriod"/>
+            </a:pPr>
+            <a:r>
+              <a:rPr lang="en-US" dirty="0"/>
+              <a:t>SSH is efficient, making the data as compact as possible before transferring it.</a:t>
+            </a:r>
+          </a:p>
+          <a:p>
+            <a:endParaRPr lang="en-US" dirty="0"/>
+          </a:p>
+        </p:txBody>
+      </p:sp>
+    </p:spTree>
+  </p:cSld>
+  <p:clrMapOvr>
+    <a:masterClrMapping/>
+  </p:clrMapOvr>
+</p:sld>
+</file>
+
+<file path=ppt/slides/slide15.xml><?xml version="1.0" encoding="utf-8"?>
+<p:sld xmlns:a="http://schemas.openxmlformats.org/drawingml/2006/main" xmlns:r="http://schemas.openxmlformats.org/officeDocument/2006/relationships" xmlns:p="http://schemas.openxmlformats.org/presentationml/2006/main">
+  <p:cSld>
+    <p:spTree>
+      <p:nvGrpSpPr>
+        <p:cNvPr id="1" name=""/>
+        <p:cNvGrpSpPr/>
+        <p:nvPr/>
+      </p:nvGrpSpPr>
+      <p:grpSpPr>
+        <a:xfrm>
+          <a:off x="0" y="0"/>
+          <a:ext cx="0" cy="0"/>
+          <a:chOff x="0" y="0"/>
+          <a:chExt cx="0" cy="0"/>
+        </a:xfrm>
+      </p:grpSpPr>
+      <p:sp>
+        <p:nvSpPr>
+          <p:cNvPr id="2" name="Title 1"/>
+          <p:cNvSpPr>
+            <a:spLocks noGrp="1"/>
+          </p:cNvSpPr>
+          <p:nvPr>
+            <p:ph type="title"/>
+          </p:nvPr>
+        </p:nvSpPr>
+        <p:spPr>
+          <a:xfrm>
+            <a:off x="1981200" y="685800"/>
+            <a:ext cx="8229600" cy="990600"/>
+          </a:xfrm>
+        </p:spPr>
+        <p:txBody>
+          <a:bodyPr>
+            <a:normAutofit fontScale="90000"/>
+          </a:bodyPr>
+          <a:lstStyle/>
+          <a:p>
+            <a:pPr lvl="0"/>
+            <a:r>
+              <a:rPr lang="en-US" dirty="0"/>
+              <a:t>4. Sending saved changes to a remote repository</a:t>
+            </a:r>
+            <a:br>
+              <a:rPr lang="en-US" dirty="0"/>
+            </a:br>
+            <a:endParaRPr lang="en-US" dirty="0"/>
+          </a:p>
+        </p:txBody>
+      </p:sp>
+      <p:sp>
+        <p:nvSpPr>
+          <p:cNvPr id="3" name="Content Placeholder 2"/>
+          <p:cNvSpPr>
+            <a:spLocks noGrp="1"/>
+          </p:cNvSpPr>
+          <p:nvPr>
+            <p:ph idx="1"/>
+          </p:nvPr>
+        </p:nvSpPr>
+        <p:spPr/>
+        <p:txBody>
+          <a:bodyPr>
+            <a:normAutofit/>
+          </a:bodyPr>
+          <a:lstStyle/>
+          <a:p>
+            <a:pPr marL="0" indent="0">
+              <a:buNone/>
+            </a:pPr>
+            <a:endParaRPr lang="en-US" dirty="0"/>
+          </a:p>
+          <a:p>
+            <a:pPr algn="just"/>
+            <a:r>
+              <a:rPr lang="en-US" dirty="0"/>
+              <a:t>In order to use SSH you need to setup your </a:t>
+            </a:r>
+            <a:r>
+              <a:rPr lang="en-US" dirty="0" err="1"/>
+              <a:t>ssh</a:t>
+            </a:r>
+            <a:r>
+              <a:rPr lang="en-US" dirty="0"/>
+              <a:t> keys which can be achieved by </a:t>
+            </a:r>
+            <a:r>
+              <a:rPr lang="en-US" dirty="0" err="1"/>
+              <a:t>runnning</a:t>
+            </a:r>
+            <a:r>
+              <a:rPr lang="en-US" dirty="0"/>
+              <a:t> the following command</a:t>
+            </a:r>
+          </a:p>
+          <a:p>
+            <a:pPr marL="0" indent="0">
+              <a:buNone/>
+            </a:pPr>
+            <a:r>
+              <a:rPr lang="en-US" b="1" dirty="0"/>
+              <a:t>	$ </a:t>
+            </a:r>
+            <a:r>
+              <a:rPr lang="en-US" b="1" dirty="0" err="1"/>
+              <a:t>ssh</a:t>
+            </a:r>
+            <a:r>
+              <a:rPr lang="en-US" b="1" dirty="0"/>
+              <a:t>-keygen -t </a:t>
+            </a:r>
+            <a:r>
+              <a:rPr lang="en-US" b="1" dirty="0" err="1"/>
+              <a:t>rsa</a:t>
+            </a:r>
+            <a:r>
+              <a:rPr lang="en-US" b="1" dirty="0"/>
+              <a:t> -b 4096 -C “your_email@example.com”</a:t>
+            </a:r>
+          </a:p>
+          <a:p>
+            <a:pPr marL="0" indent="0">
+              <a:buNone/>
+            </a:pPr>
+            <a:endParaRPr lang="en-US" sz="1800" dirty="0"/>
+          </a:p>
+          <a:p>
+            <a:r>
+              <a:rPr lang="en-US" dirty="0"/>
+              <a:t>Save the key to the prompted default path.</a:t>
+            </a:r>
+          </a:p>
+          <a:p>
+            <a:endParaRPr lang="en-US" dirty="0"/>
+          </a:p>
+        </p:txBody>
+      </p:sp>
+    </p:spTree>
+  </p:cSld>
+  <p:clrMapOvr>
+    <a:masterClrMapping/>
+  </p:clrMapOvr>
+</p:sld>
+</file>
+
+<file path=ppt/slides/slide16.xml><?xml version="1.0" encoding="utf-8"?>
+<p:sld xmlns:a="http://schemas.openxmlformats.org/drawingml/2006/main" xmlns:r="http://schemas.openxmlformats.org/officeDocument/2006/relationships" xmlns:p="http://schemas.openxmlformats.org/presentationml/2006/main">
+  <p:cSld>
+    <p:spTree>
+      <p:nvGrpSpPr>
+        <p:cNvPr id="1" name=""/>
+        <p:cNvGrpSpPr/>
+        <p:nvPr/>
+      </p:nvGrpSpPr>
+      <p:grpSpPr>
+        <a:xfrm>
+          <a:off x="0" y="0"/>
+          <a:ext cx="0" cy="0"/>
+          <a:chOff x="0" y="0"/>
+          <a:chExt cx="0" cy="0"/>
+        </a:xfrm>
+      </p:grpSpPr>
+      <p:sp>
+        <p:nvSpPr>
+          <p:cNvPr id="2" name="Title 1"/>
+          <p:cNvSpPr>
+            <a:spLocks noGrp="1"/>
+          </p:cNvSpPr>
+          <p:nvPr>
+            <p:ph type="title"/>
+          </p:nvPr>
+        </p:nvSpPr>
+        <p:spPr>
+          <a:xfrm>
+            <a:off x="1324130" y="1350434"/>
+            <a:ext cx="9831549" cy="990600"/>
+          </a:xfrm>
+        </p:spPr>
+        <p:txBody>
+          <a:bodyPr>
+            <a:normAutofit fontScale="90000"/>
+          </a:bodyPr>
+          <a:lstStyle/>
+          <a:p>
+            <a:pPr lvl="0"/>
+            <a:r>
+              <a:rPr lang="en-US" dirty="0"/>
+              <a:t>4. Sending saved changes to a remote repository</a:t>
+            </a:r>
+            <a:br>
+              <a:rPr lang="en-US" dirty="0"/>
+            </a:br>
+            <a:endParaRPr lang="en-US" dirty="0"/>
+          </a:p>
+        </p:txBody>
+      </p:sp>
+      <p:sp>
+        <p:nvSpPr>
+          <p:cNvPr id="3" name="Content Placeholder 2"/>
+          <p:cNvSpPr>
+            <a:spLocks noGrp="1"/>
+          </p:cNvSpPr>
+          <p:nvPr>
+            <p:ph idx="1"/>
+          </p:nvPr>
+        </p:nvSpPr>
+        <p:spPr/>
+        <p:txBody>
+          <a:bodyPr>
+            <a:normAutofit/>
+          </a:bodyPr>
+          <a:lstStyle/>
+          <a:p>
+            <a:r>
+              <a:rPr lang="en-US" dirty="0"/>
+              <a:t>Open the contents of the id_rsa.pub (Your Public Key) add them to your free </a:t>
+            </a:r>
+            <a:r>
+              <a:rPr lang="en-US" dirty="0" err="1"/>
+              <a:t>Github</a:t>
+            </a:r>
+            <a:r>
+              <a:rPr lang="en-US" dirty="0"/>
+              <a:t> account.</a:t>
+            </a:r>
+          </a:p>
+        </p:txBody>
+      </p:sp>
+      <p:pic>
+        <p:nvPicPr>
+          <p:cNvPr id="4" name="Picture 3"/>
+          <p:cNvPicPr>
+            <a:picLocks noChangeAspect="1"/>
+          </p:cNvPicPr>
+          <p:nvPr/>
+        </p:nvPicPr>
+        <p:blipFill>
+          <a:blip r:embed="rId2"/>
+          <a:stretch>
+            <a:fillRect/>
+          </a:stretch>
+        </p:blipFill>
+        <p:spPr>
+          <a:xfrm>
+            <a:off x="2438401" y="2438400"/>
+            <a:ext cx="6001061" cy="3806198"/>
+          </a:xfrm>
+          <a:prstGeom prst="rect">
+            <a:avLst/>
+          </a:prstGeom>
+        </p:spPr>
+      </p:pic>
+    </p:spTree>
+  </p:cSld>
+  <p:clrMapOvr>
+    <a:masterClrMapping/>
+  </p:clrMapOvr>
+</p:sld>
+</file>
+
+<file path=ppt/slides/slide17.xml><?xml version="1.0" encoding="utf-8"?>
+<p:sld xmlns:a="http://schemas.openxmlformats.org/drawingml/2006/main" xmlns:r="http://schemas.openxmlformats.org/officeDocument/2006/relationships" xmlns:p="http://schemas.openxmlformats.org/presentationml/2006/main">
+  <p:cSld>
+    <p:spTree>
+      <p:nvGrpSpPr>
+        <p:cNvPr id="1" name=""/>
+        <p:cNvGrpSpPr/>
+        <p:nvPr/>
+      </p:nvGrpSpPr>
+      <p:grpSpPr>
+        <a:xfrm>
+          <a:off x="0" y="0"/>
+          <a:ext cx="0" cy="0"/>
+          <a:chOff x="0" y="0"/>
+          <a:chExt cx="0" cy="0"/>
+        </a:xfrm>
+      </p:grpSpPr>
+      <p:sp>
+        <p:nvSpPr>
+          <p:cNvPr id="2" name="Title 1"/>
+          <p:cNvSpPr>
+            <a:spLocks noGrp="1"/>
+          </p:cNvSpPr>
+          <p:nvPr>
+            <p:ph type="title"/>
+          </p:nvPr>
+        </p:nvSpPr>
+        <p:spPr>
+          <a:xfrm>
+            <a:off x="1291652" y="1350434"/>
+            <a:ext cx="9803068" cy="990600"/>
+          </a:xfrm>
+        </p:spPr>
+        <p:txBody>
+          <a:bodyPr>
+            <a:normAutofit fontScale="90000"/>
+          </a:bodyPr>
+          <a:lstStyle/>
+          <a:p>
+            <a:pPr lvl="0"/>
+            <a:r>
+              <a:rPr lang="en-US" dirty="0"/>
+              <a:t>4. Sending saved changes to a remote repository</a:t>
+            </a:r>
+            <a:br>
+              <a:rPr lang="en-US" dirty="0"/>
+            </a:br>
+            <a:endParaRPr lang="en-US" dirty="0"/>
+          </a:p>
+        </p:txBody>
+      </p:sp>
+      <p:sp>
+        <p:nvSpPr>
+          <p:cNvPr id="3" name="Content Placeholder 2"/>
+          <p:cNvSpPr>
+            <a:spLocks noGrp="1"/>
+          </p:cNvSpPr>
+          <p:nvPr>
+            <p:ph idx="1"/>
+          </p:nvPr>
+        </p:nvSpPr>
+        <p:spPr/>
+        <p:txBody>
+          <a:bodyPr>
+            <a:normAutofit/>
+          </a:bodyPr>
+          <a:lstStyle/>
+          <a:p>
+            <a:r>
+              <a:rPr lang="en-US" dirty="0"/>
+              <a:t>Create a new repository on your </a:t>
+            </a:r>
+            <a:r>
+              <a:rPr lang="en-US" dirty="0" err="1"/>
+              <a:t>Github</a:t>
+            </a:r>
+            <a:r>
+              <a:rPr lang="en-US" dirty="0"/>
+              <a:t> account</a:t>
+            </a:r>
+          </a:p>
+          <a:p>
+            <a:pPr marL="0" indent="0">
+              <a:buNone/>
+            </a:pPr>
+            <a:endParaRPr lang="en-US" dirty="0"/>
+          </a:p>
+          <a:p>
+            <a:endParaRPr lang="en-US" dirty="0"/>
+          </a:p>
+        </p:txBody>
+      </p:sp>
+      <p:pic>
+        <p:nvPicPr>
+          <p:cNvPr id="7" name="Picture 6"/>
+          <p:cNvPicPr>
+            <a:picLocks noChangeAspect="1"/>
+          </p:cNvPicPr>
+          <p:nvPr/>
+        </p:nvPicPr>
+        <p:blipFill rotWithShape="1">
+          <a:blip r:embed="rId2"/>
+          <a:srcRect t="16452"/>
+          <a:stretch>
+            <a:fillRect/>
+          </a:stretch>
+        </p:blipFill>
+        <p:spPr>
+          <a:xfrm>
+            <a:off x="1097280" y="2341034"/>
+            <a:ext cx="9144000" cy="3653118"/>
+          </a:xfrm>
+          <a:prstGeom prst="rect">
+            <a:avLst/>
+          </a:prstGeom>
+        </p:spPr>
+      </p:pic>
+    </p:spTree>
+  </p:cSld>
+  <p:clrMapOvr>
+    <a:masterClrMapping/>
+  </p:clrMapOvr>
+</p:sld>
+</file>
+
+<file path=ppt/slides/slide18.xml><?xml version="1.0" encoding="utf-8"?>
+<p:sld xmlns:a="http://schemas.openxmlformats.org/drawingml/2006/main" xmlns:r="http://schemas.openxmlformats.org/officeDocument/2006/relationships" xmlns:p="http://schemas.openxmlformats.org/presentationml/2006/main">
+  <p:cSld>
+    <p:spTree>
+      <p:nvGrpSpPr>
+        <p:cNvPr id="1" name=""/>
+        <p:cNvGrpSpPr/>
+        <p:nvPr/>
+      </p:nvGrpSpPr>
+      <p:grpSpPr>
+        <a:xfrm>
+          <a:off x="0" y="0"/>
+          <a:ext cx="0" cy="0"/>
+          <a:chOff x="0" y="0"/>
+          <a:chExt cx="0" cy="0"/>
+        </a:xfrm>
+      </p:grpSpPr>
+      <p:sp>
+        <p:nvSpPr>
+          <p:cNvPr id="2" name="Title 1"/>
+          <p:cNvSpPr>
+            <a:spLocks noGrp="1"/>
+          </p:cNvSpPr>
+          <p:nvPr>
+            <p:ph type="title"/>
+          </p:nvPr>
+        </p:nvSpPr>
+        <p:spPr>
+          <a:xfrm>
+            <a:off x="1097280" y="1350434"/>
+            <a:ext cx="8229600" cy="990600"/>
+          </a:xfrm>
+        </p:spPr>
+        <p:txBody>
+          <a:bodyPr>
+            <a:normAutofit fontScale="90000"/>
+          </a:bodyPr>
+          <a:lstStyle/>
+          <a:p>
+            <a:pPr lvl="0"/>
+            <a:r>
+              <a:rPr lang="en-US" dirty="0"/>
+              <a:t>4. Sending saved changes to a remote repository</a:t>
+            </a:r>
+            <a:br>
+              <a:rPr lang="en-US" dirty="0"/>
+            </a:br>
+            <a:endParaRPr lang="en-US" dirty="0"/>
+          </a:p>
+        </p:txBody>
+      </p:sp>
+      <p:sp>
+        <p:nvSpPr>
+          <p:cNvPr id="3" name="Content Placeholder 2"/>
+          <p:cNvSpPr>
+            <a:spLocks noGrp="1"/>
+          </p:cNvSpPr>
+          <p:nvPr>
+            <p:ph idx="1"/>
+          </p:nvPr>
+        </p:nvSpPr>
+        <p:spPr/>
+        <p:txBody>
+          <a:bodyPr>
+            <a:normAutofit/>
+          </a:bodyPr>
+          <a:lstStyle/>
+          <a:p>
+            <a:pPr marL="0" indent="0">
+              <a:buNone/>
+            </a:pPr>
+            <a:endParaRPr lang="en-US" dirty="0"/>
+          </a:p>
+          <a:p>
+            <a:pPr algn="just"/>
+            <a:r>
+              <a:rPr lang="en-US" dirty="0"/>
+              <a:t>On your terminal add the remote server  </a:t>
+            </a:r>
+          </a:p>
+          <a:p>
+            <a:pPr marL="0" indent="0">
+              <a:buNone/>
+            </a:pPr>
+            <a:r>
+              <a:rPr lang="en-US" sz="1600" b="1" dirty="0"/>
+              <a:t>	$ </a:t>
+            </a:r>
+            <a:r>
+              <a:rPr lang="en-US" b="1" dirty="0"/>
+              <a:t>git remote add origin </a:t>
+            </a:r>
+            <a:r>
+              <a:rPr lang="en-US" b="1" dirty="0" err="1"/>
+              <a:t>git@github.com:luna</a:t>
+            </a:r>
+            <a:r>
+              <a:rPr lang="en-US" b="1" dirty="0"/>
+              <a:t>/</a:t>
+            </a:r>
+            <a:r>
+              <a:rPr lang="en-US" b="1" dirty="0" err="1"/>
+              <a:t>TestRepo.git</a:t>
+            </a:r>
+            <a:endParaRPr lang="en-US" b="1" dirty="0"/>
+          </a:p>
+          <a:p>
+            <a:pPr marL="0" indent="0">
+              <a:buNone/>
+            </a:pPr>
+            <a:endParaRPr lang="en-US" b="1" dirty="0"/>
+          </a:p>
+          <a:p>
+            <a:r>
+              <a:rPr lang="en-US" dirty="0"/>
+              <a:t>Push the changes to the remote server</a:t>
+            </a:r>
+          </a:p>
+          <a:p>
+            <a:pPr marL="0" indent="0">
+              <a:buNone/>
+            </a:pPr>
+            <a:endParaRPr lang="en-US" b="1" dirty="0"/>
+          </a:p>
+          <a:p>
+            <a:pPr marL="0" indent="0">
+              <a:buNone/>
+            </a:pPr>
+            <a:r>
+              <a:rPr lang="en-US" b="1" dirty="0"/>
+              <a:t>	$ git push -u origin master</a:t>
+            </a:r>
+          </a:p>
+          <a:p>
+            <a:pPr marL="0" indent="0">
+              <a:buNone/>
+            </a:pPr>
+            <a:endParaRPr lang="en-US" b="1" dirty="0"/>
+          </a:p>
+          <a:p>
+            <a:r>
+              <a:rPr lang="en-US" dirty="0"/>
+              <a:t>Refresh your </a:t>
+            </a:r>
+            <a:r>
+              <a:rPr lang="en-US" dirty="0" err="1"/>
+              <a:t>Github</a:t>
+            </a:r>
+            <a:r>
+              <a:rPr lang="en-US" dirty="0"/>
+              <a:t> page to verify that the changes have been sent.</a:t>
+            </a:r>
+          </a:p>
+          <a:p>
+            <a:pPr marL="0" indent="0">
+              <a:buNone/>
+            </a:pPr>
+            <a:endParaRPr lang="en-US" b="1" dirty="0"/>
+          </a:p>
+        </p:txBody>
+      </p:sp>
+    </p:spTree>
+  </p:cSld>
+  <p:clrMapOvr>
+    <a:masterClrMapping/>
+  </p:clrMapOvr>
+</p:sld>
+</file>
+
+<file path=ppt/slides/slide19.xml><?xml version="1.0" encoding="utf-8"?>
+<p:sld xmlns:a="http://schemas.openxmlformats.org/drawingml/2006/main" xmlns:r="http://schemas.openxmlformats.org/officeDocument/2006/relationships" xmlns:p="http://schemas.openxmlformats.org/presentationml/2006/main">
+  <p:cSld>
+    <p:spTree>
+      <p:nvGrpSpPr>
+        <p:cNvPr id="1" name=""/>
+        <p:cNvGrpSpPr/>
+        <p:nvPr/>
+      </p:nvGrpSpPr>
+      <p:grpSpPr>
+        <a:xfrm>
+          <a:off x="0" y="0"/>
+          <a:ext cx="0" cy="0"/>
+          <a:chOff x="0" y="0"/>
+          <a:chExt cx="0" cy="0"/>
+        </a:xfrm>
+      </p:grpSpPr>
+      <p:sp>
+        <p:nvSpPr>
+          <p:cNvPr id="2" name="Title 1"/>
+          <p:cNvSpPr>
+            <a:spLocks noGrp="1"/>
+          </p:cNvSpPr>
+          <p:nvPr>
+            <p:ph type="title"/>
+          </p:nvPr>
+        </p:nvSpPr>
+        <p:spPr>
+          <a:xfrm>
+            <a:off x="1097280" y="1350434"/>
+            <a:ext cx="8229600" cy="990600"/>
+          </a:xfrm>
+        </p:spPr>
+        <p:txBody>
+          <a:bodyPr>
+            <a:normAutofit fontScale="90000"/>
+          </a:bodyPr>
+          <a:lstStyle/>
+          <a:p>
+            <a:pPr lvl="0"/>
+            <a:r>
+              <a:rPr lang="en-US" dirty="0"/>
+              <a:t>5. Fetching changes from remote repository</a:t>
+            </a:r>
+            <a:br>
+              <a:rPr lang="en-US" dirty="0"/>
+            </a:br>
+            <a:endParaRPr lang="en-US" dirty="0"/>
+          </a:p>
+        </p:txBody>
+      </p:sp>
+      <p:sp>
+        <p:nvSpPr>
+          <p:cNvPr id="3" name="Content Placeholder 2"/>
+          <p:cNvSpPr>
+            <a:spLocks noGrp="1"/>
+          </p:cNvSpPr>
+          <p:nvPr>
+            <p:ph idx="1"/>
+          </p:nvPr>
+        </p:nvSpPr>
+        <p:spPr/>
+        <p:txBody>
+          <a:bodyPr>
+            <a:normAutofit lnSpcReduction="10000"/>
+          </a:bodyPr>
+          <a:lstStyle/>
+          <a:p>
+            <a:pPr marL="0" indent="0">
+              <a:buNone/>
+            </a:pPr>
+            <a:endParaRPr lang="en-US" dirty="0"/>
+          </a:p>
+          <a:p>
+            <a:pPr algn="just"/>
+            <a:r>
+              <a:rPr lang="en-US" dirty="0"/>
+              <a:t>Changes from the remote branch can be fetched using the following command</a:t>
+            </a:r>
+          </a:p>
+          <a:p>
+            <a:pPr marL="0" indent="0">
+              <a:buNone/>
+            </a:pPr>
+            <a:r>
+              <a:rPr lang="en-US" sz="1600" b="1" dirty="0"/>
+              <a:t>	$ </a:t>
+            </a:r>
+            <a:r>
+              <a:rPr lang="en-US" b="1" dirty="0"/>
+              <a:t>git fetch origin </a:t>
+            </a:r>
+          </a:p>
+          <a:p>
+            <a:pPr marL="0" indent="0">
+              <a:buNone/>
+            </a:pPr>
+            <a:endParaRPr lang="en-US" b="1" dirty="0"/>
+          </a:p>
+          <a:p>
+            <a:r>
+              <a:rPr lang="en-US" dirty="0"/>
+              <a:t>To merge the changes you’ve fetched from the remote repository with your local source code you can use</a:t>
+            </a:r>
+            <a:endParaRPr lang="en-US" b="1" dirty="0"/>
+          </a:p>
+          <a:p>
+            <a:pPr marL="0" indent="0">
+              <a:buNone/>
+            </a:pPr>
+            <a:r>
+              <a:rPr lang="en-US" b="1" dirty="0"/>
+              <a:t>	$ git merge origin/master</a:t>
+            </a:r>
+          </a:p>
+          <a:p>
+            <a:pPr marL="0" indent="0">
+              <a:buNone/>
+            </a:pPr>
+            <a:endParaRPr lang="en-US" b="1" dirty="0"/>
+          </a:p>
+          <a:p>
+            <a:r>
+              <a:rPr lang="en-US" dirty="0"/>
+              <a:t>Alternatively, you can simplify the whole process with one command</a:t>
+            </a:r>
+          </a:p>
+          <a:p>
+            <a:pPr marL="0" indent="0">
+              <a:buNone/>
+            </a:pPr>
+            <a:r>
+              <a:rPr lang="en-US" sz="1600" b="1" dirty="0"/>
+              <a:t>	$ </a:t>
+            </a:r>
+            <a:r>
+              <a:rPr lang="en-US" b="1" dirty="0"/>
+              <a:t>git pull origin </a:t>
+            </a:r>
+          </a:p>
+          <a:p>
+            <a:pPr marL="0" indent="0">
+              <a:buNone/>
+            </a:pPr>
+            <a:endParaRPr lang="en-US" b="1" dirty="0"/>
+          </a:p>
+        </p:txBody>
+      </p:sp>
+    </p:spTree>
+  </p:cSld>
+  <p:clrMapOvr>
+    <a:masterClrMapping/>
+  </p:clrMapOvr>
 </p:sld>
 </file>
 
@@ -4790,14 +10045,15 @@
         </p:nvSpPr>
         <p:spPr/>
         <p:txBody>
-          <a:bodyPr/>
+          <a:bodyPr>
+            <a:normAutofit/>
+          </a:bodyPr>
           <a:lstStyle/>
           <a:p>
             <a:r>
-              <a:rPr lang="en-US" dirty="0" smtClean="0"/>
-              <a:t>OBJECTIVES</a:t>
-            </a:r>
-            <a:endParaRPr lang="en-US" dirty="0"/>
+              <a:rPr lang="en-US" dirty="0"/>
+              <a:t>Learning Outcomes</a:t>
+            </a:r>
           </a:p>
         </p:txBody>
       </p:sp>
@@ -4813,60 +10069,384 @@
         </p:nvSpPr>
         <p:spPr/>
         <p:txBody>
-          <a:bodyPr>
-            <a:normAutofit/>
-          </a:bodyPr>
+          <a:bodyPr/>
           <a:lstStyle/>
           <a:p>
             <a:pPr algn="just">
-              <a:buFont typeface="Arial" panose="02080604020202020204" charset="0"/>
+              <a:buFont typeface="Arial" pitchFamily="34" charset="0"/>
               <a:buChar char="•"/>
             </a:pPr>
             <a:r>
-              <a:rPr lang="en-US" altLang="en-US" sz="2400" dirty="0" smtClean="0"/>
-              <a:t>Understanding version control.</a:t>
-            </a:r>
-            <a:endParaRPr lang="en-US" altLang="en-US" sz="2400" dirty="0" smtClean="0"/>
+              <a:rPr lang="en-US" dirty="0"/>
+              <a:t>Understanding Version Control.</a:t>
+            </a:r>
           </a:p>
           <a:p>
             <a:pPr algn="just">
-              <a:buFont typeface="Arial" panose="02080604020202020204" charset="0"/>
+              <a:buFont typeface="Arial" pitchFamily="34" charset="0"/>
               <a:buChar char="•"/>
             </a:pPr>
             <a:r>
-              <a:rPr lang="en-US" altLang="en-US" sz="2400" dirty="0" smtClean="0"/>
-              <a:t>Getting started with GIT.</a:t>
-            </a:r>
-            <a:endParaRPr lang="x-none" altLang="en-US" sz="2400" dirty="0"/>
+              <a:rPr lang="en-US" dirty="0"/>
+              <a:t>Understanding GIT.</a:t>
+            </a:r>
           </a:p>
           <a:p>
             <a:pPr algn="just">
-              <a:buFont typeface="Arial" panose="02080604020202020204" charset="0"/>
+              <a:buFont typeface="Arial" pitchFamily="34" charset="0"/>
               <a:buChar char="•"/>
             </a:pPr>
-            <a:endParaRPr lang="x-none" altLang="en-US" sz="2400" dirty="0"/>
+            <a:r>
+              <a:rPr lang="en-US" dirty="0"/>
+              <a:t>Initial GIT setup and configuration.</a:t>
+            </a:r>
           </a:p>
           <a:p>
             <a:pPr algn="just">
-              <a:buFont typeface="Arial" panose="02080604020202020204" charset="0"/>
+              <a:buFont typeface="Arial" pitchFamily="34" charset="0"/>
               <a:buChar char="•"/>
             </a:pPr>
-            <a:endParaRPr lang="x-none" altLang="en-US" sz="2400" dirty="0"/>
+            <a:r>
+              <a:rPr lang="en-US" dirty="0"/>
+              <a:t>How GIT can be used.</a:t>
+            </a:r>
+          </a:p>
+          <a:p>
+            <a:pPr algn="just">
+              <a:buFont typeface="Arial" pitchFamily="34" charset="0"/>
+              <a:buChar char="•"/>
+            </a:pPr>
+            <a:endParaRPr lang="en-US" dirty="0"/>
+          </a:p>
+          <a:p>
+            <a:pPr algn="just">
+              <a:buFont typeface="Arial" pitchFamily="34" charset="0"/>
+              <a:buChar char="•"/>
+            </a:pPr>
+            <a:endParaRPr lang="en-US" dirty="0"/>
           </a:p>
         </p:txBody>
       </p:sp>
+    </p:spTree>
+    <p:extLst>
+      <p:ext uri="{BB962C8B-B14F-4D97-AF65-F5344CB8AC3E}">
+        <p14:creationId xmlns:p14="http://schemas.microsoft.com/office/powerpoint/2010/main" val="1747997473"/>
+      </p:ext>
+    </p:extLst>
+  </p:cSld>
+  <p:clrMapOvr>
+    <a:masterClrMapping/>
+  </p:clrMapOvr>
+</p:sld>
+</file>
+
+<file path=ppt/slides/slide20.xml><?xml version="1.0" encoding="utf-8"?>
+<p:sld xmlns:a="http://schemas.openxmlformats.org/drawingml/2006/main" xmlns:r="http://schemas.openxmlformats.org/officeDocument/2006/relationships" xmlns:p="http://schemas.openxmlformats.org/presentationml/2006/main">
+  <p:cSld>
+    <p:spTree>
+      <p:nvGrpSpPr>
+        <p:cNvPr id="1" name=""/>
+        <p:cNvGrpSpPr/>
+        <p:nvPr/>
+      </p:nvGrpSpPr>
+      <p:grpSpPr>
+        <a:xfrm>
+          <a:off x="0" y="0"/>
+          <a:ext cx="0" cy="0"/>
+          <a:chOff x="0" y="0"/>
+          <a:chExt cx="0" cy="0"/>
+        </a:xfrm>
+      </p:grpSpPr>
+      <p:sp>
+        <p:nvSpPr>
+          <p:cNvPr id="2" name="Title 1"/>
+          <p:cNvSpPr>
+            <a:spLocks noGrp="1"/>
+          </p:cNvSpPr>
+          <p:nvPr>
+            <p:ph type="title"/>
+          </p:nvPr>
+        </p:nvSpPr>
+        <p:spPr/>
+        <p:txBody>
+          <a:bodyPr/>
+          <a:lstStyle/>
+          <a:p>
+            <a:r>
+              <a:rPr lang="en-US" dirty="0"/>
+              <a:t>MERGE CONFLICTS</a:t>
+            </a:r>
+            <a:endParaRPr lang="en-GB" dirty="0"/>
+          </a:p>
+        </p:txBody>
+      </p:sp>
+      <p:sp>
+        <p:nvSpPr>
+          <p:cNvPr id="3" name="Content Placeholder 2"/>
+          <p:cNvSpPr>
+            <a:spLocks noGrp="1"/>
+          </p:cNvSpPr>
+          <p:nvPr>
+            <p:ph idx="1"/>
+          </p:nvPr>
+        </p:nvSpPr>
+        <p:spPr/>
+        <p:txBody>
+          <a:bodyPr/>
+          <a:lstStyle/>
+          <a:p>
+            <a:pPr algn="just"/>
+            <a:r>
+              <a:rPr lang="en-US" dirty="0"/>
+              <a:t>Merge conflicts may occur if competing changes are made to the same line of a file or when a file is deleted that another person is attempting to edit.</a:t>
+            </a:r>
+          </a:p>
+          <a:p>
+            <a:pPr algn="just"/>
+            <a:r>
+              <a:rPr lang="en-US" dirty="0"/>
+              <a:t>To fix merge </a:t>
+            </a:r>
+            <a:r>
+              <a:rPr lang="en-US" dirty="0" err="1"/>
+              <a:t>conflics</a:t>
+            </a:r>
+            <a:r>
+              <a:rPr lang="en-US" dirty="0"/>
+              <a:t>, open the file that has failed and decide which changes you want to keep.</a:t>
+            </a:r>
+          </a:p>
+          <a:p>
+            <a:pPr marL="0" indent="0" algn="just">
+              <a:buNone/>
+            </a:pPr>
+            <a:endParaRPr lang="en-US" dirty="0"/>
+          </a:p>
+          <a:p>
+            <a:pPr marL="0" indent="0" algn="just">
+              <a:buNone/>
+            </a:pPr>
+            <a:endParaRPr lang="en-GB" dirty="0"/>
+          </a:p>
+        </p:txBody>
+      </p:sp>
+      <p:pic>
+        <p:nvPicPr>
+          <p:cNvPr id="8" name="Picture 7"/>
+          <p:cNvPicPr>
+            <a:picLocks noChangeAspect="1"/>
+          </p:cNvPicPr>
+          <p:nvPr/>
+        </p:nvPicPr>
+        <p:blipFill>
+          <a:blip r:embed="rId2"/>
+          <a:stretch>
+            <a:fillRect/>
+          </a:stretch>
+        </p:blipFill>
+        <p:spPr>
+          <a:xfrm>
+            <a:off x="3179164" y="3089000"/>
+            <a:ext cx="4343400" cy="2888468"/>
+          </a:xfrm>
+          <a:prstGeom prst="rect">
+            <a:avLst/>
+          </a:prstGeom>
+        </p:spPr>
+      </p:pic>
     </p:spTree>
   </p:cSld>
   <p:clrMapOvr>
     <a:masterClrMapping/>
   </p:clrMapOvr>
-  <p:timing>
-    <p:tnLst>
-      <p:par>
-        <p:cTn id="1" dur="indefinite" restart="never" nodeType="tmRoot"/>
-      </p:par>
-    </p:tnLst>
-  </p:timing>
+</p:sld>
+</file>
+
+<file path=ppt/slides/slide21.xml><?xml version="1.0" encoding="utf-8"?>
+<p:sld xmlns:a="http://schemas.openxmlformats.org/drawingml/2006/main" xmlns:r="http://schemas.openxmlformats.org/officeDocument/2006/relationships" xmlns:p="http://schemas.openxmlformats.org/presentationml/2006/main">
+  <p:cSld>
+    <p:spTree>
+      <p:nvGrpSpPr>
+        <p:cNvPr id="1" name=""/>
+        <p:cNvGrpSpPr/>
+        <p:nvPr/>
+      </p:nvGrpSpPr>
+      <p:grpSpPr>
+        <a:xfrm>
+          <a:off x="0" y="0"/>
+          <a:ext cx="0" cy="0"/>
+          <a:chOff x="0" y="0"/>
+          <a:chExt cx="0" cy="0"/>
+        </a:xfrm>
+      </p:grpSpPr>
+      <p:sp>
+        <p:nvSpPr>
+          <p:cNvPr id="2" name="Title 1"/>
+          <p:cNvSpPr>
+            <a:spLocks noGrp="1"/>
+          </p:cNvSpPr>
+          <p:nvPr>
+            <p:ph type="title"/>
+          </p:nvPr>
+        </p:nvSpPr>
+        <p:spPr/>
+        <p:txBody>
+          <a:bodyPr/>
+          <a:lstStyle/>
+          <a:p>
+            <a:endParaRPr lang="en-GB" dirty="0"/>
+          </a:p>
+        </p:txBody>
+      </p:sp>
+      <p:pic>
+        <p:nvPicPr>
+          <p:cNvPr id="5" name="Content Placeholder 4"/>
+          <p:cNvPicPr>
+            <a:picLocks noGrp="1" noChangeAspect="1"/>
+          </p:cNvPicPr>
+          <p:nvPr>
+            <p:ph idx="1"/>
+          </p:nvPr>
+        </p:nvPicPr>
+        <p:blipFill>
+          <a:blip r:embed="rId2">
+            <a:extLst>
+              <a:ext uri="{28A0092B-C50C-407E-A947-70E740481C1C}">
+                <a14:useLocalDpi xmlns:a14="http://schemas.microsoft.com/office/drawing/2010/main" val="0"/>
+              </a:ext>
+            </a:extLst>
+          </a:blip>
+          <a:stretch>
+            <a:fillRect/>
+          </a:stretch>
+        </p:blipFill>
+        <p:spPr>
+          <a:xfrm>
+            <a:off x="1846288" y="1584430"/>
+            <a:ext cx="8229600" cy="4663970"/>
+          </a:xfrm>
+        </p:spPr>
+      </p:pic>
+    </p:spTree>
+  </p:cSld>
+  <p:clrMapOvr>
+    <a:masterClrMapping/>
+  </p:clrMapOvr>
+</p:sld>
+</file>
+
+<file path=ppt/slides/slide22.xml><?xml version="1.0" encoding="utf-8"?>
+<p:sld xmlns:a="http://schemas.openxmlformats.org/drawingml/2006/main" xmlns:r="http://schemas.openxmlformats.org/officeDocument/2006/relationships" xmlns:p="http://schemas.openxmlformats.org/presentationml/2006/main">
+  <p:cSld>
+    <p:spTree>
+      <p:nvGrpSpPr>
+        <p:cNvPr id="1" name=""/>
+        <p:cNvGrpSpPr/>
+        <p:nvPr/>
+      </p:nvGrpSpPr>
+      <p:grpSpPr>
+        <a:xfrm>
+          <a:off x="0" y="0"/>
+          <a:ext cx="0" cy="0"/>
+          <a:chOff x="0" y="0"/>
+          <a:chExt cx="0" cy="0"/>
+        </a:xfrm>
+      </p:grpSpPr>
+      <p:sp>
+        <p:nvSpPr>
+          <p:cNvPr id="2" name="Title 1"/>
+          <p:cNvSpPr>
+            <a:spLocks noGrp="1"/>
+          </p:cNvSpPr>
+          <p:nvPr>
+            <p:ph type="title"/>
+          </p:nvPr>
+        </p:nvSpPr>
+        <p:spPr/>
+        <p:txBody>
+          <a:bodyPr/>
+          <a:lstStyle/>
+          <a:p>
+            <a:r>
+              <a:rPr lang="en-US" dirty="0"/>
+              <a:t>Exercise</a:t>
+            </a:r>
+            <a:endParaRPr lang="en-GB" dirty="0"/>
+          </a:p>
+        </p:txBody>
+      </p:sp>
+      <p:sp>
+        <p:nvSpPr>
+          <p:cNvPr id="3" name="Content Placeholder 2"/>
+          <p:cNvSpPr>
+            <a:spLocks noGrp="1"/>
+          </p:cNvSpPr>
+          <p:nvPr>
+            <p:ph idx="1"/>
+          </p:nvPr>
+        </p:nvSpPr>
+        <p:spPr/>
+        <p:txBody>
+          <a:bodyPr/>
+          <a:lstStyle/>
+          <a:p>
+            <a:pPr algn="just"/>
+            <a:r>
+              <a:rPr lang="en-US" dirty="0"/>
+              <a:t>Make a proper GIT setup on your computer.</a:t>
+            </a:r>
+          </a:p>
+          <a:p>
+            <a:pPr marL="0" indent="0" algn="just">
+              <a:buNone/>
+            </a:pPr>
+            <a:endParaRPr lang="en-US" dirty="0"/>
+          </a:p>
+          <a:p>
+            <a:pPr algn="just"/>
+            <a:r>
+              <a:rPr lang="en-US" dirty="0"/>
+              <a:t>Initialized a new git repository to your newly created JAVA project and make your initial commit “Initialize Project”</a:t>
+            </a:r>
+          </a:p>
+          <a:p>
+            <a:pPr algn="just"/>
+            <a:endParaRPr lang="en-US" dirty="0"/>
+          </a:p>
+          <a:p>
+            <a:pPr algn="just"/>
+            <a:r>
+              <a:rPr lang="en-US" dirty="0"/>
+              <a:t>Push your commit to your remote </a:t>
+            </a:r>
+            <a:r>
+              <a:rPr lang="en-US" dirty="0" err="1"/>
+              <a:t>Github</a:t>
+            </a:r>
+            <a:r>
+              <a:rPr lang="en-US" dirty="0"/>
+              <a:t> repository. </a:t>
+            </a:r>
+          </a:p>
+          <a:p>
+            <a:pPr algn="just"/>
+            <a:endParaRPr lang="en-US" dirty="0"/>
+          </a:p>
+          <a:p>
+            <a:pPr algn="just"/>
+            <a:endParaRPr lang="en-US" dirty="0"/>
+          </a:p>
+          <a:p>
+            <a:pPr algn="just"/>
+            <a:endParaRPr lang="en-US" dirty="0"/>
+          </a:p>
+        </p:txBody>
+      </p:sp>
+    </p:spTree>
+  </p:cSld>
+  <p:clrMapOvr>
+    <a:masterClrMapping/>
+  </p:clrMapOvr>
 </p:sld>
 </file>
 
@@ -4903,10 +10483,9 @@
           <a:lstStyle/>
           <a:p>
             <a:r>
-              <a:rPr lang="en-US" dirty="0" smtClean="0"/>
-              <a:t>INTRODUCTION</a:t>
-            </a:r>
-            <a:endParaRPr lang="en-US" dirty="0"/>
+              <a:rPr lang="en-US" dirty="0"/>
+              <a:t>WHAT IS VERSION CONTROL ?</a:t>
+            </a:r>
           </a:p>
         </p:txBody>
       </p:sp>
@@ -4920,86 +10499,83 @@
             <p:ph idx="1"/>
           </p:nvPr>
         </p:nvSpPr>
-        <p:spPr/>
+        <p:spPr>
+          <a:xfrm>
+            <a:off x="1276662" y="1866276"/>
+            <a:ext cx="8229600" cy="4876800"/>
+          </a:xfrm>
+        </p:spPr>
         <p:txBody>
-          <a:bodyPr>
-            <a:normAutofit/>
-          </a:bodyPr>
+          <a:bodyPr/>
           <a:lstStyle/>
           <a:p>
-            <a:pPr algn="just">
-              <a:buFont typeface="Arial" panose="02080604020202020204" charset="0"/>
-              <a:buChar char="•"/>
+            <a:pPr algn="just"/>
+            <a:r>
+              <a:rPr lang="en-US" dirty="0"/>
+              <a:t>Version control systems are a category of software tools that help a software team manage changes to source code over time. </a:t>
+            </a:r>
+          </a:p>
+          <a:p>
+            <a:pPr marL="0" indent="0" algn="just">
+              <a:buNone/>
             </a:pPr>
-            <a:r>
-              <a:rPr lang="en-US" altLang="en-US" sz="2400" dirty="0" smtClean="0"/>
-              <a:t>What is Version Control ?</a:t>
-            </a:r>
-            <a:endParaRPr lang="en-US" altLang="en-US" sz="2400" dirty="0"/>
-          </a:p>
-          <a:p>
-            <a:pPr lvl="1" algn="just">
-              <a:buFont typeface="Wingdings" pitchFamily="2" charset="2"/>
-              <a:buChar char="q"/>
+            <a:endParaRPr lang="en-US" dirty="0"/>
+          </a:p>
+          <a:p>
+            <a:pPr algn="just"/>
+            <a:r>
+              <a:rPr lang="en-US" dirty="0"/>
+              <a:t>Version control software keeps track of every modification to the code in a special kind of database. </a:t>
+            </a:r>
+          </a:p>
+          <a:p>
+            <a:pPr marL="0" indent="0" algn="just">
+              <a:buNone/>
             </a:pPr>
-            <a:r>
-              <a:rPr lang="en-US" altLang="en-US" sz="2000" dirty="0" smtClean="0"/>
-              <a:t>Version </a:t>
-            </a:r>
-            <a:r>
-              <a:rPr lang="en-US" altLang="en-US" sz="2000" dirty="0"/>
-              <a:t>control systems are a category of software tools that help a software team manage changes to source code over time. </a:t>
-            </a:r>
-          </a:p>
-          <a:p>
-            <a:pPr lvl="1" algn="just">
-              <a:buFont typeface="Wingdings" pitchFamily="2" charset="2"/>
-              <a:buChar char="q"/>
-            </a:pPr>
-            <a:r>
-              <a:rPr lang="en-US" altLang="en-US" sz="2000" dirty="0" smtClean="0"/>
-              <a:t>Version </a:t>
-            </a:r>
-            <a:r>
-              <a:rPr lang="en-US" altLang="en-US" sz="2000" dirty="0"/>
-              <a:t>control software keeps track of every modification to the code in a special kind of database. </a:t>
-            </a:r>
-            <a:endParaRPr lang="en-US" altLang="en-US" sz="2000" dirty="0" smtClean="0"/>
-          </a:p>
-          <a:p>
-            <a:pPr lvl="1" algn="just">
-              <a:buFont typeface="Wingdings" pitchFamily="2" charset="2"/>
-              <a:buChar char="q"/>
-            </a:pPr>
-            <a:r>
-              <a:rPr lang="en-US" altLang="en-US" sz="2000" dirty="0" smtClean="0"/>
-              <a:t>If </a:t>
-            </a:r>
-            <a:r>
-              <a:rPr lang="en-US" altLang="en-US" sz="2000" dirty="0"/>
-              <a:t>a mistake is made, developers can turn back the clock and compare earlier versions of the code to help fix the mistake while minimizing disruption to all team members.</a:t>
-            </a:r>
-            <a:endParaRPr lang="x-none" altLang="en-US" sz="2000" dirty="0"/>
+            <a:endParaRPr lang="en-US" dirty="0"/>
+          </a:p>
+          <a:p>
+            <a:pPr algn="just"/>
+            <a:r>
+              <a:rPr lang="en-US" dirty="0"/>
+              <a:t>If a mistake is made, developers can turn back the clock and compare earlier versions of the code to help fix the mistake while minimizing disruption to all team members.</a:t>
+            </a:r>
+          </a:p>
+          <a:p>
+            <a:endParaRPr lang="en-US" dirty="0"/>
           </a:p>
         </p:txBody>
       </p:sp>
+      <p:pic>
+        <p:nvPicPr>
+          <p:cNvPr id="4" name="Picture 3"/>
+          <p:cNvPicPr/>
+          <p:nvPr/>
+        </p:nvPicPr>
+        <p:blipFill>
+          <a:blip r:embed="rId2"/>
+          <a:stretch>
+            <a:fillRect/>
+          </a:stretch>
+        </p:blipFill>
+        <p:spPr>
+          <a:xfrm>
+            <a:off x="4512040" y="4946754"/>
+            <a:ext cx="1981200" cy="1371600"/>
+          </a:xfrm>
+          <a:prstGeom prst="rect">
+            <a:avLst/>
+          </a:prstGeom>
+          <a:ln>
+            <a:noFill/>
+          </a:ln>
+        </p:spPr>
+      </p:pic>
     </p:spTree>
-    <p:extLst>
-      <p:ext uri="{BB962C8B-B14F-4D97-AF65-F5344CB8AC3E}">
-        <p14:creationId xmlns:p14="http://schemas.microsoft.com/office/powerpoint/2010/main" val="771437453"/>
-      </p:ext>
-    </p:extLst>
   </p:cSld>
   <p:clrMapOvr>
     <a:masterClrMapping/>
   </p:clrMapOvr>
-  <p:timing>
-    <p:tnLst>
-      <p:par>
-        <p:cTn id="1" dur="indefinite" restart="never" nodeType="tmRoot"/>
-      </p:par>
-    </p:tnLst>
-  </p:timing>
 </p:sld>
 </file>
 
@@ -5032,14 +10608,15 @@
         </p:nvSpPr>
         <p:spPr/>
         <p:txBody>
-          <a:bodyPr/>
+          <a:bodyPr>
+            <a:normAutofit/>
+          </a:bodyPr>
           <a:lstStyle/>
           <a:p>
             <a:r>
-              <a:rPr lang="en-US" dirty="0" smtClean="0"/>
-              <a:t>What is GIT ?</a:t>
-            </a:r>
-            <a:endParaRPr lang="en-US" dirty="0"/>
+              <a:rPr lang="en-US" dirty="0"/>
+              <a:t>BENEFITS OF VERSION CONTROL</a:t>
+            </a:r>
           </a:p>
         </p:txBody>
       </p:sp>
@@ -5055,103 +10632,154 @@
         </p:nvSpPr>
         <p:spPr/>
         <p:txBody>
-          <a:bodyPr>
-            <a:normAutofit/>
-          </a:bodyPr>
+          <a:bodyPr/>
           <a:lstStyle/>
           <a:p>
             <a:pPr algn="just">
-              <a:buFont typeface="Arial" pitchFamily="34" charset="0"/>
-              <a:buChar char="•"/>
+              <a:lnSpc>
+                <a:spcPct val="100000"/>
+              </a:lnSpc>
             </a:pPr>
             <a:r>
-              <a:rPr lang="en-US" dirty="0"/>
-              <a:t>By far, the most widely used modern version control system in the world today is Git. </a:t>
-            </a:r>
-            <a:endParaRPr lang="en-US" dirty="0" smtClean="0"/>
+              <a:rPr lang="en-US" spc="-1" dirty="0">
+                <a:solidFill>
+                  <a:srgbClr val="292934"/>
+                </a:solidFill>
+                <a:uFill>
+                  <a:solidFill>
+                    <a:srgbClr val="FFFFFF"/>
+                  </a:solidFill>
+                </a:uFill>
+              </a:rPr>
+              <a:t> A complete long-term change history of every file.</a:t>
+            </a:r>
           </a:p>
           <a:p>
             <a:pPr algn="just">
-              <a:buFont typeface="Arial" pitchFamily="34" charset="0"/>
-              <a:buChar char="•"/>
+              <a:lnSpc>
+                <a:spcPct val="100000"/>
+              </a:lnSpc>
             </a:pPr>
-            <a:r>
-              <a:rPr lang="en-US" dirty="0" smtClean="0"/>
-              <a:t>Git </a:t>
-            </a:r>
-            <a:r>
-              <a:rPr lang="en-US" dirty="0"/>
-              <a:t>is a mature, actively maintained open source project originally developed in 2005 by Linus Torvalds, the famous creator of the Linux operating system </a:t>
-            </a:r>
-            <a:r>
-              <a:rPr lang="en-US" dirty="0" smtClean="0"/>
-              <a:t>kernel.</a:t>
-            </a:r>
+            <a:endParaRPr lang="en-US" spc="-1" dirty="0">
+              <a:solidFill>
+                <a:srgbClr val="292934"/>
+              </a:solidFill>
+              <a:uFill>
+                <a:solidFill>
+                  <a:srgbClr val="FFFFFF"/>
+                </a:solidFill>
+              </a:uFill>
+            </a:endParaRPr>
           </a:p>
           <a:p>
             <a:pPr algn="just">
-              <a:buFont typeface="Arial" pitchFamily="34" charset="0"/>
-              <a:buChar char="•"/>
+              <a:lnSpc>
+                <a:spcPct val="100000"/>
+              </a:lnSpc>
             </a:pPr>
             <a:r>
-              <a:rPr lang="en-US" dirty="0" smtClean="0"/>
-              <a:t>Having </a:t>
-            </a:r>
-            <a:r>
-              <a:rPr lang="en-US" dirty="0"/>
-              <a:t>a distributed architecture, Git is an example of a DVCS (hence Distributed Version Control System). </a:t>
-            </a:r>
-            <a:endParaRPr lang="en-US" dirty="0" smtClean="0"/>
+              <a:rPr lang="en-US" spc="-1" dirty="0">
+                <a:solidFill>
+                  <a:srgbClr val="292934"/>
+                </a:solidFill>
+                <a:uFill>
+                  <a:solidFill>
+                    <a:srgbClr val="FFFFFF"/>
+                  </a:solidFill>
+                </a:uFill>
+              </a:rPr>
+              <a:t> Branching and merging - </a:t>
+            </a:r>
+            <a:r>
+              <a:rPr lang="en-US" i="1" spc="-1" dirty="0">
+                <a:solidFill>
+                  <a:srgbClr val="292934"/>
+                </a:solidFill>
+                <a:uFill>
+                  <a:solidFill>
+                    <a:srgbClr val="FFFFFF"/>
+                  </a:solidFill>
+                </a:uFill>
+              </a:rPr>
+              <a:t>keeps multiple streams of work independent from each other while also providing the facility to merge that work back together.</a:t>
+            </a:r>
+            <a:endParaRPr lang="en-US" spc="-1" dirty="0">
+              <a:solidFill>
+                <a:srgbClr val="292934"/>
+              </a:solidFill>
+              <a:uFill>
+                <a:solidFill>
+                  <a:srgbClr val="FFFFFF"/>
+                </a:solidFill>
+              </a:uFill>
+            </a:endParaRPr>
           </a:p>
           <a:p>
             <a:pPr algn="just">
-              <a:buFont typeface="Arial" pitchFamily="34" charset="0"/>
-              <a:buChar char="•"/>
+              <a:lnSpc>
+                <a:spcPct val="100000"/>
+              </a:lnSpc>
             </a:pPr>
-            <a:r>
-              <a:rPr lang="en-US" dirty="0" smtClean="0"/>
-              <a:t>Rather </a:t>
-            </a:r>
-            <a:r>
-              <a:rPr lang="en-US" dirty="0"/>
-              <a:t>than have only one single place for the full version history of the software as is common in once-popular version control systems like CVS or Subversion (also known as </a:t>
-            </a:r>
-            <a:r>
-              <a:rPr lang="en-US" dirty="0" smtClean="0"/>
-              <a:t>SVN).</a:t>
-            </a:r>
+            <a:endParaRPr lang="en-US" spc="-1" dirty="0">
+              <a:solidFill>
+                <a:srgbClr val="292934"/>
+              </a:solidFill>
+              <a:uFill>
+                <a:solidFill>
+                  <a:srgbClr val="FFFFFF"/>
+                </a:solidFill>
+              </a:uFill>
+            </a:endParaRPr>
           </a:p>
           <a:p>
             <a:pPr algn="just">
-              <a:buFont typeface="Arial" pitchFamily="34" charset="0"/>
-              <a:buChar char="•"/>
+              <a:lnSpc>
+                <a:spcPct val="100000"/>
+              </a:lnSpc>
             </a:pPr>
             <a:r>
-              <a:rPr lang="en-US" dirty="0"/>
-              <a:t>I</a:t>
-            </a:r>
-            <a:r>
-              <a:rPr lang="en-US" dirty="0" smtClean="0"/>
-              <a:t>n </a:t>
-            </a:r>
-            <a:r>
-              <a:rPr lang="en-US" dirty="0"/>
-              <a:t>Git, every developer's working copy of the code is also a repository that can contain the full history of all changes</a:t>
-            </a:r>
-            <a:r>
-              <a:rPr lang="en-US" dirty="0"/>
-              <a:t>. </a:t>
-            </a:r>
-            <a:endParaRPr lang="en-US" dirty="0" smtClean="0"/>
+              <a:rPr lang="en-US" spc="-1" dirty="0">
+                <a:solidFill>
+                  <a:srgbClr val="292934"/>
+                </a:solidFill>
+                <a:uFill>
+                  <a:solidFill>
+                    <a:srgbClr val="FFFFFF"/>
+                  </a:solidFill>
+                </a:uFill>
+              </a:rPr>
+              <a:t>Traceability - </a:t>
+            </a:r>
+            <a:r>
+              <a:rPr lang="en-US" i="1" spc="-1" dirty="0">
+                <a:solidFill>
+                  <a:srgbClr val="292934"/>
+                </a:solidFill>
+                <a:uFill>
+                  <a:solidFill>
+                    <a:srgbClr val="FFFFFF"/>
+                  </a:solidFill>
+                </a:uFill>
+              </a:rPr>
+              <a:t>It provides the capability of  tracing each change made to the software being developed.</a:t>
+            </a:r>
+            <a:endParaRPr lang="en-US" spc="-1" dirty="0">
+              <a:solidFill>
+                <a:srgbClr val="292934"/>
+              </a:solidFill>
+              <a:uFill>
+                <a:solidFill>
+                  <a:srgbClr val="FFFFFF"/>
+                </a:solidFill>
+              </a:uFill>
+            </a:endParaRPr>
+          </a:p>
+          <a:p>
+            <a:endParaRPr lang="en-US" dirty="0"/>
           </a:p>
         </p:txBody>
       </p:sp>
     </p:spTree>
-    <p:extLst>
-      <p:ext uri="{BB962C8B-B14F-4D97-AF65-F5344CB8AC3E}">
-        <p14:creationId xmlns:p14="http://schemas.microsoft.com/office/powerpoint/2010/main" val="939100385"/>
-      </p:ext>
-    </p:extLst>
   </p:cSld>
   <p:clrMapOvr>
     <a:masterClrMapping/>
@@ -5192,10 +10820,9 @@
           <a:lstStyle/>
           <a:p>
             <a:r>
-              <a:rPr lang="en-US" dirty="0" smtClean="0"/>
-              <a:t>What is GIT ?</a:t>
-            </a:r>
-            <a:endParaRPr lang="en-US" dirty="0"/>
+              <a:rPr lang="en-US" dirty="0"/>
+              <a:t>WHAT IS GIT ?</a:t>
+            </a:r>
           </a:p>
         </p:txBody>
       </p:sp>
@@ -5216,181 +10843,584 @@
           </a:bodyPr>
           <a:lstStyle/>
           <a:p>
-            <a:pPr algn="just">
-              <a:buFont typeface="Arial" pitchFamily="34" charset="0"/>
-              <a:buChar char="•"/>
-            </a:pPr>
-            <a:r>
-              <a:rPr lang="en-US" dirty="0" smtClean="0"/>
-              <a:t>Install </a:t>
-            </a:r>
+            <a:pPr algn="just"/>
             <a:r>
               <a:rPr lang="en-US" dirty="0"/>
-              <a:t>GIT from </a:t>
-            </a:r>
-            <a:r>
-              <a:rPr lang="en-US" dirty="0">
-                <a:hlinkClick r:id="rId3"/>
-              </a:rPr>
-              <a:t>https://git-scm.com</a:t>
-            </a:r>
-            <a:r>
-              <a:rPr lang="en-US" dirty="0" smtClean="0">
-                <a:hlinkClick r:id="rId3"/>
-              </a:rPr>
-              <a:t>/</a:t>
-            </a:r>
-            <a:endParaRPr lang="en-US" dirty="0" smtClean="0"/>
-          </a:p>
-          <a:p>
-            <a:pPr algn="just">
-              <a:buFont typeface="Arial" pitchFamily="34" charset="0"/>
-              <a:buChar char="•"/>
-            </a:pPr>
-            <a:r>
-              <a:rPr lang="en-US" dirty="0" smtClean="0"/>
-              <a:t>Configure your user name and email</a:t>
-            </a:r>
-            <a:endParaRPr lang="en-US" dirty="0"/>
-          </a:p>
-          <a:p>
-            <a:pPr marL="292735" lvl="1" indent="0" algn="just">
-              <a:buNone/>
-            </a:pPr>
-            <a:r>
-              <a:rPr lang="en-US" sz="2000" dirty="0" err="1" smtClean="0"/>
-              <a:t>git</a:t>
-            </a:r>
-            <a:r>
-              <a:rPr lang="en-US" sz="2000" dirty="0" smtClean="0"/>
-              <a:t> </a:t>
-            </a:r>
-            <a:r>
-              <a:rPr lang="en-US" sz="2000" dirty="0" err="1"/>
-              <a:t>config</a:t>
-            </a:r>
-            <a:r>
-              <a:rPr lang="en-US" sz="2000" dirty="0"/>
-              <a:t> --global user.name "Emma Paris"</a:t>
-            </a:r>
-          </a:p>
-          <a:p>
-            <a:pPr marL="292735" lvl="1" indent="0" algn="just">
-              <a:buNone/>
-            </a:pPr>
-            <a:r>
-              <a:rPr lang="en-US" sz="2000" dirty="0" err="1"/>
-              <a:t>git</a:t>
-            </a:r>
-            <a:r>
-              <a:rPr lang="en-US" sz="2000" dirty="0"/>
-              <a:t> </a:t>
-            </a:r>
-            <a:r>
-              <a:rPr lang="en-US" sz="2000" dirty="0" err="1"/>
-              <a:t>config</a:t>
-            </a:r>
-            <a:r>
-              <a:rPr lang="en-US" sz="2000" dirty="0"/>
-              <a:t> --global </a:t>
-            </a:r>
-            <a:r>
-              <a:rPr lang="en-US" sz="2000" dirty="0" err="1"/>
-              <a:t>user.email</a:t>
-            </a:r>
-            <a:r>
-              <a:rPr lang="en-US" sz="2000" dirty="0"/>
-              <a:t> </a:t>
-            </a:r>
-            <a:r>
-              <a:rPr lang="en-US" sz="2000" dirty="0" smtClean="0">
-                <a:hlinkClick r:id="rId4"/>
-              </a:rPr>
-              <a:t>eparis@atlassian.com</a:t>
-            </a:r>
-            <a:endParaRPr lang="en-US" sz="2000" dirty="0" smtClean="0"/>
-          </a:p>
-          <a:p>
-            <a:pPr algn="just">
-              <a:buFont typeface="Arial" pitchFamily="34" charset="0"/>
-              <a:buChar char="•"/>
-            </a:pPr>
-            <a:r>
-              <a:rPr lang="en-US" sz="2200" dirty="0" smtClean="0"/>
-              <a:t>Initialize a </a:t>
-            </a:r>
-            <a:r>
-              <a:rPr lang="en-US" sz="2200" dirty="0" err="1" smtClean="0"/>
-              <a:t>git</a:t>
-            </a:r>
-            <a:r>
-              <a:rPr lang="en-US" sz="2200" dirty="0" smtClean="0"/>
-              <a:t> repository inside the folder of your project using a </a:t>
-            </a:r>
-            <a:r>
-              <a:rPr lang="en-US" sz="2200" dirty="0" err="1" smtClean="0"/>
-              <a:t>comand</a:t>
-            </a:r>
-            <a:r>
-              <a:rPr lang="en-US" sz="2200" smtClean="0"/>
-              <a:t>&lt;</a:t>
-            </a:r>
-            <a:endParaRPr lang="en-US" sz="2200" dirty="0" smtClean="0"/>
-          </a:p>
-          <a:p>
-            <a:pPr lvl="1" algn="just">
-              <a:buFont typeface="Arial" pitchFamily="34" charset="0"/>
-              <a:buChar char="•"/>
-            </a:pPr>
-            <a:r>
-              <a:rPr lang="en-US" dirty="0" err="1"/>
-              <a:t>g</a:t>
-            </a:r>
-            <a:r>
-              <a:rPr lang="en-US" dirty="0" err="1" smtClean="0"/>
-              <a:t>it</a:t>
-            </a:r>
-            <a:r>
-              <a:rPr lang="en-US" dirty="0" smtClean="0"/>
-              <a:t> </a:t>
-            </a:r>
-            <a:r>
-              <a:rPr lang="en-US" dirty="0" err="1" smtClean="0"/>
-              <a:t>init</a:t>
-            </a:r>
-            <a:endParaRPr lang="en-US" dirty="0"/>
-          </a:p>
-          <a:p>
-            <a:pPr marL="292735" lvl="1" indent="0" algn="just">
-              <a:buNone/>
-            </a:pPr>
-            <a:endParaRPr lang="en-US" sz="2000" dirty="0" smtClean="0"/>
+              <a:t>By far, the most widely used modern version control system in the world today. </a:t>
+            </a:r>
           </a:p>
           <a:p>
             <a:pPr marL="0" indent="0" algn="just">
               <a:buNone/>
             </a:pPr>
-            <a:r>
-              <a:rPr lang="en-US" sz="2200" dirty="0"/>
+            <a:endParaRPr lang="en-US" dirty="0"/>
+          </a:p>
+          <a:p>
+            <a:pPr algn="just"/>
+            <a:r>
+              <a:rPr lang="en-US" dirty="0"/>
+              <a:t>Git is a mature, actively maintained open source project originally developed in 2005 by Linus Torvalds, the famous creator of the Linux operating system kernel. </a:t>
+            </a:r>
+          </a:p>
+          <a:p>
+            <a:pPr marL="0" indent="0" algn="just">
+              <a:buNone/>
+            </a:pPr>
+            <a:endParaRPr lang="en-US" dirty="0"/>
+          </a:p>
+          <a:p>
+            <a:pPr algn="just"/>
+            <a:r>
+              <a:rPr lang="en-US" dirty="0"/>
+              <a:t>A staggering number of software projects rely on Git for version control, including commercial projects as well as open source. </a:t>
+            </a:r>
+          </a:p>
+          <a:p>
+            <a:pPr algn="just"/>
+            <a:endParaRPr lang="en-US" dirty="0"/>
+          </a:p>
+          <a:p>
+            <a:pPr algn="just"/>
+            <a:endParaRPr lang="en-US" dirty="0"/>
+          </a:p>
+        </p:txBody>
+      </p:sp>
+      <p:pic>
+        <p:nvPicPr>
+          <p:cNvPr id="4" name="Picture 3"/>
+          <p:cNvPicPr/>
+          <p:nvPr/>
+        </p:nvPicPr>
+        <p:blipFill>
+          <a:blip r:embed="rId3"/>
+          <a:stretch>
+            <a:fillRect/>
+          </a:stretch>
+        </p:blipFill>
+        <p:spPr>
+          <a:xfrm>
+            <a:off x="6970546" y="4951108"/>
+            <a:ext cx="2459160" cy="1026360"/>
+          </a:xfrm>
+          <a:prstGeom prst="rect">
+            <a:avLst/>
+          </a:prstGeom>
+          <a:ln>
+            <a:noFill/>
+          </a:ln>
+        </p:spPr>
+      </p:pic>
+    </p:spTree>
+  </p:cSld>
+  <p:clrMapOvr>
+    <a:masterClrMapping/>
+  </p:clrMapOvr>
+</p:sld>
+</file>
+
+<file path=ppt/slides/slide6.xml><?xml version="1.0" encoding="utf-8"?>
+<p:sld xmlns:a="http://schemas.openxmlformats.org/drawingml/2006/main" xmlns:r="http://schemas.openxmlformats.org/officeDocument/2006/relationships" xmlns:p="http://schemas.openxmlformats.org/presentationml/2006/main">
+  <p:cSld>
+    <p:spTree>
+      <p:nvGrpSpPr>
+        <p:cNvPr id="1" name=""/>
+        <p:cNvGrpSpPr/>
+        <p:nvPr/>
+      </p:nvGrpSpPr>
+      <p:grpSpPr>
+        <a:xfrm>
+          <a:off x="0" y="0"/>
+          <a:ext cx="0" cy="0"/>
+          <a:chOff x="0" y="0"/>
+          <a:chExt cx="0" cy="0"/>
+        </a:xfrm>
+      </p:grpSpPr>
+      <p:sp>
+        <p:nvSpPr>
+          <p:cNvPr id="2" name="Title 1"/>
+          <p:cNvSpPr>
+            <a:spLocks noGrp="1"/>
+          </p:cNvSpPr>
+          <p:nvPr>
+            <p:ph type="title"/>
+          </p:nvPr>
+        </p:nvSpPr>
+        <p:spPr/>
+        <p:txBody>
+          <a:bodyPr/>
+          <a:lstStyle/>
+          <a:p>
+            <a:r>
+              <a:rPr lang="en-US" dirty="0"/>
+              <a:t>WHAT IS GIT ?</a:t>
+            </a:r>
+          </a:p>
+        </p:txBody>
+      </p:sp>
+      <p:sp>
+        <p:nvSpPr>
+          <p:cNvPr id="3" name="Content Placeholder 2"/>
+          <p:cNvSpPr>
+            <a:spLocks noGrp="1"/>
+          </p:cNvSpPr>
+          <p:nvPr>
+            <p:ph idx="1"/>
+          </p:nvPr>
+        </p:nvSpPr>
+        <p:spPr/>
+        <p:txBody>
+          <a:bodyPr>
+            <a:normAutofit/>
+          </a:bodyPr>
+          <a:lstStyle/>
+          <a:p>
+            <a:pPr algn="just"/>
+            <a:r>
+              <a:rPr lang="en-US" dirty="0"/>
+              <a:t>GIT has a distributed architecture.</a:t>
+            </a:r>
+          </a:p>
+          <a:p>
+            <a:pPr marL="0" indent="0" algn="just">
+              <a:buNone/>
+            </a:pPr>
+            <a:endParaRPr lang="en-US" dirty="0"/>
+          </a:p>
+          <a:p>
+            <a:pPr algn="just"/>
+            <a:r>
+              <a:rPr lang="en-US" dirty="0"/>
+              <a:t>GIT does not have only one single place for the full version history of the software.</a:t>
+            </a:r>
+          </a:p>
+          <a:p>
+            <a:pPr marL="0" indent="0" algn="just">
+              <a:buNone/>
+            </a:pPr>
+            <a:endParaRPr lang="en-US" dirty="0"/>
+          </a:p>
+          <a:p>
+            <a:pPr algn="just"/>
+            <a:r>
+              <a:rPr lang="en-US" dirty="0"/>
+              <a:t>Every developer’s working copy of the code is also a repository that can contain the full history of all changes.</a:t>
+            </a:r>
+          </a:p>
+          <a:p>
+            <a:pPr marL="0" indent="0" algn="just">
+              <a:buNone/>
+            </a:pPr>
+            <a:endParaRPr lang="en-US" dirty="0"/>
+          </a:p>
+          <a:p>
+            <a:pPr algn="just"/>
+            <a:r>
+              <a:rPr lang="en-US" dirty="0"/>
+              <a:t>This is contrary to the architecture of once-popular version control systems like CVS or Subversion (also known as SVN)</a:t>
+            </a:r>
+          </a:p>
+          <a:p>
+            <a:pPr algn="just"/>
+            <a:endParaRPr lang="en-US" dirty="0"/>
+          </a:p>
+          <a:p>
+            <a:pPr algn="just"/>
+            <a:endParaRPr lang="en-US" dirty="0"/>
+          </a:p>
+        </p:txBody>
+      </p:sp>
+    </p:spTree>
+  </p:cSld>
+  <p:clrMapOvr>
+    <a:masterClrMapping/>
+  </p:clrMapOvr>
+</p:sld>
+</file>
+
+<file path=ppt/slides/slide7.xml><?xml version="1.0" encoding="utf-8"?>
+<p:sld xmlns:a="http://schemas.openxmlformats.org/drawingml/2006/main" xmlns:r="http://schemas.openxmlformats.org/officeDocument/2006/relationships" xmlns:p="http://schemas.openxmlformats.org/presentationml/2006/main">
+  <p:cSld>
+    <p:spTree>
+      <p:nvGrpSpPr>
+        <p:cNvPr id="1" name=""/>
+        <p:cNvGrpSpPr/>
+        <p:nvPr/>
+      </p:nvGrpSpPr>
+      <p:grpSpPr>
+        <a:xfrm>
+          <a:off x="0" y="0"/>
+          <a:ext cx="0" cy="0"/>
+          <a:chOff x="0" y="0"/>
+          <a:chExt cx="0" cy="0"/>
+        </a:xfrm>
+      </p:grpSpPr>
+      <p:sp>
+        <p:nvSpPr>
+          <p:cNvPr id="2" name="Title 1"/>
+          <p:cNvSpPr>
+            <a:spLocks noGrp="1"/>
+          </p:cNvSpPr>
+          <p:nvPr>
+            <p:ph type="title"/>
+          </p:nvPr>
+        </p:nvSpPr>
+        <p:spPr/>
+        <p:txBody>
+          <a:bodyPr/>
+          <a:lstStyle/>
+          <a:p>
+            <a:r>
+              <a:rPr lang="en-US" dirty="0"/>
+              <a:t>INSTALLING GIT</a:t>
+            </a:r>
+          </a:p>
+        </p:txBody>
+      </p:sp>
+      <p:sp>
+        <p:nvSpPr>
+          <p:cNvPr id="3" name="Content Placeholder 2"/>
+          <p:cNvSpPr>
+            <a:spLocks noGrp="1"/>
+          </p:cNvSpPr>
+          <p:nvPr>
+            <p:ph idx="1"/>
+          </p:nvPr>
+        </p:nvSpPr>
+        <p:spPr/>
+        <p:txBody>
+          <a:bodyPr>
+            <a:normAutofit/>
+          </a:bodyPr>
+          <a:lstStyle/>
+          <a:p>
+            <a:r>
+              <a:rPr lang="en-US" dirty="0"/>
+              <a:t>Go to </a:t>
+            </a:r>
+            <a:r>
+              <a:rPr lang="en-US" dirty="0">
+                <a:hlinkClick r:id="rId2"/>
+              </a:rPr>
+              <a:t>https://git-scm.com/</a:t>
+            </a:r>
+            <a:r>
+              <a:rPr lang="en-US" dirty="0"/>
+              <a:t> to download an appropriate version for your operating system.</a:t>
+            </a:r>
+          </a:p>
+          <a:p>
+            <a:pPr marL="0" indent="0">
+              <a:buNone/>
+            </a:pPr>
+            <a:endParaRPr lang="en-US" dirty="0"/>
+          </a:p>
+          <a:p>
+            <a:r>
+              <a:rPr lang="en-US" dirty="0"/>
+              <a:t>For Linux based operating systems you can install via your terminal.</a:t>
+            </a:r>
+          </a:p>
+          <a:p>
+            <a:pPr marL="731520" lvl="1" indent="-457200">
+              <a:buFont typeface="+mj-lt"/>
+              <a:buAutoNum type="arabicPeriod"/>
+            </a:pPr>
+            <a:r>
+              <a:rPr lang="en-US" sz="2400" b="1" dirty="0"/>
+              <a:t>For Ubuntu:  </a:t>
+            </a:r>
+            <a:r>
+              <a:rPr lang="en-US" sz="2400" dirty="0"/>
+              <a:t>sudo apt-get install git</a:t>
+            </a:r>
+          </a:p>
+          <a:p>
+            <a:pPr marL="731520" lvl="1" indent="-457200">
+              <a:buFont typeface="+mj-lt"/>
+              <a:buAutoNum type="arabicPeriod"/>
+            </a:pPr>
+            <a:r>
+              <a:rPr lang="en-US" sz="2400" b="1" dirty="0"/>
+              <a:t>For Mac OS: </a:t>
+            </a:r>
+            <a:r>
+              <a:rPr lang="en-US" sz="2400" dirty="0">
+                <a:solidFill>
+                  <a:srgbClr val="292934"/>
+                </a:solidFill>
+              </a:rPr>
+              <a:t>brew install git</a:t>
+            </a:r>
+            <a:r>
+              <a:rPr lang="en-US" dirty="0">
+                <a:solidFill>
+                  <a:srgbClr val="292934"/>
+                </a:solidFill>
+              </a:rPr>
               <a:t>	</a:t>
             </a:r>
-            <a:endParaRPr lang="en-US" sz="2200" dirty="0" smtClean="0"/>
-          </a:p>
-          <a:p>
-            <a:pPr marL="342900" indent="-342900" algn="just">
-              <a:buFont typeface="Arial" pitchFamily="34" charset="0"/>
-              <a:buChar char="•"/>
+          </a:p>
+        </p:txBody>
+      </p:sp>
+    </p:spTree>
+  </p:cSld>
+  <p:clrMapOvr>
+    <a:masterClrMapping/>
+  </p:clrMapOvr>
+</p:sld>
+</file>
+
+<file path=ppt/slides/slide8.xml><?xml version="1.0" encoding="utf-8"?>
+<p:sld xmlns:a="http://schemas.openxmlformats.org/drawingml/2006/main" xmlns:r="http://schemas.openxmlformats.org/officeDocument/2006/relationships" xmlns:p="http://schemas.openxmlformats.org/presentationml/2006/main">
+  <p:cSld>
+    <p:spTree>
+      <p:nvGrpSpPr>
+        <p:cNvPr id="1" name=""/>
+        <p:cNvGrpSpPr/>
+        <p:nvPr/>
+      </p:nvGrpSpPr>
+      <p:grpSpPr>
+        <a:xfrm>
+          <a:off x="0" y="0"/>
+          <a:ext cx="0" cy="0"/>
+          <a:chOff x="0" y="0"/>
+          <a:chExt cx="0" cy="0"/>
+        </a:xfrm>
+      </p:grpSpPr>
+      <p:sp>
+        <p:nvSpPr>
+          <p:cNvPr id="2" name="Title 1"/>
+          <p:cNvSpPr>
+            <a:spLocks noGrp="1"/>
+          </p:cNvSpPr>
+          <p:nvPr>
+            <p:ph type="title"/>
+          </p:nvPr>
+        </p:nvSpPr>
+        <p:spPr/>
+        <p:txBody>
+          <a:bodyPr/>
+          <a:lstStyle/>
+          <a:p>
+            <a:r>
+              <a:rPr lang="en-US" dirty="0"/>
+              <a:t>GETTING STARTED</a:t>
+            </a:r>
+          </a:p>
+        </p:txBody>
+      </p:sp>
+      <p:graphicFrame>
+        <p:nvGraphicFramePr>
+          <p:cNvPr id="4" name="Content Placeholder 3"/>
+          <p:cNvGraphicFramePr>
+            <a:graphicFrameLocks noGrp="1"/>
+          </p:cNvGraphicFramePr>
+          <p:nvPr>
+            <p:ph idx="1"/>
+            <p:extLst>
+              <p:ext uri="{D42A27DB-BD31-4B8C-83A1-F6EECF244321}">
+                <p14:modId xmlns:p14="http://schemas.microsoft.com/office/powerpoint/2010/main" val="309829184"/>
+              </p:ext>
+            </p:extLst>
+          </p:nvPr>
+        </p:nvGraphicFramePr>
+        <p:xfrm>
+          <a:off x="1511508" y="1868774"/>
+          <a:ext cx="8367010" cy="4382125"/>
+        </p:xfrm>
+        <a:graphic>
+          <a:graphicData uri="http://schemas.openxmlformats.org/drawingml/2006/diagram">
+            <dgm:relIds xmlns:dgm="http://schemas.openxmlformats.org/drawingml/2006/diagram" xmlns:r="http://schemas.openxmlformats.org/officeDocument/2006/relationships" r:dm="rId2" r:lo="rId3" r:qs="rId4" r:cs="rId5"/>
+          </a:graphicData>
+        </a:graphic>
+      </p:graphicFrame>
+    </p:spTree>
+  </p:cSld>
+  <p:clrMapOvr>
+    <a:masterClrMapping/>
+  </p:clrMapOvr>
+</p:sld>
+</file>
+
+<file path=ppt/slides/slide9.xml><?xml version="1.0" encoding="utf-8"?>
+<p:sld xmlns:a="http://schemas.openxmlformats.org/drawingml/2006/main" xmlns:r="http://schemas.openxmlformats.org/officeDocument/2006/relationships" xmlns:p="http://schemas.openxmlformats.org/presentationml/2006/main">
+  <p:cSld>
+    <p:spTree>
+      <p:nvGrpSpPr>
+        <p:cNvPr id="1" name=""/>
+        <p:cNvGrpSpPr/>
+        <p:nvPr/>
+      </p:nvGrpSpPr>
+      <p:grpSpPr>
+        <a:xfrm>
+          <a:off x="0" y="0"/>
+          <a:ext cx="0" cy="0"/>
+          <a:chOff x="0" y="0"/>
+          <a:chExt cx="0" cy="0"/>
+        </a:xfrm>
+      </p:grpSpPr>
+      <p:sp>
+        <p:nvSpPr>
+          <p:cNvPr id="2" name="Title 1"/>
+          <p:cNvSpPr>
+            <a:spLocks noGrp="1"/>
+          </p:cNvSpPr>
+          <p:nvPr>
+            <p:ph type="title"/>
+          </p:nvPr>
+        </p:nvSpPr>
+        <p:spPr/>
+        <p:txBody>
+          <a:bodyPr/>
+          <a:lstStyle/>
+          <a:p>
+            <a:r>
+              <a:rPr lang="en-US" dirty="0"/>
+              <a:t>1. Initial GIT Setup</a:t>
+            </a:r>
+          </a:p>
+        </p:txBody>
+      </p:sp>
+      <p:sp>
+        <p:nvSpPr>
+          <p:cNvPr id="3" name="Content Placeholder 2"/>
+          <p:cNvSpPr>
+            <a:spLocks noGrp="1"/>
+          </p:cNvSpPr>
+          <p:nvPr>
+            <p:ph idx="1"/>
+          </p:nvPr>
+        </p:nvSpPr>
+        <p:spPr/>
+        <p:txBody>
+          <a:bodyPr/>
+          <a:lstStyle/>
+          <a:p>
+            <a:pPr marL="0" indent="0">
+              <a:buNone/>
             </a:pPr>
-            <a:endParaRPr lang="en-US" sz="2200" dirty="0" smtClean="0"/>
+            <a:r>
+              <a:rPr lang="en-US" dirty="0"/>
+              <a:t>1. Setup your name:</a:t>
+            </a:r>
+          </a:p>
+          <a:p>
+            <a:pPr marL="0" indent="0">
+              <a:buNone/>
+            </a:pPr>
+            <a:r>
+              <a:rPr lang="en-US" dirty="0"/>
+              <a:t>	$ git </a:t>
+            </a:r>
+            <a:r>
+              <a:rPr lang="en-US" dirty="0" err="1"/>
+              <a:t>config</a:t>
+            </a:r>
+            <a:r>
+              <a:rPr lang="en-US" dirty="0"/>
+              <a:t> --global </a:t>
+            </a:r>
+            <a:r>
+              <a:rPr lang="en-US" dirty="0" err="1"/>
+              <a:t>user.name</a:t>
+            </a:r>
+            <a:r>
+              <a:rPr lang="en-US" dirty="0"/>
+              <a:t> ”John Doe”</a:t>
+            </a:r>
+          </a:p>
+          <a:p>
+            <a:endParaRPr lang="en-US" dirty="0"/>
+          </a:p>
+          <a:p>
+            <a:pPr marL="0" indent="0">
+              <a:buNone/>
+            </a:pPr>
+            <a:r>
+              <a:rPr lang="en-US" dirty="0"/>
+              <a:t>2. Confirm your name is properly setup:</a:t>
+            </a:r>
+          </a:p>
+          <a:p>
+            <a:pPr marL="0" indent="0">
+              <a:buNone/>
+            </a:pPr>
+            <a:r>
+              <a:rPr lang="en-US" dirty="0"/>
+              <a:t>	$ git </a:t>
+            </a:r>
+            <a:r>
+              <a:rPr lang="en-US" dirty="0" err="1"/>
+              <a:t>config</a:t>
+            </a:r>
+            <a:r>
+              <a:rPr lang="en-US" dirty="0"/>
+              <a:t> --global </a:t>
+            </a:r>
+            <a:r>
+              <a:rPr lang="en-US" dirty="0" err="1"/>
+              <a:t>user.name</a:t>
+            </a:r>
+            <a:endParaRPr lang="en-US" dirty="0"/>
+          </a:p>
+          <a:p>
+            <a:pPr marL="0" indent="0">
+              <a:buNone/>
+            </a:pPr>
+            <a:r>
+              <a:rPr lang="en-US" dirty="0"/>
+              <a:t>	</a:t>
+            </a:r>
+          </a:p>
+          <a:p>
+            <a:pPr marL="0" indent="0">
+              <a:buNone/>
+            </a:pPr>
+            <a:r>
+              <a:rPr lang="en-US" dirty="0"/>
+              <a:t>3. Set your email</a:t>
+            </a:r>
+          </a:p>
+          <a:p>
+            <a:pPr marL="0" indent="0">
+              <a:buNone/>
+            </a:pPr>
+            <a:r>
+              <a:rPr lang="en-US" dirty="0"/>
+              <a:t>	$ git </a:t>
+            </a:r>
+            <a:r>
+              <a:rPr lang="en-US" dirty="0" err="1"/>
+              <a:t>config</a:t>
+            </a:r>
+            <a:r>
+              <a:rPr lang="en-US" dirty="0"/>
+              <a:t> --global </a:t>
+            </a:r>
+            <a:r>
+              <a:rPr lang="en-US" dirty="0" err="1"/>
+              <a:t>user.email</a:t>
+            </a:r>
+            <a:r>
+              <a:rPr lang="en-US" dirty="0"/>
+              <a:t> “john.doe@mail.com”</a:t>
+            </a:r>
+          </a:p>
+          <a:p>
+            <a:pPr marL="0" indent="0">
+              <a:buNone/>
+            </a:pPr>
+            <a:endParaRPr lang="en-US" dirty="0"/>
+          </a:p>
+          <a:p>
+            <a:pPr marL="0" indent="0">
+              <a:buNone/>
+            </a:pPr>
+            <a:endParaRPr lang="en-US" dirty="0"/>
           </a:p>
         </p:txBody>
       </p:sp>
     </p:spTree>
-    <p:extLst>
-      <p:ext uri="{BB962C8B-B14F-4D97-AF65-F5344CB8AC3E}">
-        <p14:creationId xmlns:p14="http://schemas.microsoft.com/office/powerpoint/2010/main" val="986884535"/>
-      </p:ext>
-    </p:extLst>
   </p:cSld>
   <p:clrMapOvr>
     <a:masterClrMapping/>
@@ -5675,7 +11705,7 @@
   <a:extraClrSchemeLst/>
   <a:extLst>
     <a:ext uri="{05A4C25C-085E-4340-85A3-A5531E510DB2}">
-      <thm15:themeFamily xmlns:thm15="http://schemas.microsoft.com/office/thememl/2012/main" xmlns="" name="Office Theme" id="{62F939B6-93AF-4DB8-9C6B-D6C7DFDC589F}" vid="{4A3C46E8-61CC-4603-A589-7422A47A8E4A}"/>
+      <thm15:themeFamily xmlns:thm15="http://schemas.microsoft.com/office/thememl/2012/main" name="Office Theme" id="{62F939B6-93AF-4DB8-9C6B-D6C7DFDC589F}" vid="{4A3C46E8-61CC-4603-A589-7422A47A8E4A}"/>
     </a:ext>
   </a:extLst>
 </a:theme>
@@ -5936,7 +11966,7 @@
   <a:extraClrSchemeLst/>
   <a:extLst>
     <a:ext uri="{05A4C25C-085E-4340-85A3-A5531E510DB2}">
-      <thm15:themeFamily xmlns:thm15="http://schemas.microsoft.com/office/thememl/2012/main" xmlns="" name="Office Theme" id="{62F939B6-93AF-4DB8-9C6B-D6C7DFDC589F}" vid="{4A3C46E8-61CC-4603-A589-7422A47A8E4A}"/>
+      <thm15:themeFamily xmlns:thm15="http://schemas.microsoft.com/office/thememl/2012/main" name="Office Theme" id="{62F939B6-93AF-4DB8-9C6B-D6C7DFDC589F}" vid="{4A3C46E8-61CC-4603-A589-7422A47A8E4A}"/>
     </a:ext>
   </a:extLst>
 </a:theme>
